--- a/Machine Learning Project/UFC.pptx
+++ b/Machine Learning Project/UFC.pptx
@@ -1,17 +1,26 @@
 
 <file path=ppt/presentation.xml><?xml version="1.0" encoding="utf-8"?>
-<p:presentation xmlns:a="http://schemas.openxmlformats.org/drawingml/2006/main" xmlns:p="http://schemas.openxmlformats.org/presentationml/2006/main" xmlns:r="http://schemas.openxmlformats.org/officeDocument/2006/relationships" saveSubsetFonts="1">
+<p:presentation xmlns:a="http://schemas.openxmlformats.org/drawingml/2006/main" xmlns:r="http://schemas.openxmlformats.org/officeDocument/2006/relationships" xmlns:p="http://schemas.openxmlformats.org/presentationml/2006/main" saveSubsetFonts="1">
   <p:sldMasterIdLst>
     <p:sldMasterId id="2147483648" r:id="rId1"/>
   </p:sldMasterIdLst>
   <p:sldIdLst>
-    <p:sldId id="256" r:id="rId6"/>
-    <p:sldId id="257" r:id="rId7"/>
-    <p:sldId id="258" r:id="rId8"/>
-    <p:sldId id="259" r:id="rId9"/>
-    <p:sldId id="260" r:id="rId10"/>
-    <p:sldId id="261" r:id="rId11"/>
-    <p:sldId id="262" r:id="rId12"/>
+    <p:sldId id="256" r:id="rId2"/>
+    <p:sldId id="263" r:id="rId3"/>
+    <p:sldId id="264" r:id="rId4"/>
+    <p:sldId id="265" r:id="rId5"/>
+    <p:sldId id="266" r:id="rId6"/>
+    <p:sldId id="267" r:id="rId7"/>
+    <p:sldId id="268" r:id="rId8"/>
+    <p:sldId id="257" r:id="rId9"/>
+    <p:sldId id="258" r:id="rId10"/>
+    <p:sldId id="259" r:id="rId11"/>
+    <p:sldId id="260" r:id="rId12"/>
+    <p:sldId id="261" r:id="rId13"/>
+    <p:sldId id="262" r:id="rId14"/>
+    <p:sldId id="269" r:id="rId15"/>
+    <p:sldId id="270" r:id="rId16"/>
+    <p:sldId id="271" r:id="rId17"/>
   </p:sldIdLst>
   <p:sldSz cx="12192000" cy="6858000"/>
   <p:notesSz cx="6858000" cy="9144000"/>
@@ -19,8 +28,8 @@
     <a:defPPr>
       <a:defRPr lang="en-US"/>
     </a:defPPr>
-    <a:lvl1pPr algn="l" defTabSz="914400" eaLnBrk="1" hangingPunct="1" latinLnBrk="0" marL="0" rtl="0">
-      <a:defRPr kern="1200" sz="1800">
+    <a:lvl1pPr marL="0" algn="l" defTabSz="914400" rtl="0" eaLnBrk="1" latinLnBrk="0" hangingPunct="1">
+      <a:defRPr sz="1800" kern="1200">
         <a:solidFill>
           <a:schemeClr val="tx1"/>
         </a:solidFill>
@@ -29,8 +38,8 @@
         <a:cs typeface="+mn-cs"/>
       </a:defRPr>
     </a:lvl1pPr>
-    <a:lvl2pPr algn="l" defTabSz="914400" eaLnBrk="1" hangingPunct="1" latinLnBrk="0" marL="457200" rtl="0">
-      <a:defRPr kern="1200" sz="1800">
+    <a:lvl2pPr marL="457200" algn="l" defTabSz="914400" rtl="0" eaLnBrk="1" latinLnBrk="0" hangingPunct="1">
+      <a:defRPr sz="1800" kern="1200">
         <a:solidFill>
           <a:schemeClr val="tx1"/>
         </a:solidFill>
@@ -39,8 +48,8 @@
         <a:cs typeface="+mn-cs"/>
       </a:defRPr>
     </a:lvl2pPr>
-    <a:lvl3pPr algn="l" defTabSz="914400" eaLnBrk="1" hangingPunct="1" latinLnBrk="0" marL="914400" rtl="0">
-      <a:defRPr kern="1200" sz="1800">
+    <a:lvl3pPr marL="914400" algn="l" defTabSz="914400" rtl="0" eaLnBrk="1" latinLnBrk="0" hangingPunct="1">
+      <a:defRPr sz="1800" kern="1200">
         <a:solidFill>
           <a:schemeClr val="tx1"/>
         </a:solidFill>
@@ -49,8 +58,8 @@
         <a:cs typeface="+mn-cs"/>
       </a:defRPr>
     </a:lvl3pPr>
-    <a:lvl4pPr algn="l" defTabSz="914400" eaLnBrk="1" hangingPunct="1" latinLnBrk="0" marL="1371600" rtl="0">
-      <a:defRPr kern="1200" sz="1800">
+    <a:lvl4pPr marL="1371600" algn="l" defTabSz="914400" rtl="0" eaLnBrk="1" latinLnBrk="0" hangingPunct="1">
+      <a:defRPr sz="1800" kern="1200">
         <a:solidFill>
           <a:schemeClr val="tx1"/>
         </a:solidFill>
@@ -59,8 +68,8 @@
         <a:cs typeface="+mn-cs"/>
       </a:defRPr>
     </a:lvl4pPr>
-    <a:lvl5pPr algn="l" defTabSz="914400" eaLnBrk="1" hangingPunct="1" latinLnBrk="0" marL="1828800" rtl="0">
-      <a:defRPr kern="1200" sz="1800">
+    <a:lvl5pPr marL="1828800" algn="l" defTabSz="914400" rtl="0" eaLnBrk="1" latinLnBrk="0" hangingPunct="1">
+      <a:defRPr sz="1800" kern="1200">
         <a:solidFill>
           <a:schemeClr val="tx1"/>
         </a:solidFill>
@@ -69,8 +78,8 @@
         <a:cs typeface="+mn-cs"/>
       </a:defRPr>
     </a:lvl5pPr>
-    <a:lvl6pPr algn="l" defTabSz="914400" eaLnBrk="1" hangingPunct="1" latinLnBrk="0" marL="2286000" rtl="0">
-      <a:defRPr kern="1200" sz="1800">
+    <a:lvl6pPr marL="2286000" algn="l" defTabSz="914400" rtl="0" eaLnBrk="1" latinLnBrk="0" hangingPunct="1">
+      <a:defRPr sz="1800" kern="1200">
         <a:solidFill>
           <a:schemeClr val="tx1"/>
         </a:solidFill>
@@ -79,8 +88,8 @@
         <a:cs typeface="+mn-cs"/>
       </a:defRPr>
     </a:lvl6pPr>
-    <a:lvl7pPr algn="l" defTabSz="914400" eaLnBrk="1" hangingPunct="1" latinLnBrk="0" marL="2743200" rtl="0">
-      <a:defRPr kern="1200" sz="1800">
+    <a:lvl7pPr marL="2743200" algn="l" defTabSz="914400" rtl="0" eaLnBrk="1" latinLnBrk="0" hangingPunct="1">
+      <a:defRPr sz="1800" kern="1200">
         <a:solidFill>
           <a:schemeClr val="tx1"/>
         </a:solidFill>
@@ -89,8 +98,8 @@
         <a:cs typeface="+mn-cs"/>
       </a:defRPr>
     </a:lvl7pPr>
-    <a:lvl8pPr algn="l" defTabSz="914400" eaLnBrk="1" hangingPunct="1" latinLnBrk="0" marL="3200400" rtl="0">
-      <a:defRPr kern="1200" sz="1800">
+    <a:lvl8pPr marL="3200400" algn="l" defTabSz="914400" rtl="0" eaLnBrk="1" latinLnBrk="0" hangingPunct="1">
+      <a:defRPr sz="1800" kern="1200">
         <a:solidFill>
           <a:schemeClr val="tx1"/>
         </a:solidFill>
@@ -99,8 +108,8 @@
         <a:cs typeface="+mn-cs"/>
       </a:defRPr>
     </a:lvl8pPr>
-    <a:lvl9pPr algn="l" defTabSz="914400" eaLnBrk="1" hangingPunct="1" latinLnBrk="0" marL="3657600" rtl="0">
-      <a:defRPr kern="1200" sz="1800">
+    <a:lvl9pPr marL="3657600" algn="l" defTabSz="914400" rtl="0" eaLnBrk="1" latinLnBrk="0" hangingPunct="1">
+      <a:defRPr sz="1800" kern="1200">
         <a:solidFill>
           <a:schemeClr val="tx1"/>
         </a:solidFill>
@@ -110,6 +119,11 @@
       </a:defRPr>
     </a:lvl9pPr>
   </p:defaultTextStyle>
+  <p:extLst>
+    <p:ext uri="{EFAFB233-063F-42B5-8137-9DF3F51BA10A}">
+      <p15:sldGuideLst xmlns:p15="http://schemas.microsoft.com/office/powerpoint/2012/main"/>
+    </p:ext>
+  </p:extLst>
 </p:presentation>
 </file>
 
@@ -260,9 +274,9 @@
           <a:p>
             <a:fld id="{EED1C14C-A143-42F5-B247-D0E800131009}" type="datetimeFigureOut">
               <a:rPr lang="en-US" smtClean="0"/>
-              <a:t>8/15/2018</a:t>
+              <a:t>2/27/2020</a:t>
             </a:fld>
-            <a:endParaRPr lang="en-US"/>
+            <a:endParaRPr lang="en-US" dirty="0"/>
           </a:p>
         </p:txBody>
       </p:sp>
@@ -287,7 +301,7 @@
           <a:bodyPr/>
           <a:lstStyle/>
           <a:p>
-            <a:endParaRPr lang="en-US"/>
+            <a:endParaRPr lang="en-US" dirty="0"/>
           </a:p>
         </p:txBody>
       </p:sp>
@@ -316,7 +330,7 @@
               <a:rPr lang="en-US" smtClean="0"/>
               <a:t>‹#›</a:t>
             </a:fld>
-            <a:endParaRPr lang="en-US"/>
+            <a:endParaRPr lang="en-US" dirty="0"/>
           </a:p>
         </p:txBody>
       </p:sp>
@@ -458,9 +472,9 @@
           <a:p>
             <a:fld id="{EED1C14C-A143-42F5-B247-D0E800131009}" type="datetimeFigureOut">
               <a:rPr lang="en-US" smtClean="0"/>
-              <a:t>8/15/2018</a:t>
+              <a:t>2/27/2020</a:t>
             </a:fld>
-            <a:endParaRPr lang="en-US"/>
+            <a:endParaRPr lang="en-US" dirty="0"/>
           </a:p>
         </p:txBody>
       </p:sp>
@@ -485,7 +499,7 @@
           <a:bodyPr/>
           <a:lstStyle/>
           <a:p>
-            <a:endParaRPr lang="en-US"/>
+            <a:endParaRPr lang="en-US" dirty="0"/>
           </a:p>
         </p:txBody>
       </p:sp>
@@ -514,7 +528,7 @@
               <a:rPr lang="en-US" smtClean="0"/>
               <a:t>‹#›</a:t>
             </a:fld>
-            <a:endParaRPr lang="en-US"/>
+            <a:endParaRPr lang="en-US" dirty="0"/>
           </a:p>
         </p:txBody>
       </p:sp>
@@ -666,9 +680,9 @@
           <a:p>
             <a:fld id="{EED1C14C-A143-42F5-B247-D0E800131009}" type="datetimeFigureOut">
               <a:rPr lang="en-US" smtClean="0"/>
-              <a:t>8/15/2018</a:t>
+              <a:t>2/27/2020</a:t>
             </a:fld>
-            <a:endParaRPr lang="en-US"/>
+            <a:endParaRPr lang="en-US" dirty="0"/>
           </a:p>
         </p:txBody>
       </p:sp>
@@ -693,7 +707,7 @@
           <a:bodyPr/>
           <a:lstStyle/>
           <a:p>
-            <a:endParaRPr lang="en-US"/>
+            <a:endParaRPr lang="en-US" dirty="0"/>
           </a:p>
         </p:txBody>
       </p:sp>
@@ -722,7 +736,7 @@
               <a:rPr lang="en-US" smtClean="0"/>
               <a:t>‹#›</a:t>
             </a:fld>
-            <a:endParaRPr lang="en-US"/>
+            <a:endParaRPr lang="en-US" dirty="0"/>
           </a:p>
         </p:txBody>
       </p:sp>
@@ -864,9 +878,9 @@
           <a:p>
             <a:fld id="{EED1C14C-A143-42F5-B247-D0E800131009}" type="datetimeFigureOut">
               <a:rPr lang="en-US" smtClean="0"/>
-              <a:t>8/15/2018</a:t>
+              <a:t>2/27/2020</a:t>
             </a:fld>
-            <a:endParaRPr lang="en-US"/>
+            <a:endParaRPr lang="en-US" dirty="0"/>
           </a:p>
         </p:txBody>
       </p:sp>
@@ -891,7 +905,7 @@
           <a:bodyPr/>
           <a:lstStyle/>
           <a:p>
-            <a:endParaRPr lang="en-US"/>
+            <a:endParaRPr lang="en-US" dirty="0"/>
           </a:p>
         </p:txBody>
       </p:sp>
@@ -920,7 +934,7 @@
               <a:rPr lang="en-US" smtClean="0"/>
               <a:t>‹#›</a:t>
             </a:fld>
-            <a:endParaRPr lang="en-US"/>
+            <a:endParaRPr lang="en-US" dirty="0"/>
           </a:p>
         </p:txBody>
       </p:sp>
@@ -1139,9 +1153,9 @@
           <a:p>
             <a:fld id="{EED1C14C-A143-42F5-B247-D0E800131009}" type="datetimeFigureOut">
               <a:rPr lang="en-US" smtClean="0"/>
-              <a:t>8/15/2018</a:t>
+              <a:t>2/27/2020</a:t>
             </a:fld>
-            <a:endParaRPr lang="en-US"/>
+            <a:endParaRPr lang="en-US" dirty="0"/>
           </a:p>
         </p:txBody>
       </p:sp>
@@ -1166,7 +1180,7 @@
           <a:bodyPr/>
           <a:lstStyle/>
           <a:p>
-            <a:endParaRPr lang="en-US"/>
+            <a:endParaRPr lang="en-US" dirty="0"/>
           </a:p>
         </p:txBody>
       </p:sp>
@@ -1195,7 +1209,7 @@
               <a:rPr lang="en-US" smtClean="0"/>
               <a:t>‹#›</a:t>
             </a:fld>
-            <a:endParaRPr lang="en-US"/>
+            <a:endParaRPr lang="en-US" dirty="0"/>
           </a:p>
         </p:txBody>
       </p:sp>
@@ -1404,9 +1418,9 @@
           <a:p>
             <a:fld id="{EED1C14C-A143-42F5-B247-D0E800131009}" type="datetimeFigureOut">
               <a:rPr lang="en-US" smtClean="0"/>
-              <a:t>8/15/2018</a:t>
+              <a:t>2/27/2020</a:t>
             </a:fld>
-            <a:endParaRPr lang="en-US"/>
+            <a:endParaRPr lang="en-US" dirty="0"/>
           </a:p>
         </p:txBody>
       </p:sp>
@@ -1431,7 +1445,7 @@
           <a:bodyPr/>
           <a:lstStyle/>
           <a:p>
-            <a:endParaRPr lang="en-US"/>
+            <a:endParaRPr lang="en-US" dirty="0"/>
           </a:p>
         </p:txBody>
       </p:sp>
@@ -1460,7 +1474,7 @@
               <a:rPr lang="en-US" smtClean="0"/>
               <a:t>‹#›</a:t>
             </a:fld>
-            <a:endParaRPr lang="en-US"/>
+            <a:endParaRPr lang="en-US" dirty="0"/>
           </a:p>
         </p:txBody>
       </p:sp>
@@ -1816,9 +1830,9 @@
           <a:p>
             <a:fld id="{EED1C14C-A143-42F5-B247-D0E800131009}" type="datetimeFigureOut">
               <a:rPr lang="en-US" smtClean="0"/>
-              <a:t>8/15/2018</a:t>
+              <a:t>2/27/2020</a:t>
             </a:fld>
-            <a:endParaRPr lang="en-US"/>
+            <a:endParaRPr lang="en-US" dirty="0"/>
           </a:p>
         </p:txBody>
       </p:sp>
@@ -1843,7 +1857,7 @@
           <a:bodyPr/>
           <a:lstStyle/>
           <a:p>
-            <a:endParaRPr lang="en-US"/>
+            <a:endParaRPr lang="en-US" dirty="0"/>
           </a:p>
         </p:txBody>
       </p:sp>
@@ -1872,7 +1886,7 @@
               <a:rPr lang="en-US" smtClean="0"/>
               <a:t>‹#›</a:t>
             </a:fld>
-            <a:endParaRPr lang="en-US"/>
+            <a:endParaRPr lang="en-US" dirty="0"/>
           </a:p>
         </p:txBody>
       </p:sp>
@@ -1957,9 +1971,9 @@
           <a:p>
             <a:fld id="{EED1C14C-A143-42F5-B247-D0E800131009}" type="datetimeFigureOut">
               <a:rPr lang="en-US" smtClean="0"/>
-              <a:t>8/15/2018</a:t>
+              <a:t>2/27/2020</a:t>
             </a:fld>
-            <a:endParaRPr lang="en-US"/>
+            <a:endParaRPr lang="en-US" dirty="0"/>
           </a:p>
         </p:txBody>
       </p:sp>
@@ -1984,7 +1998,7 @@
           <a:bodyPr/>
           <a:lstStyle/>
           <a:p>
-            <a:endParaRPr lang="en-US"/>
+            <a:endParaRPr lang="en-US" dirty="0"/>
           </a:p>
         </p:txBody>
       </p:sp>
@@ -2013,7 +2027,7 @@
               <a:rPr lang="en-US" smtClean="0"/>
               <a:t>‹#›</a:t>
             </a:fld>
-            <a:endParaRPr lang="en-US"/>
+            <a:endParaRPr lang="en-US" dirty="0"/>
           </a:p>
         </p:txBody>
       </p:sp>
@@ -2070,9 +2084,9 @@
           <a:p>
             <a:fld id="{EED1C14C-A143-42F5-B247-D0E800131009}" type="datetimeFigureOut">
               <a:rPr lang="en-US" smtClean="0"/>
-              <a:t>8/15/2018</a:t>
+              <a:t>2/27/2020</a:t>
             </a:fld>
-            <a:endParaRPr lang="en-US"/>
+            <a:endParaRPr lang="en-US" dirty="0"/>
           </a:p>
         </p:txBody>
       </p:sp>
@@ -2097,7 +2111,7 @@
           <a:bodyPr/>
           <a:lstStyle/>
           <a:p>
-            <a:endParaRPr lang="en-US"/>
+            <a:endParaRPr lang="en-US" dirty="0"/>
           </a:p>
         </p:txBody>
       </p:sp>
@@ -2126,7 +2140,7 @@
               <a:rPr lang="en-US" smtClean="0"/>
               <a:t>‹#›</a:t>
             </a:fld>
-            <a:endParaRPr lang="en-US"/>
+            <a:endParaRPr lang="en-US" dirty="0"/>
           </a:p>
         </p:txBody>
       </p:sp>
@@ -2381,9 +2395,9 @@
           <a:p>
             <a:fld id="{EED1C14C-A143-42F5-B247-D0E800131009}" type="datetimeFigureOut">
               <a:rPr lang="en-US" smtClean="0"/>
-              <a:t>8/15/2018</a:t>
+              <a:t>2/27/2020</a:t>
             </a:fld>
-            <a:endParaRPr lang="en-US"/>
+            <a:endParaRPr lang="en-US" dirty="0"/>
           </a:p>
         </p:txBody>
       </p:sp>
@@ -2408,7 +2422,7 @@
           <a:bodyPr/>
           <a:lstStyle/>
           <a:p>
-            <a:endParaRPr lang="en-US"/>
+            <a:endParaRPr lang="en-US" dirty="0"/>
           </a:p>
         </p:txBody>
       </p:sp>
@@ -2437,7 +2451,7 @@
               <a:rPr lang="en-US" smtClean="0"/>
               <a:t>‹#›</a:t>
             </a:fld>
-            <a:endParaRPr lang="en-US"/>
+            <a:endParaRPr lang="en-US" dirty="0"/>
           </a:p>
         </p:txBody>
       </p:sp>
@@ -2571,7 +2585,7 @@
             </a:lvl9pPr>
           </a:lstStyle>
           <a:p>
-            <a:endParaRPr lang="en-US"/>
+            <a:endParaRPr lang="en-US" dirty="0"/>
           </a:p>
         </p:txBody>
       </p:sp>
@@ -2669,9 +2683,9 @@
           <a:p>
             <a:fld id="{EED1C14C-A143-42F5-B247-D0E800131009}" type="datetimeFigureOut">
               <a:rPr lang="en-US" smtClean="0"/>
-              <a:t>8/15/2018</a:t>
+              <a:t>2/27/2020</a:t>
             </a:fld>
-            <a:endParaRPr lang="en-US"/>
+            <a:endParaRPr lang="en-US" dirty="0"/>
           </a:p>
         </p:txBody>
       </p:sp>
@@ -2696,7 +2710,7 @@
           <a:bodyPr/>
           <a:lstStyle/>
           <a:p>
-            <a:endParaRPr lang="en-US"/>
+            <a:endParaRPr lang="en-US" dirty="0"/>
           </a:p>
         </p:txBody>
       </p:sp>
@@ -2725,7 +2739,7 @@
               <a:rPr lang="en-US" smtClean="0"/>
               <a:t>‹#›</a:t>
             </a:fld>
-            <a:endParaRPr lang="en-US"/>
+            <a:endParaRPr lang="en-US" dirty="0"/>
           </a:p>
         </p:txBody>
       </p:sp>
@@ -2910,9 +2924,9 @@
           <a:p>
             <a:fld id="{EED1C14C-A143-42F5-B247-D0E800131009}" type="datetimeFigureOut">
               <a:rPr lang="en-US" smtClean="0"/>
-              <a:t>8/15/2018</a:t>
+              <a:t>2/27/2020</a:t>
             </a:fld>
-            <a:endParaRPr lang="en-US"/>
+            <a:endParaRPr lang="en-US" dirty="0"/>
           </a:p>
         </p:txBody>
       </p:sp>
@@ -2955,7 +2969,7 @@
             </a:lvl1pPr>
           </a:lstStyle>
           <a:p>
-            <a:endParaRPr lang="en-US"/>
+            <a:endParaRPr lang="en-US" dirty="0"/>
           </a:p>
         </p:txBody>
       </p:sp>
@@ -3002,7 +3016,7 @@
               <a:rPr lang="en-US" smtClean="0"/>
               <a:t>‹#›</a:t>
             </a:fld>
-            <a:endParaRPr lang="en-US"/>
+            <a:endParaRPr lang="en-US" dirty="0"/>
           </a:p>
         </p:txBody>
       </p:sp>
@@ -3311,7 +3325,7 @@
 </file>
 
 <file path=ppt/slides/slide1.xml><?xml version="1.0" encoding="utf-8"?>
-<p:sld xmlns:a="http://schemas.openxmlformats.org/drawingml/2006/main" xmlns:p="http://schemas.openxmlformats.org/presentationml/2006/main" xmlns:r="http://schemas.openxmlformats.org/officeDocument/2006/relationships">
+<p:sld xmlns:a="http://schemas.openxmlformats.org/drawingml/2006/main" xmlns:r="http://schemas.openxmlformats.org/officeDocument/2006/relationships" xmlns:p="http://schemas.openxmlformats.org/presentationml/2006/main">
   <p:cSld>
     <p:spTree>
       <p:nvGrpSpPr>
@@ -3329,7 +3343,7 @@
       </p:grpSpPr>
       <p:sp>
         <p:nvSpPr>
-          <p:cNvPr id="0" name="slide1">
+          <p:cNvPr id="2" name="slide1">
             <a:extLst>
               <a:ext uri="{FF2B5EF4-FFF2-40B4-BE49-F238E27FC236}">
                 <a16:creationId xmlns:a16="http://schemas.microsoft.com/office/drawing/2014/main" id="{9C8A1D40-52DD-430C-843F-CBC7961F7CE5}"/>
@@ -3340,24 +3354,25 @@
             <a:spLocks noGrp="1"/>
           </p:cNvSpPr>
           <p:nvPr>
-            <p:ph idx="0" type="ctrTitle"/>
-          </p:nvPr>
-        </p:nvSpPr>
-        <p:spPr/>
-        <p:txBody>
-          <a:bodyPr/>
-          <a:lstStyle/>
-          <a:p>
-            <a:r>
-              <a:rPr/>
-              <a:t>UFC</a:t>
-            </a:r>
-          </a:p>
-        </p:txBody>
-      </p:sp>
-      <p:sp>
-        <p:nvSpPr>
-          <p:cNvPr id="1" name="slide1">
+            <p:ph type="ctrTitle"/>
+          </p:nvPr>
+        </p:nvSpPr>
+        <p:spPr/>
+        <p:txBody>
+          <a:bodyPr/>
+          <a:lstStyle/>
+          <a:p>
+            <a:r>
+              <a:rPr lang="en-US" dirty="0"/>
+              <a:t>UFC ML Project</a:t>
+            </a:r>
+            <a:endParaRPr dirty="0"/>
+          </a:p>
+        </p:txBody>
+      </p:sp>
+      <p:sp>
+        <p:nvSpPr>
+          <p:cNvPr id="3" name="slide1">
             <a:extLst>
               <a:ext uri="{FF2B5EF4-FFF2-40B4-BE49-F238E27FC236}">
                 <a16:creationId xmlns:a16="http://schemas.microsoft.com/office/drawing/2014/main" id="{7EAD76E6-687A-4F0E-BEF0-230A99541219}"/>
@@ -3368,17 +3383,223 @@
             <a:spLocks noGrp="1"/>
           </p:cNvSpPr>
           <p:nvPr>
-            <p:ph idx="1" type="subTitle"/>
-          </p:nvPr>
-        </p:nvSpPr>
-        <p:spPr/>
-        <p:txBody>
-          <a:bodyPr/>
-          <a:lstStyle/>
-          <a:p>
-            <a:r>
-              <a:rPr/>
+            <p:ph type="subTitle" idx="1"/>
+          </p:nvPr>
+        </p:nvSpPr>
+        <p:spPr>
+          <a:xfrm>
+            <a:off x="9395670" y="6487851"/>
+            <a:ext cx="2796330" cy="307232"/>
+          </a:xfrm>
+        </p:spPr>
+        <p:txBody>
+          <a:bodyPr>
+            <a:normAutofit fontScale="55000" lnSpcReduction="20000"/>
+          </a:bodyPr>
+          <a:lstStyle/>
+          <a:p>
+            <a:r>
+              <a:rPr dirty="0"/>
               <a:t>File created on: 2/27/2020 9:46:14 PM</a:t>
+            </a:r>
+          </a:p>
+        </p:txBody>
+      </p:sp>
+      <p:sp>
+        <p:nvSpPr>
+          <p:cNvPr id="4" name="slide1">
+            <a:extLst>
+              <a:ext uri="{FF2B5EF4-FFF2-40B4-BE49-F238E27FC236}">
+                <a16:creationId xmlns:a16="http://schemas.microsoft.com/office/drawing/2014/main" id="{59219D8B-F4D9-48B6-934F-8DDC350E71A0}"/>
+              </a:ext>
+            </a:extLst>
+          </p:cNvPr>
+          <p:cNvSpPr txBox="1">
+            <a:spLocks/>
+          </p:cNvSpPr>
+          <p:nvPr/>
+        </p:nvSpPr>
+        <p:spPr>
+          <a:xfrm>
+            <a:off x="1524000" y="3602038"/>
+            <a:ext cx="9144000" cy="1655762"/>
+          </a:xfrm>
+          <a:prstGeom prst="rect">
+            <a:avLst/>
+          </a:prstGeom>
+        </p:spPr>
+        <p:txBody>
+          <a:bodyPr vert="horz" lIns="91440" tIns="45720" rIns="91440" bIns="45720" rtlCol="0">
+            <a:normAutofit/>
+          </a:bodyPr>
+          <a:lstStyle>
+            <a:lvl1pPr marL="0" indent="0" algn="ctr" defTabSz="914400" rtl="0" eaLnBrk="1" latinLnBrk="0" hangingPunct="1">
+              <a:lnSpc>
+                <a:spcPct val="90000"/>
+              </a:lnSpc>
+              <a:spcBef>
+                <a:spcPts val="1000"/>
+              </a:spcBef>
+              <a:buFont typeface="Arial" panose="020B0604020202020204" pitchFamily="34" charset="0"/>
+              <a:buNone/>
+              <a:defRPr sz="2400" kern="1200">
+                <a:solidFill>
+                  <a:schemeClr val="tx1"/>
+                </a:solidFill>
+                <a:latin typeface="+mn-lt"/>
+                <a:ea typeface="+mn-ea"/>
+                <a:cs typeface="+mn-cs"/>
+              </a:defRPr>
+            </a:lvl1pPr>
+            <a:lvl2pPr marL="457200" indent="0" algn="ctr" defTabSz="914400" rtl="0" eaLnBrk="1" latinLnBrk="0" hangingPunct="1">
+              <a:lnSpc>
+                <a:spcPct val="90000"/>
+              </a:lnSpc>
+              <a:spcBef>
+                <a:spcPts val="500"/>
+              </a:spcBef>
+              <a:buFont typeface="Arial" panose="020B0604020202020204" pitchFamily="34" charset="0"/>
+              <a:buNone/>
+              <a:defRPr sz="2000" kern="1200">
+                <a:solidFill>
+                  <a:schemeClr val="tx1"/>
+                </a:solidFill>
+                <a:latin typeface="+mn-lt"/>
+                <a:ea typeface="+mn-ea"/>
+                <a:cs typeface="+mn-cs"/>
+              </a:defRPr>
+            </a:lvl2pPr>
+            <a:lvl3pPr marL="914400" indent="0" algn="ctr" defTabSz="914400" rtl="0" eaLnBrk="1" latinLnBrk="0" hangingPunct="1">
+              <a:lnSpc>
+                <a:spcPct val="90000"/>
+              </a:lnSpc>
+              <a:spcBef>
+                <a:spcPts val="500"/>
+              </a:spcBef>
+              <a:buFont typeface="Arial" panose="020B0604020202020204" pitchFamily="34" charset="0"/>
+              <a:buNone/>
+              <a:defRPr sz="1800" kern="1200">
+                <a:solidFill>
+                  <a:schemeClr val="tx1"/>
+                </a:solidFill>
+                <a:latin typeface="+mn-lt"/>
+                <a:ea typeface="+mn-ea"/>
+                <a:cs typeface="+mn-cs"/>
+              </a:defRPr>
+            </a:lvl3pPr>
+            <a:lvl4pPr marL="1371600" indent="0" algn="ctr" defTabSz="914400" rtl="0" eaLnBrk="1" latinLnBrk="0" hangingPunct="1">
+              <a:lnSpc>
+                <a:spcPct val="90000"/>
+              </a:lnSpc>
+              <a:spcBef>
+                <a:spcPts val="500"/>
+              </a:spcBef>
+              <a:buFont typeface="Arial" panose="020B0604020202020204" pitchFamily="34" charset="0"/>
+              <a:buNone/>
+              <a:defRPr sz="1600" kern="1200">
+                <a:solidFill>
+                  <a:schemeClr val="tx1"/>
+                </a:solidFill>
+                <a:latin typeface="+mn-lt"/>
+                <a:ea typeface="+mn-ea"/>
+                <a:cs typeface="+mn-cs"/>
+              </a:defRPr>
+            </a:lvl4pPr>
+            <a:lvl5pPr marL="1828800" indent="0" algn="ctr" defTabSz="914400" rtl="0" eaLnBrk="1" latinLnBrk="0" hangingPunct="1">
+              <a:lnSpc>
+                <a:spcPct val="90000"/>
+              </a:lnSpc>
+              <a:spcBef>
+                <a:spcPts val="500"/>
+              </a:spcBef>
+              <a:buFont typeface="Arial" panose="020B0604020202020204" pitchFamily="34" charset="0"/>
+              <a:buNone/>
+              <a:defRPr sz="1600" kern="1200">
+                <a:solidFill>
+                  <a:schemeClr val="tx1"/>
+                </a:solidFill>
+                <a:latin typeface="+mn-lt"/>
+                <a:ea typeface="+mn-ea"/>
+                <a:cs typeface="+mn-cs"/>
+              </a:defRPr>
+            </a:lvl5pPr>
+            <a:lvl6pPr marL="2286000" indent="0" algn="ctr" defTabSz="914400" rtl="0" eaLnBrk="1" latinLnBrk="0" hangingPunct="1">
+              <a:lnSpc>
+                <a:spcPct val="90000"/>
+              </a:lnSpc>
+              <a:spcBef>
+                <a:spcPts val="500"/>
+              </a:spcBef>
+              <a:buFont typeface="Arial" panose="020B0604020202020204" pitchFamily="34" charset="0"/>
+              <a:buNone/>
+              <a:defRPr sz="1600" kern="1200">
+                <a:solidFill>
+                  <a:schemeClr val="tx1"/>
+                </a:solidFill>
+                <a:latin typeface="+mn-lt"/>
+                <a:ea typeface="+mn-ea"/>
+                <a:cs typeface="+mn-cs"/>
+              </a:defRPr>
+            </a:lvl6pPr>
+            <a:lvl7pPr marL="2743200" indent="0" algn="ctr" defTabSz="914400" rtl="0" eaLnBrk="1" latinLnBrk="0" hangingPunct="1">
+              <a:lnSpc>
+                <a:spcPct val="90000"/>
+              </a:lnSpc>
+              <a:spcBef>
+                <a:spcPts val="500"/>
+              </a:spcBef>
+              <a:buFont typeface="Arial" panose="020B0604020202020204" pitchFamily="34" charset="0"/>
+              <a:buNone/>
+              <a:defRPr sz="1600" kern="1200">
+                <a:solidFill>
+                  <a:schemeClr val="tx1"/>
+                </a:solidFill>
+                <a:latin typeface="+mn-lt"/>
+                <a:ea typeface="+mn-ea"/>
+                <a:cs typeface="+mn-cs"/>
+              </a:defRPr>
+            </a:lvl7pPr>
+            <a:lvl8pPr marL="3200400" indent="0" algn="ctr" defTabSz="914400" rtl="0" eaLnBrk="1" latinLnBrk="0" hangingPunct="1">
+              <a:lnSpc>
+                <a:spcPct val="90000"/>
+              </a:lnSpc>
+              <a:spcBef>
+                <a:spcPts val="500"/>
+              </a:spcBef>
+              <a:buFont typeface="Arial" panose="020B0604020202020204" pitchFamily="34" charset="0"/>
+              <a:buNone/>
+              <a:defRPr sz="1600" kern="1200">
+                <a:solidFill>
+                  <a:schemeClr val="tx1"/>
+                </a:solidFill>
+                <a:latin typeface="+mn-lt"/>
+                <a:ea typeface="+mn-ea"/>
+                <a:cs typeface="+mn-cs"/>
+              </a:defRPr>
+            </a:lvl8pPr>
+            <a:lvl9pPr marL="3657600" indent="0" algn="ctr" defTabSz="914400" rtl="0" eaLnBrk="1" latinLnBrk="0" hangingPunct="1">
+              <a:lnSpc>
+                <a:spcPct val="90000"/>
+              </a:lnSpc>
+              <a:spcBef>
+                <a:spcPts val="500"/>
+              </a:spcBef>
+              <a:buFont typeface="Arial" panose="020B0604020202020204" pitchFamily="34" charset="0"/>
+              <a:buNone/>
+              <a:defRPr sz="1600" kern="1200">
+                <a:solidFill>
+                  <a:schemeClr val="tx1"/>
+                </a:solidFill>
+                <a:latin typeface="+mn-lt"/>
+                <a:ea typeface="+mn-ea"/>
+                <a:cs typeface="+mn-cs"/>
+              </a:defRPr>
+            </a:lvl9pPr>
+          </a:lstStyle>
+          <a:p>
+            <a:r>
+              <a:rPr lang="en-US" dirty="0"/>
+              <a:t>Rich Hamilton</a:t>
             </a:r>
           </a:p>
         </p:txBody>
@@ -3396,8 +3617,8 @@
 </p:sld>
 </file>
 
-<file path=ppt/slides/slide2.xml><?xml version="1.0" encoding="utf-8"?>
-<p:sld xmlns:a="http://schemas.openxmlformats.org/drawingml/2006/main" xmlns:p="http://schemas.openxmlformats.org/presentationml/2006/main" xmlns:r="http://schemas.openxmlformats.org/officeDocument/2006/relationships">
+<file path=ppt/slides/slide10.xml><?xml version="1.0" encoding="utf-8"?>
+<p:sld xmlns:a="http://schemas.openxmlformats.org/drawingml/2006/main" xmlns:r="http://schemas.openxmlformats.org/officeDocument/2006/relationships" xmlns:p="http://schemas.openxmlformats.org/presentationml/2006/main">
   <p:cSld>
     <p:spTree>
       <p:nvGrpSpPr>
@@ -3415,10 +3636,10 @@
       </p:grpSpPr>
       <p:pic>
         <p:nvPicPr>
-          <p:cNvPr descr="Win Method" id="2" name="slide2">
-            <a:extLst>
-              <a:ext uri="{FF2B5EF4-FFF2-40B4-BE49-F238E27FC236}">
-                <a16:creationId xmlns:a16="http://schemas.microsoft.com/office/drawing/2014/main" id="{6DE79487-4DA7-4A3F-A978-D27AF01A2986}"/>
+          <p:cNvPr id="4" name="slide4" descr="KO &amp;amp; Sub Wins UFC History">
+            <a:extLst>
+              <a:ext uri="{FF2B5EF4-FFF2-40B4-BE49-F238E27FC236}">
+                <a16:creationId xmlns:a16="http://schemas.microsoft.com/office/drawing/2014/main" id="{02645576-15F1-4D77-9A00-65B76BC7DFE1}"/>
               </a:ext>
             </a:extLst>
           </p:cNvPr>
@@ -3428,7 +3649,1433 @@
           <p:nvPr/>
         </p:nvPicPr>
         <p:blipFill>
-          <a:blip r:embed="rId7">
+          <a:blip r:embed="rId2">
+            <a:extLst>
+              <a:ext uri="{28A0092B-C50C-407E-A947-70E740481C1C}">
+                <a14:useLocalDpi xmlns:a14="http://schemas.microsoft.com/office/drawing/2010/main" val="0"/>
+              </a:ext>
+            </a:extLst>
+          </a:blip>
+          <a:stretch>
+            <a:fillRect/>
+          </a:stretch>
+        </p:blipFill>
+        <p:spPr>
+          <a:xfrm>
+            <a:off x="1809750" y="0"/>
+            <a:ext cx="8572500" cy="6858000"/>
+          </a:xfrm>
+          <a:prstGeom prst="rect">
+            <a:avLst/>
+          </a:prstGeom>
+        </p:spPr>
+      </p:pic>
+    </p:spTree>
+    <p:extLst>
+      <p:ext uri="{BB962C8B-B14F-4D97-AF65-F5344CB8AC3E}">
+        <p14:creationId xmlns:p14="http://schemas.microsoft.com/office/powerpoint/2010/main" val="95992585"/>
+      </p:ext>
+    </p:extLst>
+  </p:cSld>
+  <p:clrMapOvr>
+    <a:masterClrMapping/>
+  </p:clrMapOvr>
+</p:sld>
+</file>
+
+<file path=ppt/slides/slide11.xml><?xml version="1.0" encoding="utf-8"?>
+<p:sld xmlns:a="http://schemas.openxmlformats.org/drawingml/2006/main" xmlns:r="http://schemas.openxmlformats.org/officeDocument/2006/relationships" xmlns:p="http://schemas.openxmlformats.org/presentationml/2006/main">
+  <p:cSld>
+    <p:spTree>
+      <p:nvGrpSpPr>
+        <p:cNvPr id="1" name=""/>
+        <p:cNvGrpSpPr/>
+        <p:nvPr/>
+      </p:nvGrpSpPr>
+      <p:grpSpPr>
+        <a:xfrm>
+          <a:off x="0" y="0"/>
+          <a:ext cx="0" cy="0"/>
+          <a:chOff x="0" y="0"/>
+          <a:chExt cx="0" cy="0"/>
+        </a:xfrm>
+      </p:grpSpPr>
+      <p:pic>
+        <p:nvPicPr>
+          <p:cNvPr id="5" name="slide5" descr="Types of Wins_U-Dec Wins">
+            <a:extLst>
+              <a:ext uri="{FF2B5EF4-FFF2-40B4-BE49-F238E27FC236}">
+                <a16:creationId xmlns:a16="http://schemas.microsoft.com/office/drawing/2014/main" id="{076BAEE2-B69D-43DC-89F7-8073C53C5F40}"/>
+              </a:ext>
+            </a:extLst>
+          </p:cNvPr>
+          <p:cNvPicPr>
+            <a:picLocks noChangeAspect="1"/>
+          </p:cNvPicPr>
+          <p:nvPr/>
+        </p:nvPicPr>
+        <p:blipFill>
+          <a:blip r:embed="rId2">
+            <a:extLst>
+              <a:ext uri="{28A0092B-C50C-407E-A947-70E740481C1C}">
+                <a14:useLocalDpi xmlns:a14="http://schemas.microsoft.com/office/drawing/2010/main" val="0"/>
+              </a:ext>
+            </a:extLst>
+          </a:blip>
+          <a:stretch>
+            <a:fillRect/>
+          </a:stretch>
+        </p:blipFill>
+        <p:spPr>
+          <a:xfrm>
+            <a:off x="1809750" y="0"/>
+            <a:ext cx="8572500" cy="6858000"/>
+          </a:xfrm>
+          <a:prstGeom prst="rect">
+            <a:avLst/>
+          </a:prstGeom>
+        </p:spPr>
+      </p:pic>
+    </p:spTree>
+    <p:extLst>
+      <p:ext uri="{BB962C8B-B14F-4D97-AF65-F5344CB8AC3E}">
+        <p14:creationId xmlns:p14="http://schemas.microsoft.com/office/powerpoint/2010/main" val="95992585"/>
+      </p:ext>
+    </p:extLst>
+  </p:cSld>
+  <p:clrMapOvr>
+    <a:masterClrMapping/>
+  </p:clrMapOvr>
+</p:sld>
+</file>
+
+<file path=ppt/slides/slide12.xml><?xml version="1.0" encoding="utf-8"?>
+<p:sld xmlns:a="http://schemas.openxmlformats.org/drawingml/2006/main" xmlns:r="http://schemas.openxmlformats.org/officeDocument/2006/relationships" xmlns:p="http://schemas.openxmlformats.org/presentationml/2006/main">
+  <p:cSld>
+    <p:spTree>
+      <p:nvGrpSpPr>
+        <p:cNvPr id="1" name=""/>
+        <p:cNvGrpSpPr/>
+        <p:nvPr/>
+      </p:nvGrpSpPr>
+      <p:grpSpPr>
+        <a:xfrm>
+          <a:off x="0" y="0"/>
+          <a:ext cx="0" cy="0"/>
+          <a:chOff x="0" y="0"/>
+          <a:chExt cx="0" cy="0"/>
+        </a:xfrm>
+      </p:grpSpPr>
+      <p:pic>
+        <p:nvPicPr>
+          <p:cNvPr id="6" name="slide6" descr="Fights by Divison_Most Wins in UFC History">
+            <a:extLst>
+              <a:ext uri="{FF2B5EF4-FFF2-40B4-BE49-F238E27FC236}">
+                <a16:creationId xmlns:a16="http://schemas.microsoft.com/office/drawing/2014/main" id="{6295E544-F78D-4A45-AD0E-C928D8F96A04}"/>
+              </a:ext>
+            </a:extLst>
+          </p:cNvPr>
+          <p:cNvPicPr>
+            <a:picLocks noChangeAspect="1"/>
+          </p:cNvPicPr>
+          <p:nvPr/>
+        </p:nvPicPr>
+        <p:blipFill>
+          <a:blip r:embed="rId2">
+            <a:extLst>
+              <a:ext uri="{28A0092B-C50C-407E-A947-70E740481C1C}">
+                <a14:useLocalDpi xmlns:a14="http://schemas.microsoft.com/office/drawing/2010/main" val="0"/>
+              </a:ext>
+            </a:extLst>
+          </a:blip>
+          <a:stretch>
+            <a:fillRect/>
+          </a:stretch>
+        </p:blipFill>
+        <p:spPr>
+          <a:xfrm>
+            <a:off x="1809750" y="0"/>
+            <a:ext cx="8572500" cy="6858000"/>
+          </a:xfrm>
+          <a:prstGeom prst="rect">
+            <a:avLst/>
+          </a:prstGeom>
+        </p:spPr>
+      </p:pic>
+    </p:spTree>
+    <p:extLst>
+      <p:ext uri="{BB962C8B-B14F-4D97-AF65-F5344CB8AC3E}">
+        <p14:creationId xmlns:p14="http://schemas.microsoft.com/office/powerpoint/2010/main" val="95992585"/>
+      </p:ext>
+    </p:extLst>
+  </p:cSld>
+  <p:clrMapOvr>
+    <a:masterClrMapping/>
+  </p:clrMapOvr>
+</p:sld>
+</file>
+
+<file path=ppt/slides/slide13.xml><?xml version="1.0" encoding="utf-8"?>
+<p:sld xmlns:a="http://schemas.openxmlformats.org/drawingml/2006/main" xmlns:r="http://schemas.openxmlformats.org/officeDocument/2006/relationships" xmlns:p="http://schemas.openxmlformats.org/presentationml/2006/main">
+  <p:cSld>
+    <p:spTree>
+      <p:nvGrpSpPr>
+        <p:cNvPr id="1" name=""/>
+        <p:cNvGrpSpPr/>
+        <p:nvPr/>
+      </p:nvGrpSpPr>
+      <p:grpSpPr>
+        <a:xfrm>
+          <a:off x="0" y="0"/>
+          <a:ext cx="0" cy="0"/>
+          <a:chOff x="0" y="0"/>
+          <a:chExt cx="0" cy="0"/>
+        </a:xfrm>
+      </p:grpSpPr>
+      <p:pic>
+        <p:nvPicPr>
+          <p:cNvPr id="7" name="slide7" descr="Type of WIns by Round">
+            <a:extLst>
+              <a:ext uri="{FF2B5EF4-FFF2-40B4-BE49-F238E27FC236}">
+                <a16:creationId xmlns:a16="http://schemas.microsoft.com/office/drawing/2014/main" id="{093899C3-993B-42A8-B104-73E1ACC341C7}"/>
+              </a:ext>
+            </a:extLst>
+          </p:cNvPr>
+          <p:cNvPicPr>
+            <a:picLocks noChangeAspect="1"/>
+          </p:cNvPicPr>
+          <p:nvPr/>
+        </p:nvPicPr>
+        <p:blipFill>
+          <a:blip r:embed="rId2">
+            <a:extLst>
+              <a:ext uri="{28A0092B-C50C-407E-A947-70E740481C1C}">
+                <a14:useLocalDpi xmlns:a14="http://schemas.microsoft.com/office/drawing/2010/main" val="0"/>
+              </a:ext>
+            </a:extLst>
+          </a:blip>
+          <a:stretch>
+            <a:fillRect/>
+          </a:stretch>
+        </p:blipFill>
+        <p:spPr>
+          <a:xfrm>
+            <a:off x="1809750" y="0"/>
+            <a:ext cx="8572500" cy="6858000"/>
+          </a:xfrm>
+          <a:prstGeom prst="rect">
+            <a:avLst/>
+          </a:prstGeom>
+        </p:spPr>
+      </p:pic>
+    </p:spTree>
+    <p:extLst>
+      <p:ext uri="{BB962C8B-B14F-4D97-AF65-F5344CB8AC3E}">
+        <p14:creationId xmlns:p14="http://schemas.microsoft.com/office/powerpoint/2010/main" val="95992585"/>
+      </p:ext>
+    </p:extLst>
+  </p:cSld>
+  <p:clrMapOvr>
+    <a:masterClrMapping/>
+  </p:clrMapOvr>
+</p:sld>
+</file>
+
+<file path=ppt/slides/slide14.xml><?xml version="1.0" encoding="utf-8"?>
+<p:sld xmlns:a="http://schemas.openxmlformats.org/drawingml/2006/main" xmlns:r="http://schemas.openxmlformats.org/officeDocument/2006/relationships" xmlns:p="http://schemas.openxmlformats.org/presentationml/2006/main">
+  <p:cSld>
+    <p:spTree>
+      <p:nvGrpSpPr>
+        <p:cNvPr id="1" name=""/>
+        <p:cNvGrpSpPr/>
+        <p:nvPr/>
+      </p:nvGrpSpPr>
+      <p:grpSpPr>
+        <a:xfrm>
+          <a:off x="0" y="0"/>
+          <a:ext cx="0" cy="0"/>
+          <a:chOff x="0" y="0"/>
+          <a:chExt cx="0" cy="0"/>
+        </a:xfrm>
+      </p:grpSpPr>
+      <p:sp>
+        <p:nvSpPr>
+          <p:cNvPr id="2" name="Title 1">
+            <a:extLst>
+              <a:ext uri="{FF2B5EF4-FFF2-40B4-BE49-F238E27FC236}">
+                <a16:creationId xmlns:a16="http://schemas.microsoft.com/office/drawing/2014/main" id="{0214BB0D-509F-49EC-A524-16E5483FE5CF}"/>
+              </a:ext>
+            </a:extLst>
+          </p:cNvPr>
+          <p:cNvSpPr>
+            <a:spLocks noGrp="1"/>
+          </p:cNvSpPr>
+          <p:nvPr>
+            <p:ph type="title"/>
+          </p:nvPr>
+        </p:nvSpPr>
+        <p:spPr/>
+        <p:txBody>
+          <a:bodyPr/>
+          <a:lstStyle/>
+          <a:p>
+            <a:r>
+              <a:rPr lang="en-US" b="1" dirty="0"/>
+              <a:t>Final Analysis - ML</a:t>
+            </a:r>
+            <a:endParaRPr lang="en-US" dirty="0"/>
+          </a:p>
+        </p:txBody>
+      </p:sp>
+      <p:sp>
+        <p:nvSpPr>
+          <p:cNvPr id="3" name="Content Placeholder 2">
+            <a:extLst>
+              <a:ext uri="{FF2B5EF4-FFF2-40B4-BE49-F238E27FC236}">
+                <a16:creationId xmlns:a16="http://schemas.microsoft.com/office/drawing/2014/main" id="{F71CD26E-AA96-4D12-87F5-75912C8D4FF2}"/>
+              </a:ext>
+            </a:extLst>
+          </p:cNvPr>
+          <p:cNvSpPr>
+            <a:spLocks noGrp="1"/>
+          </p:cNvSpPr>
+          <p:nvPr>
+            <p:ph idx="1"/>
+          </p:nvPr>
+        </p:nvSpPr>
+        <p:spPr/>
+        <p:txBody>
+          <a:bodyPr/>
+          <a:lstStyle/>
+          <a:p>
+            <a:r>
+              <a:rPr lang="en-US" dirty="0"/>
+              <a:t>Based on the datasets it appears more likely that the red corner is the favorite over the blue corner. The model is having a hard time confirming the reasoning behind this finding. My assumption is due to the nature of the sport and the variety a ways a fighter can win could very well be contributing to this.</a:t>
+            </a:r>
+          </a:p>
+          <a:p>
+            <a:r>
+              <a:rPr lang="it-IT" dirty="0"/>
+              <a:t>Accuracy Score - </a:t>
+            </a:r>
+            <a:r>
+              <a:rPr lang="it-IT" b="1" dirty="0"/>
+              <a:t>73.5%</a:t>
+            </a:r>
+            <a:endParaRPr lang="it-IT" dirty="0"/>
+          </a:p>
+          <a:p>
+            <a:r>
+              <a:rPr lang="it-IT" dirty="0"/>
+              <a:t>Model Score - </a:t>
+            </a:r>
+            <a:r>
+              <a:rPr lang="it-IT" b="1" dirty="0"/>
+              <a:t>68.4 %</a:t>
+            </a:r>
+            <a:endParaRPr lang="it-IT" dirty="0"/>
+          </a:p>
+          <a:p>
+            <a:endParaRPr lang="en-US" dirty="0"/>
+          </a:p>
+        </p:txBody>
+      </p:sp>
+    </p:spTree>
+    <p:extLst>
+      <p:ext uri="{BB962C8B-B14F-4D97-AF65-F5344CB8AC3E}">
+        <p14:creationId xmlns:p14="http://schemas.microsoft.com/office/powerpoint/2010/main" val="1409933813"/>
+      </p:ext>
+    </p:extLst>
+  </p:cSld>
+  <p:clrMapOvr>
+    <a:masterClrMapping/>
+  </p:clrMapOvr>
+</p:sld>
+</file>
+
+<file path=ppt/slides/slide15.xml><?xml version="1.0" encoding="utf-8"?>
+<p:sld xmlns:a="http://schemas.openxmlformats.org/drawingml/2006/main" xmlns:r="http://schemas.openxmlformats.org/officeDocument/2006/relationships" xmlns:p="http://schemas.openxmlformats.org/presentationml/2006/main">
+  <p:cSld>
+    <p:spTree>
+      <p:nvGrpSpPr>
+        <p:cNvPr id="1" name=""/>
+        <p:cNvGrpSpPr/>
+        <p:nvPr/>
+      </p:nvGrpSpPr>
+      <p:grpSpPr>
+        <a:xfrm>
+          <a:off x="0" y="0"/>
+          <a:ext cx="0" cy="0"/>
+          <a:chOff x="0" y="0"/>
+          <a:chExt cx="0" cy="0"/>
+        </a:xfrm>
+      </p:grpSpPr>
+      <p:sp>
+        <p:nvSpPr>
+          <p:cNvPr id="2" name="Title 1">
+            <a:extLst>
+              <a:ext uri="{FF2B5EF4-FFF2-40B4-BE49-F238E27FC236}">
+                <a16:creationId xmlns:a16="http://schemas.microsoft.com/office/drawing/2014/main" id="{E1125E41-1408-433D-AAA6-891A58F89B19}"/>
+              </a:ext>
+            </a:extLst>
+          </p:cNvPr>
+          <p:cNvSpPr>
+            <a:spLocks noGrp="1"/>
+          </p:cNvSpPr>
+          <p:nvPr>
+            <p:ph type="title"/>
+          </p:nvPr>
+        </p:nvSpPr>
+        <p:spPr/>
+        <p:txBody>
+          <a:bodyPr/>
+          <a:lstStyle/>
+          <a:p>
+            <a:r>
+              <a:rPr lang="en-US" dirty="0"/>
+              <a:t>Content</a:t>
+            </a:r>
+          </a:p>
+        </p:txBody>
+      </p:sp>
+      <p:sp>
+        <p:nvSpPr>
+          <p:cNvPr id="3" name="Content Placeholder 2">
+            <a:extLst>
+              <a:ext uri="{FF2B5EF4-FFF2-40B4-BE49-F238E27FC236}">
+                <a16:creationId xmlns:a16="http://schemas.microsoft.com/office/drawing/2014/main" id="{9F131C80-BD03-43B0-A96D-8ECB95596BC1}"/>
+              </a:ext>
+            </a:extLst>
+          </p:cNvPr>
+          <p:cNvSpPr>
+            <a:spLocks noGrp="1"/>
+          </p:cNvSpPr>
+          <p:nvPr>
+            <p:ph idx="1"/>
+          </p:nvPr>
+        </p:nvSpPr>
+        <p:spPr/>
+        <p:txBody>
+          <a:bodyPr/>
+          <a:lstStyle/>
+          <a:p>
+            <a:r>
+              <a:rPr lang="en-US" dirty="0"/>
+              <a:t>Each row is a compilation of both fighter stats. Fighters are represented by 'red' and 'blue' (for red and blue corner). So for instance, red fighter has the complied average stats of all the fights except the current one. The stats include damage done by the red fighter on the opponent and the damage done by the opponent on the fighter (represented by 'opp' in the columns) in all the fights this particular red fighter has had, except this one as it has not occurred yet (in the data). Same information exists for blue fighter. The target variable is 'Winner' which is the only column that tells you what happened. </a:t>
+            </a:r>
+          </a:p>
+        </p:txBody>
+      </p:sp>
+    </p:spTree>
+    <p:extLst>
+      <p:ext uri="{BB962C8B-B14F-4D97-AF65-F5344CB8AC3E}">
+        <p14:creationId xmlns:p14="http://schemas.microsoft.com/office/powerpoint/2010/main" val="3171590899"/>
+      </p:ext>
+    </p:extLst>
+  </p:cSld>
+  <p:clrMapOvr>
+    <a:masterClrMapping/>
+  </p:clrMapOvr>
+</p:sld>
+</file>
+
+<file path=ppt/slides/slide16.xml><?xml version="1.0" encoding="utf-8"?>
+<p:sld xmlns:a="http://schemas.openxmlformats.org/drawingml/2006/main" xmlns:r="http://schemas.openxmlformats.org/officeDocument/2006/relationships" xmlns:p="http://schemas.openxmlformats.org/presentationml/2006/main">
+  <p:cSld>
+    <p:spTree>
+      <p:nvGrpSpPr>
+        <p:cNvPr id="1" name=""/>
+        <p:cNvGrpSpPr/>
+        <p:nvPr/>
+      </p:nvGrpSpPr>
+      <p:grpSpPr>
+        <a:xfrm>
+          <a:off x="0" y="0"/>
+          <a:ext cx="0" cy="0"/>
+          <a:chOff x="0" y="0"/>
+          <a:chExt cx="0" cy="0"/>
+        </a:xfrm>
+      </p:grpSpPr>
+      <p:sp>
+        <p:nvSpPr>
+          <p:cNvPr id="4" name="Title 3">
+            <a:extLst>
+              <a:ext uri="{FF2B5EF4-FFF2-40B4-BE49-F238E27FC236}">
+                <a16:creationId xmlns:a16="http://schemas.microsoft.com/office/drawing/2014/main" id="{45F5953E-4933-444B-B177-23CAD50C012E}"/>
+              </a:ext>
+            </a:extLst>
+          </p:cNvPr>
+          <p:cNvSpPr>
+            <a:spLocks noGrp="1"/>
+          </p:cNvSpPr>
+          <p:nvPr>
+            <p:ph type="title"/>
+          </p:nvPr>
+        </p:nvSpPr>
+        <p:spPr/>
+        <p:txBody>
+          <a:bodyPr/>
+          <a:lstStyle/>
+          <a:p>
+            <a:r>
+              <a:rPr lang="en-US" b="1" dirty="0"/>
+              <a:t>Column Definitions</a:t>
+            </a:r>
+            <a:endParaRPr lang="en-US" dirty="0"/>
+          </a:p>
+        </p:txBody>
+      </p:sp>
+      <p:sp>
+        <p:nvSpPr>
+          <p:cNvPr id="3" name="Content Placeholder 2">
+            <a:extLst>
+              <a:ext uri="{FF2B5EF4-FFF2-40B4-BE49-F238E27FC236}">
+                <a16:creationId xmlns:a16="http://schemas.microsoft.com/office/drawing/2014/main" id="{87CBB99A-2D72-4B01-8226-F38C9FAB1142}"/>
+              </a:ext>
+            </a:extLst>
+          </p:cNvPr>
+          <p:cNvSpPr>
+            <a:spLocks noGrp="1"/>
+          </p:cNvSpPr>
+          <p:nvPr>
+            <p:ph sz="half" idx="2"/>
+          </p:nvPr>
+        </p:nvSpPr>
+        <p:spPr>
+          <a:xfrm>
+            <a:off x="836612" y="1565507"/>
+            <a:ext cx="5183188" cy="4847875"/>
+          </a:xfrm>
+        </p:spPr>
+        <p:txBody>
+          <a:bodyPr>
+            <a:normAutofit fontScale="25000" lnSpcReduction="20000"/>
+          </a:bodyPr>
+          <a:lstStyle/>
+          <a:p>
+            <a:r>
+              <a:rPr lang="en-US" sz="3200" dirty="0"/>
+              <a:t>R_ and B_ prefix signifies red and blue corner fighter stats respectively </a:t>
+            </a:r>
+            <a:r>
+              <a:rPr lang="en-US" sz="3200" b="1" i="1" dirty="0"/>
+              <a:t>opp</a:t>
+            </a:r>
+            <a:r>
+              <a:rPr lang="en-US" sz="3200" b="1" dirty="0"/>
+              <a:t> containing columns is the average of damage done by the opponent on the fighter</a:t>
+            </a:r>
+            <a:endParaRPr lang="en-US" sz="3200" dirty="0"/>
+          </a:p>
+          <a:p>
+            <a:r>
+              <a:rPr lang="en-US" sz="3200" dirty="0"/>
+              <a:t>KD is number of knockdowns</a:t>
+            </a:r>
+          </a:p>
+          <a:p>
+            <a:r>
+              <a:rPr lang="en-US" sz="3200" dirty="0"/>
+              <a:t>SIG_STR is no. of significant strikes 'landed of attempted'</a:t>
+            </a:r>
+          </a:p>
+          <a:p>
+            <a:r>
+              <a:rPr lang="en-US" sz="3200" dirty="0"/>
+              <a:t>SIG_STR_pct is significant strikes percentage</a:t>
+            </a:r>
+          </a:p>
+          <a:p>
+            <a:r>
+              <a:rPr lang="en-US" sz="3200" dirty="0"/>
+              <a:t>TOTAL_STR is total strikes 'landed of attempted'</a:t>
+            </a:r>
+          </a:p>
+          <a:p>
+            <a:r>
+              <a:rPr lang="en-US" sz="3200" dirty="0"/>
+              <a:t>TD is no. of takedowns</a:t>
+            </a:r>
+          </a:p>
+          <a:p>
+            <a:r>
+              <a:rPr lang="en-US" sz="3200" dirty="0"/>
+              <a:t>TD_pct is takedown percentages</a:t>
+            </a:r>
+          </a:p>
+          <a:p>
+            <a:r>
+              <a:rPr lang="en-US" sz="3200" dirty="0"/>
+              <a:t>SUB_ATT is no. of submission attempts</a:t>
+            </a:r>
+          </a:p>
+          <a:p>
+            <a:r>
+              <a:rPr lang="en-US" sz="3200" dirty="0"/>
+              <a:t>PASS is no. times the guard was passed?</a:t>
+            </a:r>
+          </a:p>
+          <a:p>
+            <a:r>
+              <a:rPr lang="en-US" sz="3200" dirty="0"/>
+              <a:t>REV are the number of reversals</a:t>
+            </a:r>
+          </a:p>
+          <a:p>
+            <a:r>
+              <a:rPr lang="en-US" sz="3200" dirty="0"/>
+              <a:t>HEAD is no. of significant strikes to the head 'landed of attempted'</a:t>
+            </a:r>
+          </a:p>
+          <a:p>
+            <a:r>
+              <a:rPr lang="en-US" sz="3200" dirty="0"/>
+              <a:t>BODY is no. of significant strikes to the body 'landed of attempted'</a:t>
+            </a:r>
+          </a:p>
+          <a:p>
+            <a:r>
+              <a:rPr lang="en-US" sz="3200" dirty="0"/>
+              <a:t>CLINCH is no. of significant strikes in the clinch 'landed of attempted'</a:t>
+            </a:r>
+          </a:p>
+          <a:p>
+            <a:r>
+              <a:rPr lang="en-US" sz="3200" dirty="0"/>
+              <a:t>GROUND is no. of significant strikes on the ground 'landed of attempted'</a:t>
+            </a:r>
+          </a:p>
+          <a:p>
+            <a:r>
+              <a:rPr lang="en-US" sz="3200" dirty="0"/>
+              <a:t>win_by is method of win</a:t>
+            </a:r>
+          </a:p>
+          <a:p>
+            <a:r>
+              <a:rPr lang="en-US" sz="3200" dirty="0"/>
+              <a:t>last_round is last round of the fight (ex. if it was a KO in 1st, then this will be 1)</a:t>
+            </a:r>
+          </a:p>
+          <a:p>
+            <a:r>
+              <a:rPr lang="en-US" sz="3200" dirty="0"/>
+              <a:t>last_round_time is when the fight ended in the last round</a:t>
+            </a:r>
+          </a:p>
+          <a:p>
+            <a:r>
+              <a:rPr lang="en-US" sz="3200" dirty="0"/>
+              <a:t>Format is the format of the fight (3 rounds, 5 rounds etc.)</a:t>
+            </a:r>
+          </a:p>
+          <a:p>
+            <a:r>
+              <a:rPr lang="en-US" sz="3200" dirty="0"/>
+              <a:t>Referee is the name of the Ref</a:t>
+            </a:r>
+          </a:p>
+          <a:p>
+            <a:r>
+              <a:rPr lang="en-US" sz="3200" dirty="0"/>
+              <a:t>date is the date of the fight</a:t>
+            </a:r>
+          </a:p>
+          <a:p>
+            <a:r>
+              <a:rPr lang="en-US" sz="3200" dirty="0"/>
+              <a:t>location is the location in which the event took place</a:t>
+            </a:r>
+          </a:p>
+          <a:p>
+            <a:r>
+              <a:rPr lang="en-US" sz="3200" dirty="0"/>
+              <a:t>Fight_type is which weight class and whether it's a title bout or not</a:t>
+            </a:r>
+          </a:p>
+          <a:p>
+            <a:r>
+              <a:rPr lang="en-US" sz="3200" dirty="0"/>
+              <a:t>Winner is the winner of the fight</a:t>
+            </a:r>
+          </a:p>
+          <a:p>
+            <a:endParaRPr lang="en-US" dirty="0"/>
+          </a:p>
+        </p:txBody>
+      </p:sp>
+      <p:sp>
+        <p:nvSpPr>
+          <p:cNvPr id="7" name="Content Placeholder 6">
+            <a:extLst>
+              <a:ext uri="{FF2B5EF4-FFF2-40B4-BE49-F238E27FC236}">
+                <a16:creationId xmlns:a16="http://schemas.microsoft.com/office/drawing/2014/main" id="{625FE0D1-9630-4146-8FED-AE39B53168AB}"/>
+              </a:ext>
+            </a:extLst>
+          </p:cNvPr>
+          <p:cNvSpPr>
+            <a:spLocks noGrp="1"/>
+          </p:cNvSpPr>
+          <p:nvPr>
+            <p:ph sz="quarter" idx="4"/>
+          </p:nvPr>
+        </p:nvSpPr>
+        <p:spPr>
+          <a:xfrm>
+            <a:off x="6096000" y="1630521"/>
+            <a:ext cx="5183188" cy="4717846"/>
+          </a:xfrm>
+        </p:spPr>
+        <p:txBody>
+          <a:bodyPr>
+            <a:normAutofit fontScale="25000" lnSpcReduction="20000"/>
+          </a:bodyPr>
+          <a:lstStyle/>
+          <a:p>
+            <a:r>
+              <a:rPr lang="en-US" sz="3200" dirty="0"/>
+              <a:t>Stance is the stance of the fighter (orthodox, southpaw, etc.)</a:t>
+            </a:r>
+          </a:p>
+          <a:p>
+            <a:r>
+              <a:rPr lang="en-US" sz="3200" dirty="0"/>
+              <a:t>Height_cms is the height in centimeter</a:t>
+            </a:r>
+          </a:p>
+          <a:p>
+            <a:r>
+              <a:rPr lang="en-US" sz="3200" dirty="0"/>
+              <a:t>Reach_cms is the reach of the fighter (arm span) in centimeter</a:t>
+            </a:r>
+          </a:p>
+          <a:p>
+            <a:r>
+              <a:rPr lang="en-US" sz="3200" dirty="0"/>
+              <a:t>Weight_lbs is the weight of the fighter in pounds (lbs.)</a:t>
+            </a:r>
+          </a:p>
+          <a:p>
+            <a:r>
+              <a:rPr lang="en-US" sz="3200" dirty="0"/>
+              <a:t>age is the age of the fighter</a:t>
+            </a:r>
+          </a:p>
+          <a:p>
+            <a:r>
+              <a:rPr lang="en-US" sz="3200" dirty="0"/>
+              <a:t>title_bout Boolean value of whether it is title fight or not</a:t>
+            </a:r>
+          </a:p>
+          <a:p>
+            <a:r>
+              <a:rPr lang="en-US" sz="3200" dirty="0"/>
+              <a:t>weight class is which weight class the fight is in (Bantamweight, heavyweight, Women's flyweight, etc.)</a:t>
+            </a:r>
+          </a:p>
+          <a:p>
+            <a:r>
+              <a:rPr lang="en-US" sz="3200" dirty="0"/>
+              <a:t>no_of_rounds is the number of rounds the fight was scheduled for</a:t>
+            </a:r>
+          </a:p>
+          <a:p>
+            <a:r>
+              <a:rPr lang="en-US" sz="3200" dirty="0"/>
+              <a:t>current_lose_streak is the count of current concurrent losses of the fighter</a:t>
+            </a:r>
+          </a:p>
+          <a:p>
+            <a:r>
+              <a:rPr lang="en-US" sz="3200" dirty="0"/>
+              <a:t>current_win_streak is the count of current concurrent wins of the fighter</a:t>
+            </a:r>
+          </a:p>
+          <a:p>
+            <a:r>
+              <a:rPr lang="en-US" sz="3200" dirty="0"/>
+              <a:t>draw is the number of draws in the fighter's UFC career</a:t>
+            </a:r>
+          </a:p>
+          <a:p>
+            <a:r>
+              <a:rPr lang="en-US" sz="3200" dirty="0"/>
+              <a:t>wins is the number of wins in the fighter's UFC career</a:t>
+            </a:r>
+          </a:p>
+          <a:p>
+            <a:r>
+              <a:rPr lang="en-US" sz="3200" dirty="0"/>
+              <a:t>losses is the number of losses in the fighter's UFC career</a:t>
+            </a:r>
+          </a:p>
+          <a:p>
+            <a:r>
+              <a:rPr lang="en-US" sz="3200" dirty="0"/>
+              <a:t>total_rounds_fought is the average of total rounds fought by the fighter</a:t>
+            </a:r>
+          </a:p>
+          <a:p>
+            <a:r>
+              <a:rPr lang="en-US" sz="3200" dirty="0"/>
+              <a:t>total_time_fought(seconds) is the count of total time spent fighting in seconds</a:t>
+            </a:r>
+          </a:p>
+          <a:p>
+            <a:r>
+              <a:rPr lang="en-US" sz="3200" dirty="0"/>
+              <a:t>total_title_bouts is the total number of title bouts taken part in by the fighter</a:t>
+            </a:r>
+          </a:p>
+          <a:p>
+            <a:r>
+              <a:rPr lang="en-US" sz="3200" dirty="0"/>
+              <a:t>win_by_Decision_Majority is the number of wins by majority judge's decision in the fighter's UFC career</a:t>
+            </a:r>
+          </a:p>
+          <a:p>
+            <a:r>
+              <a:rPr lang="en-US" sz="3200" dirty="0"/>
+              <a:t>win_by_Decision_Split is the number of wins by split judges' decision in the fighter's UFC career</a:t>
+            </a:r>
+          </a:p>
+          <a:p>
+            <a:r>
+              <a:rPr lang="en-US" sz="3200" dirty="0"/>
+              <a:t>win_by_Decision_Unanimous is the number of wins by unanimous judges' decision in the fighter’s UFC career</a:t>
+            </a:r>
+          </a:p>
+          <a:p>
+            <a:r>
+              <a:rPr lang="en-US" sz="3200" dirty="0"/>
+              <a:t>win_by_KO/TKO is the number of wins by knockout in the fighter's UFC career</a:t>
+            </a:r>
+          </a:p>
+          <a:p>
+            <a:r>
+              <a:rPr lang="en-US" sz="3200" dirty="0"/>
+              <a:t>win_by_Submission is the number of wins by submission in the fighter's UFC career</a:t>
+            </a:r>
+          </a:p>
+          <a:p>
+            <a:r>
+              <a:rPr lang="en-US" sz="3200" dirty="0"/>
+              <a:t>win_by_TKO_Doctor_Stoppage is the number of wins by doctor stoppage in the fighter's UFC career</a:t>
+            </a:r>
+          </a:p>
+          <a:p>
+            <a:endParaRPr lang="en-US" dirty="0"/>
+          </a:p>
+        </p:txBody>
+      </p:sp>
+    </p:spTree>
+    <p:extLst>
+      <p:ext uri="{BB962C8B-B14F-4D97-AF65-F5344CB8AC3E}">
+        <p14:creationId xmlns:p14="http://schemas.microsoft.com/office/powerpoint/2010/main" val="1422679421"/>
+      </p:ext>
+    </p:extLst>
+  </p:cSld>
+  <p:clrMapOvr>
+    <a:masterClrMapping/>
+  </p:clrMapOvr>
+</p:sld>
+</file>
+
+<file path=ppt/slides/slide2.xml><?xml version="1.0" encoding="utf-8"?>
+<p:sld xmlns:a="http://schemas.openxmlformats.org/drawingml/2006/main" xmlns:r="http://schemas.openxmlformats.org/officeDocument/2006/relationships" xmlns:p="http://schemas.openxmlformats.org/presentationml/2006/main">
+  <p:cSld>
+    <p:spTree>
+      <p:nvGrpSpPr>
+        <p:cNvPr id="1" name=""/>
+        <p:cNvGrpSpPr/>
+        <p:nvPr/>
+      </p:nvGrpSpPr>
+      <p:grpSpPr>
+        <a:xfrm>
+          <a:off x="0" y="0"/>
+          <a:ext cx="0" cy="0"/>
+          <a:chOff x="0" y="0"/>
+          <a:chExt cx="0" cy="0"/>
+        </a:xfrm>
+      </p:grpSpPr>
+      <p:sp>
+        <p:nvSpPr>
+          <p:cNvPr id="2" name="Title 1">
+            <a:extLst>
+              <a:ext uri="{FF2B5EF4-FFF2-40B4-BE49-F238E27FC236}">
+                <a16:creationId xmlns:a16="http://schemas.microsoft.com/office/drawing/2014/main" id="{29C2C0E9-3B5F-4EA5-9CEE-480F5C0D8EF3}"/>
+              </a:ext>
+            </a:extLst>
+          </p:cNvPr>
+          <p:cNvSpPr>
+            <a:spLocks noGrp="1"/>
+          </p:cNvSpPr>
+          <p:nvPr>
+            <p:ph type="title"/>
+          </p:nvPr>
+        </p:nvSpPr>
+        <p:spPr/>
+        <p:txBody>
+          <a:bodyPr/>
+          <a:lstStyle/>
+          <a:p>
+            <a:r>
+              <a:rPr lang="en-US" b="1" dirty="0"/>
+              <a:t>Objective</a:t>
+            </a:r>
+          </a:p>
+        </p:txBody>
+      </p:sp>
+      <p:sp>
+        <p:nvSpPr>
+          <p:cNvPr id="3" name="Content Placeholder 2">
+            <a:extLst>
+              <a:ext uri="{FF2B5EF4-FFF2-40B4-BE49-F238E27FC236}">
+                <a16:creationId xmlns:a16="http://schemas.microsoft.com/office/drawing/2014/main" id="{5F0897F5-8E36-4D04-AB1D-CF504F92C3D7}"/>
+              </a:ext>
+            </a:extLst>
+          </p:cNvPr>
+          <p:cNvSpPr>
+            <a:spLocks noGrp="1"/>
+          </p:cNvSpPr>
+          <p:nvPr>
+            <p:ph idx="1"/>
+          </p:nvPr>
+        </p:nvSpPr>
+        <p:spPr/>
+        <p:txBody>
+          <a:bodyPr/>
+          <a:lstStyle/>
+          <a:p>
+            <a:r>
+              <a:rPr lang="en-US" dirty="0"/>
+              <a:t>The objective of this project is to utilize machine learning concepts to try to predict the probable outcome of UFC fights.</a:t>
+            </a:r>
+          </a:p>
+        </p:txBody>
+      </p:sp>
+    </p:spTree>
+    <p:extLst>
+      <p:ext uri="{BB962C8B-B14F-4D97-AF65-F5344CB8AC3E}">
+        <p14:creationId xmlns:p14="http://schemas.microsoft.com/office/powerpoint/2010/main" val="178053589"/>
+      </p:ext>
+    </p:extLst>
+  </p:cSld>
+  <p:clrMapOvr>
+    <a:masterClrMapping/>
+  </p:clrMapOvr>
+</p:sld>
+</file>
+
+<file path=ppt/slides/slide3.xml><?xml version="1.0" encoding="utf-8"?>
+<p:sld xmlns:a="http://schemas.openxmlformats.org/drawingml/2006/main" xmlns:r="http://schemas.openxmlformats.org/officeDocument/2006/relationships" xmlns:p="http://schemas.openxmlformats.org/presentationml/2006/main">
+  <p:cSld>
+    <p:spTree>
+      <p:nvGrpSpPr>
+        <p:cNvPr id="1" name=""/>
+        <p:cNvGrpSpPr/>
+        <p:nvPr/>
+      </p:nvGrpSpPr>
+      <p:grpSpPr>
+        <a:xfrm>
+          <a:off x="0" y="0"/>
+          <a:ext cx="0" cy="0"/>
+          <a:chOff x="0" y="0"/>
+          <a:chExt cx="0" cy="0"/>
+        </a:xfrm>
+      </p:grpSpPr>
+      <p:sp>
+        <p:nvSpPr>
+          <p:cNvPr id="2" name="Title 1">
+            <a:extLst>
+              <a:ext uri="{FF2B5EF4-FFF2-40B4-BE49-F238E27FC236}">
+                <a16:creationId xmlns:a16="http://schemas.microsoft.com/office/drawing/2014/main" id="{B7BA8588-238D-401E-B491-DA4728BF0458}"/>
+              </a:ext>
+            </a:extLst>
+          </p:cNvPr>
+          <p:cNvSpPr>
+            <a:spLocks noGrp="1"/>
+          </p:cNvSpPr>
+          <p:nvPr>
+            <p:ph type="title"/>
+          </p:nvPr>
+        </p:nvSpPr>
+        <p:spPr/>
+        <p:txBody>
+          <a:bodyPr/>
+          <a:lstStyle/>
+          <a:p>
+            <a:r>
+              <a:rPr lang="en-US" b="1" dirty="0"/>
+              <a:t>Obtaining the Data</a:t>
+            </a:r>
+          </a:p>
+        </p:txBody>
+      </p:sp>
+      <p:sp>
+        <p:nvSpPr>
+          <p:cNvPr id="3" name="Content Placeholder 2">
+            <a:extLst>
+              <a:ext uri="{FF2B5EF4-FFF2-40B4-BE49-F238E27FC236}">
+                <a16:creationId xmlns:a16="http://schemas.microsoft.com/office/drawing/2014/main" id="{0D659B1E-95B1-4641-9F64-8F08C626AD88}"/>
+              </a:ext>
+            </a:extLst>
+          </p:cNvPr>
+          <p:cNvSpPr>
+            <a:spLocks noGrp="1"/>
+          </p:cNvSpPr>
+          <p:nvPr>
+            <p:ph idx="1"/>
+          </p:nvPr>
+        </p:nvSpPr>
+        <p:spPr/>
+        <p:txBody>
+          <a:bodyPr/>
+          <a:lstStyle/>
+          <a:p>
+            <a:r>
+              <a:rPr lang="en-US" dirty="0"/>
+              <a:t>I first thought about using a UFC dataset on kaggle.com only. After further analysis I wanted to obtain the most recent information as possible and utilize a Kaggle dataset (</a:t>
+            </a:r>
+            <a:r>
+              <a:rPr lang="en-US" u="sng" dirty="0">
+                <a:hlinkClick r:id="rId2"/>
+              </a:rPr>
+              <a:t>https://www.kaggle.com/rajeevw/UFCdata</a:t>
+            </a:r>
+            <a:r>
+              <a:rPr lang="en-US" u="sng" dirty="0"/>
+              <a:t>) </a:t>
+            </a:r>
+            <a:r>
+              <a:rPr lang="en-US" dirty="0"/>
+              <a:t>. </a:t>
+            </a:r>
+          </a:p>
+          <a:p>
+            <a:r>
+              <a:rPr lang="en-US" dirty="0"/>
+              <a:t>Also gathered my data from </a:t>
+            </a:r>
+            <a:r>
+              <a:rPr lang="en-US" dirty="0">
+                <a:hlinkClick r:id="rId3"/>
+              </a:rPr>
+              <a:t>UFC Stats</a:t>
+            </a:r>
+            <a:r>
+              <a:rPr lang="en-US" dirty="0"/>
+              <a:t> website.</a:t>
+            </a:r>
+          </a:p>
+        </p:txBody>
+      </p:sp>
+    </p:spTree>
+    <p:extLst>
+      <p:ext uri="{BB962C8B-B14F-4D97-AF65-F5344CB8AC3E}">
+        <p14:creationId xmlns:p14="http://schemas.microsoft.com/office/powerpoint/2010/main" val="1367644587"/>
+      </p:ext>
+    </p:extLst>
+  </p:cSld>
+  <p:clrMapOvr>
+    <a:masterClrMapping/>
+  </p:clrMapOvr>
+</p:sld>
+</file>
+
+<file path=ppt/slides/slide4.xml><?xml version="1.0" encoding="utf-8"?>
+<p:sld xmlns:a="http://schemas.openxmlformats.org/drawingml/2006/main" xmlns:r="http://schemas.openxmlformats.org/officeDocument/2006/relationships" xmlns:p="http://schemas.openxmlformats.org/presentationml/2006/main">
+  <p:cSld>
+    <p:spTree>
+      <p:nvGrpSpPr>
+        <p:cNvPr id="1" name=""/>
+        <p:cNvGrpSpPr/>
+        <p:nvPr/>
+      </p:nvGrpSpPr>
+      <p:grpSpPr>
+        <a:xfrm>
+          <a:off x="0" y="0"/>
+          <a:ext cx="0" cy="0"/>
+          <a:chOff x="0" y="0"/>
+          <a:chExt cx="0" cy="0"/>
+        </a:xfrm>
+      </p:grpSpPr>
+      <p:sp>
+        <p:nvSpPr>
+          <p:cNvPr id="2" name="Title 1">
+            <a:extLst>
+              <a:ext uri="{FF2B5EF4-FFF2-40B4-BE49-F238E27FC236}">
+                <a16:creationId xmlns:a16="http://schemas.microsoft.com/office/drawing/2014/main" id="{2637102D-1A1E-42CE-80D8-0EE0375E2C5B}"/>
+              </a:ext>
+            </a:extLst>
+          </p:cNvPr>
+          <p:cNvSpPr>
+            <a:spLocks noGrp="1"/>
+          </p:cNvSpPr>
+          <p:nvPr>
+            <p:ph type="title"/>
+          </p:nvPr>
+        </p:nvSpPr>
+        <p:spPr/>
+        <p:txBody>
+          <a:bodyPr/>
+          <a:lstStyle/>
+          <a:p>
+            <a:r>
+              <a:rPr lang="en-US" b="1" dirty="0"/>
+              <a:t>Scrape UFC Website</a:t>
+            </a:r>
+          </a:p>
+        </p:txBody>
+      </p:sp>
+      <p:sp>
+        <p:nvSpPr>
+          <p:cNvPr id="3" name="Content Placeholder 2">
+            <a:extLst>
+              <a:ext uri="{FF2B5EF4-FFF2-40B4-BE49-F238E27FC236}">
+                <a16:creationId xmlns:a16="http://schemas.microsoft.com/office/drawing/2014/main" id="{8F582E52-B632-4349-8BAC-2EECE85FE361}"/>
+              </a:ext>
+            </a:extLst>
+          </p:cNvPr>
+          <p:cNvSpPr>
+            <a:spLocks noGrp="1"/>
+          </p:cNvSpPr>
+          <p:nvPr>
+            <p:ph idx="1"/>
+          </p:nvPr>
+        </p:nvSpPr>
+        <p:spPr/>
+        <p:txBody>
+          <a:bodyPr>
+            <a:normAutofit lnSpcReduction="10000"/>
+          </a:bodyPr>
+          <a:lstStyle/>
+          <a:p>
+            <a:r>
+              <a:rPr lang="en-US" dirty="0"/>
+              <a:t>During our class in week 12 we learned about Web-Scraping. In the span of a week I researched and learned another technique to scrape websites called "Scrapy". This powerful python addon tool is awesome! Try it out to see what your thoughts are.</a:t>
+            </a:r>
+          </a:p>
+          <a:p>
+            <a:r>
+              <a:rPr lang="en-US" dirty="0"/>
+              <a:t>The link to learn more about Scrapy by going through a tutorial is </a:t>
+            </a:r>
+            <a:r>
+              <a:rPr lang="en-US" dirty="0">
+                <a:hlinkClick r:id="rId2"/>
+              </a:rPr>
+              <a:t>here</a:t>
+            </a:r>
+            <a:r>
+              <a:rPr lang="en-US" dirty="0"/>
+              <a:t>.</a:t>
+            </a:r>
+          </a:p>
+          <a:p>
+            <a:r>
+              <a:rPr lang="en-US" dirty="0"/>
+              <a:t>Installation instruction are </a:t>
+            </a:r>
+            <a:r>
+              <a:rPr lang="en-US" dirty="0">
+                <a:hlinkClick r:id="rId3"/>
+              </a:rPr>
+              <a:t>here</a:t>
+            </a:r>
+            <a:r>
+              <a:rPr lang="en-US" dirty="0"/>
+              <a:t>.</a:t>
+            </a:r>
+          </a:p>
+          <a:p>
+            <a:r>
+              <a:rPr lang="en-US" dirty="0"/>
+              <a:t>By learning the basics of the tool I essentially used Git Bash to write the code to scrape the website of all fighter details including bout information to start my analysis. Utilized Scrapy functions to export scraped data to JSON and CSV files.</a:t>
+            </a:r>
+          </a:p>
+          <a:p>
+            <a:endParaRPr lang="en-US" dirty="0"/>
+          </a:p>
+        </p:txBody>
+      </p:sp>
+    </p:spTree>
+    <p:extLst>
+      <p:ext uri="{BB962C8B-B14F-4D97-AF65-F5344CB8AC3E}">
+        <p14:creationId xmlns:p14="http://schemas.microsoft.com/office/powerpoint/2010/main" val="3156231904"/>
+      </p:ext>
+    </p:extLst>
+  </p:cSld>
+  <p:clrMapOvr>
+    <a:masterClrMapping/>
+  </p:clrMapOvr>
+</p:sld>
+</file>
+
+<file path=ppt/slides/slide5.xml><?xml version="1.0" encoding="utf-8"?>
+<p:sld xmlns:a="http://schemas.openxmlformats.org/drawingml/2006/main" xmlns:r="http://schemas.openxmlformats.org/officeDocument/2006/relationships" xmlns:p="http://schemas.openxmlformats.org/presentationml/2006/main">
+  <p:cSld>
+    <p:spTree>
+      <p:nvGrpSpPr>
+        <p:cNvPr id="1" name=""/>
+        <p:cNvGrpSpPr/>
+        <p:nvPr/>
+      </p:nvGrpSpPr>
+      <p:grpSpPr>
+        <a:xfrm>
+          <a:off x="0" y="0"/>
+          <a:ext cx="0" cy="0"/>
+          <a:chOff x="0" y="0"/>
+          <a:chExt cx="0" cy="0"/>
+        </a:xfrm>
+      </p:grpSpPr>
+      <p:sp>
+        <p:nvSpPr>
+          <p:cNvPr id="2" name="Title 1">
+            <a:extLst>
+              <a:ext uri="{FF2B5EF4-FFF2-40B4-BE49-F238E27FC236}">
+                <a16:creationId xmlns:a16="http://schemas.microsoft.com/office/drawing/2014/main" id="{FEAB5EE3-672B-4A46-ADDF-A97C8DCDB3E7}"/>
+              </a:ext>
+            </a:extLst>
+          </p:cNvPr>
+          <p:cNvSpPr>
+            <a:spLocks noGrp="1"/>
+          </p:cNvSpPr>
+          <p:nvPr>
+            <p:ph type="title"/>
+          </p:nvPr>
+        </p:nvSpPr>
+        <p:spPr/>
+        <p:txBody>
+          <a:bodyPr/>
+          <a:lstStyle/>
+          <a:p>
+            <a:r>
+              <a:rPr lang="en-US" b="1" dirty="0"/>
+              <a:t>Cleaned CSV files in Jupyter. Datasets stored in Postgres</a:t>
+            </a:r>
+            <a:endParaRPr lang="en-US" dirty="0"/>
+          </a:p>
+        </p:txBody>
+      </p:sp>
+      <p:sp>
+        <p:nvSpPr>
+          <p:cNvPr id="3" name="Content Placeholder 2">
+            <a:extLst>
+              <a:ext uri="{FF2B5EF4-FFF2-40B4-BE49-F238E27FC236}">
+                <a16:creationId xmlns:a16="http://schemas.microsoft.com/office/drawing/2014/main" id="{16FD81FB-4229-4A17-969F-F0A8D7B1556C}"/>
+              </a:ext>
+            </a:extLst>
+          </p:cNvPr>
+          <p:cNvSpPr>
+            <a:spLocks noGrp="1"/>
+          </p:cNvSpPr>
+          <p:nvPr>
+            <p:ph idx="1"/>
+          </p:nvPr>
+        </p:nvSpPr>
+        <p:spPr/>
+        <p:txBody>
+          <a:bodyPr/>
+          <a:lstStyle/>
+          <a:p>
+            <a:r>
+              <a:rPr lang="en-US" dirty="0"/>
+              <a:t>Extracted the data from UFC Stats (Step 2 provides additional details) and Kaggle, combined the datasets, cleaned the data by dropping converting "NAN" values, converting columns to fractions from percentages. Stored final datasets in Postgres to evaluate potential Visualization needs.</a:t>
+            </a:r>
+          </a:p>
+        </p:txBody>
+      </p:sp>
+    </p:spTree>
+    <p:extLst>
+      <p:ext uri="{BB962C8B-B14F-4D97-AF65-F5344CB8AC3E}">
+        <p14:creationId xmlns:p14="http://schemas.microsoft.com/office/powerpoint/2010/main" val="755655001"/>
+      </p:ext>
+    </p:extLst>
+  </p:cSld>
+  <p:clrMapOvr>
+    <a:masterClrMapping/>
+  </p:clrMapOvr>
+</p:sld>
+</file>
+
+<file path=ppt/slides/slide6.xml><?xml version="1.0" encoding="utf-8"?>
+<p:sld xmlns:a="http://schemas.openxmlformats.org/drawingml/2006/main" xmlns:r="http://schemas.openxmlformats.org/officeDocument/2006/relationships" xmlns:p="http://schemas.openxmlformats.org/presentationml/2006/main">
+  <p:cSld>
+    <p:spTree>
+      <p:nvGrpSpPr>
+        <p:cNvPr id="1" name=""/>
+        <p:cNvGrpSpPr/>
+        <p:nvPr/>
+      </p:nvGrpSpPr>
+      <p:grpSpPr>
+        <a:xfrm>
+          <a:off x="0" y="0"/>
+          <a:ext cx="0" cy="0"/>
+          <a:chOff x="0" y="0"/>
+          <a:chExt cx="0" cy="0"/>
+        </a:xfrm>
+      </p:grpSpPr>
+      <p:sp>
+        <p:nvSpPr>
+          <p:cNvPr id="2" name="Title 1">
+            <a:extLst>
+              <a:ext uri="{FF2B5EF4-FFF2-40B4-BE49-F238E27FC236}">
+                <a16:creationId xmlns:a16="http://schemas.microsoft.com/office/drawing/2014/main" id="{C9B0C963-853A-435B-9D91-749BB759A5AB}"/>
+              </a:ext>
+            </a:extLst>
+          </p:cNvPr>
+          <p:cNvSpPr>
+            <a:spLocks noGrp="1"/>
+          </p:cNvSpPr>
+          <p:nvPr>
+            <p:ph type="title"/>
+          </p:nvPr>
+        </p:nvSpPr>
+        <p:spPr/>
+        <p:txBody>
+          <a:bodyPr/>
+          <a:lstStyle/>
+          <a:p>
+            <a:r>
+              <a:rPr lang="en-US" b="1" dirty="0"/>
+              <a:t>ML Python Pandas &amp; Matplotlib</a:t>
+            </a:r>
+          </a:p>
+        </p:txBody>
+      </p:sp>
+      <p:sp>
+        <p:nvSpPr>
+          <p:cNvPr id="3" name="Content Placeholder 2">
+            <a:extLst>
+              <a:ext uri="{FF2B5EF4-FFF2-40B4-BE49-F238E27FC236}">
+                <a16:creationId xmlns:a16="http://schemas.microsoft.com/office/drawing/2014/main" id="{EEF0CF7C-E1EF-485A-B86D-1B043467883C}"/>
+              </a:ext>
+            </a:extLst>
+          </p:cNvPr>
+          <p:cNvSpPr>
+            <a:spLocks noGrp="1"/>
+          </p:cNvSpPr>
+          <p:nvPr>
+            <p:ph idx="1"/>
+          </p:nvPr>
+        </p:nvSpPr>
+        <p:spPr/>
+        <p:txBody>
+          <a:bodyPr/>
+          <a:lstStyle/>
+          <a:p>
+            <a:r>
+              <a:rPr lang="en-US" dirty="0"/>
+              <a:t>Utilized the UFC Stats data only at first to find out if a Linear Regression model could be used. Very quickly it was determined that the dataset was very non-linear. I was unable to complete a linear regression model. I figured that other models such as KNN, SVM may vary well provide a good analysis also. My own personal level of comfort and understanding of other models outside of linear regression lead me to choose Random Forest. Selected the data, Trained the model, tested the model, Fitted the model, and made a prediction.</a:t>
+            </a:r>
+          </a:p>
+        </p:txBody>
+      </p:sp>
+    </p:spTree>
+    <p:extLst>
+      <p:ext uri="{BB962C8B-B14F-4D97-AF65-F5344CB8AC3E}">
+        <p14:creationId xmlns:p14="http://schemas.microsoft.com/office/powerpoint/2010/main" val="1302011545"/>
+      </p:ext>
+    </p:extLst>
+  </p:cSld>
+  <p:clrMapOvr>
+    <a:masterClrMapping/>
+  </p:clrMapOvr>
+</p:sld>
+</file>
+
+<file path=ppt/slides/slide7.xml><?xml version="1.0" encoding="utf-8"?>
+<p:sld xmlns:a="http://schemas.openxmlformats.org/drawingml/2006/main" xmlns:r="http://schemas.openxmlformats.org/officeDocument/2006/relationships" xmlns:p="http://schemas.openxmlformats.org/presentationml/2006/main">
+  <p:cSld>
+    <p:spTree>
+      <p:nvGrpSpPr>
+        <p:cNvPr id="1" name=""/>
+        <p:cNvGrpSpPr/>
+        <p:nvPr/>
+      </p:nvGrpSpPr>
+      <p:grpSpPr>
+        <a:xfrm>
+          <a:off x="0" y="0"/>
+          <a:ext cx="0" cy="0"/>
+          <a:chOff x="0" y="0"/>
+          <a:chExt cx="0" cy="0"/>
+        </a:xfrm>
+      </p:grpSpPr>
+      <p:sp>
+        <p:nvSpPr>
+          <p:cNvPr id="4" name="Title 3">
+            <a:extLst>
+              <a:ext uri="{FF2B5EF4-FFF2-40B4-BE49-F238E27FC236}">
+                <a16:creationId xmlns:a16="http://schemas.microsoft.com/office/drawing/2014/main" id="{841AFCE9-D566-4079-9FA9-0D01D579CD57}"/>
+              </a:ext>
+            </a:extLst>
+          </p:cNvPr>
+          <p:cNvSpPr>
+            <a:spLocks noGrp="1"/>
+          </p:cNvSpPr>
+          <p:nvPr>
+            <p:ph type="ctrTitle"/>
+          </p:nvPr>
+        </p:nvSpPr>
+        <p:spPr/>
+        <p:txBody>
+          <a:bodyPr/>
+          <a:lstStyle/>
+          <a:p>
+            <a:r>
+              <a:rPr lang="en-US" dirty="0"/>
+              <a:t>Tableau Visualizations</a:t>
+            </a:r>
+          </a:p>
+        </p:txBody>
+      </p:sp>
+    </p:spTree>
+    <p:extLst>
+      <p:ext uri="{BB962C8B-B14F-4D97-AF65-F5344CB8AC3E}">
+        <p14:creationId xmlns:p14="http://schemas.microsoft.com/office/powerpoint/2010/main" val="1558213367"/>
+      </p:ext>
+    </p:extLst>
+  </p:cSld>
+  <p:clrMapOvr>
+    <a:masterClrMapping/>
+  </p:clrMapOvr>
+</p:sld>
+</file>
+
+<file path=ppt/slides/slide8.xml><?xml version="1.0" encoding="utf-8"?>
+<p:sld xmlns:a="http://schemas.openxmlformats.org/drawingml/2006/main" xmlns:r="http://schemas.openxmlformats.org/officeDocument/2006/relationships" xmlns:p="http://schemas.openxmlformats.org/presentationml/2006/main">
+  <p:cSld>
+    <p:spTree>
+      <p:nvGrpSpPr>
+        <p:cNvPr id="1" name=""/>
+        <p:cNvGrpSpPr/>
+        <p:nvPr/>
+      </p:nvGrpSpPr>
+      <p:grpSpPr>
+        <a:xfrm>
+          <a:off x="0" y="0"/>
+          <a:ext cx="0" cy="0"/>
+          <a:chOff x="0" y="0"/>
+          <a:chExt cx="0" cy="0"/>
+        </a:xfrm>
+      </p:grpSpPr>
+      <p:pic>
+        <p:nvPicPr>
+          <p:cNvPr id="2" name="slide2" descr="Win Method">
+            <a:extLst>
+              <a:ext uri="{FF2B5EF4-FFF2-40B4-BE49-F238E27FC236}">
+                <a16:creationId xmlns:a16="http://schemas.microsoft.com/office/drawing/2014/main" id="{6DE79487-4DA7-4A3F-A978-D27AF01A2986}"/>
+              </a:ext>
+            </a:extLst>
+          </p:cNvPr>
+          <p:cNvPicPr>
+            <a:picLocks noChangeAspect="1"/>
+          </p:cNvPicPr>
+          <p:nvPr/>
+        </p:nvPicPr>
+        <p:blipFill>
+          <a:blip r:embed="rId2">
             <a:extLst>
               <a:ext uri="{28A0092B-C50C-407E-A947-70E740481C1C}">
                 <a14:useLocalDpi xmlns:a14="http://schemas.microsoft.com/office/drawing/2010/main" val="0"/>
@@ -3462,8 +5109,8 @@
 </p:sld>
 </file>
 
-<file path=ppt/slides/slide3.xml><?xml version="1.0" encoding="utf-8"?>
-<p:sld xmlns:a="http://schemas.openxmlformats.org/drawingml/2006/main" xmlns:p="http://schemas.openxmlformats.org/presentationml/2006/main" xmlns:r="http://schemas.openxmlformats.org/officeDocument/2006/relationships">
+<file path=ppt/slides/slide9.xml><?xml version="1.0" encoding="utf-8"?>
+<p:sld xmlns:a="http://schemas.openxmlformats.org/drawingml/2006/main" xmlns:r="http://schemas.openxmlformats.org/officeDocument/2006/relationships" xmlns:p="http://schemas.openxmlformats.org/presentationml/2006/main">
   <p:cSld>
     <p:spTree>
       <p:nvGrpSpPr>
@@ -3481,7 +5128,7 @@
       </p:grpSpPr>
       <p:pic>
         <p:nvPicPr>
-          <p:cNvPr descr="UFC Popularity" id="3" name="slide3">
+          <p:cNvPr id="3" name="slide3" descr="UFC Popularity">
             <a:extLst>
               <a:ext uri="{FF2B5EF4-FFF2-40B4-BE49-F238E27FC236}">
                 <a16:creationId xmlns:a16="http://schemas.microsoft.com/office/drawing/2014/main" id="{A02C80B5-17D6-478D-93C0-EE4E7911E4BA}"/>
@@ -3494,7 +5141,7 @@
           <p:nvPr/>
         </p:nvPicPr>
         <p:blipFill>
-          <a:blip r:embed="rId8">
+          <a:blip r:embed="rId2">
             <a:extLst>
               <a:ext uri="{28A0092B-C50C-407E-A947-70E740481C1C}">
                 <a14:useLocalDpi xmlns:a14="http://schemas.microsoft.com/office/drawing/2010/main" val="0"/>
@@ -3515,300 +5162,6 @@
           </a:prstGeom>
         </p:spPr>
       </p:pic>
-    </p:spTree>
-    <p:extLst>
-      <p:ext uri="{BB962C8B-B14F-4D97-AF65-F5344CB8AC3E}">
-        <p14:creationId xmlns:p14="http://schemas.microsoft.com/office/powerpoint/2010/main" val="95992585"/>
-      </p:ext>
-    </p:extLst>
-  </p:cSld>
-  <p:clrMapOvr>
-    <a:masterClrMapping/>
-  </p:clrMapOvr>
-</p:sld>
-</file>
-
-<file path=ppt/slides/slide4.xml><?xml version="1.0" encoding="utf-8"?>
-<p:sld xmlns:a="http://schemas.openxmlformats.org/drawingml/2006/main" xmlns:p="http://schemas.openxmlformats.org/presentationml/2006/main" xmlns:r="http://schemas.openxmlformats.org/officeDocument/2006/relationships">
-  <p:cSld>
-    <p:spTree>
-      <p:nvGrpSpPr>
-        <p:cNvPr id="1" name=""/>
-        <p:cNvGrpSpPr/>
-        <p:nvPr/>
-      </p:nvGrpSpPr>
-      <p:grpSpPr>
-        <a:xfrm>
-          <a:off x="0" y="0"/>
-          <a:ext cx="0" cy="0"/>
-          <a:chOff x="0" y="0"/>
-          <a:chExt cx="0" cy="0"/>
-        </a:xfrm>
-      </p:grpSpPr>
-      <p:pic>
-        <p:nvPicPr>
-          <p:cNvPr descr="KO &amp;amp; Sub Wins UFC History" id="4" name="slide4">
-            <a:extLst>
-              <a:ext uri="{FF2B5EF4-FFF2-40B4-BE49-F238E27FC236}">
-                <a16:creationId xmlns:a16="http://schemas.microsoft.com/office/drawing/2014/main" id="{02645576-15F1-4D77-9A00-65B76BC7DFE1}"/>
-              </a:ext>
-            </a:extLst>
-          </p:cNvPr>
-          <p:cNvPicPr>
-            <a:picLocks noChangeAspect="1"/>
-          </p:cNvPicPr>
-          <p:nvPr/>
-        </p:nvPicPr>
-        <p:blipFill>
-          <a:blip r:embed="rId9">
-            <a:extLst>
-              <a:ext uri="{28A0092B-C50C-407E-A947-70E740481C1C}">
-                <a14:useLocalDpi xmlns:a14="http://schemas.microsoft.com/office/drawing/2010/main" val="0"/>
-              </a:ext>
-            </a:extLst>
-          </a:blip>
-          <a:stretch>
-            <a:fillRect/>
-          </a:stretch>
-        </p:blipFill>
-        <p:spPr>
-          <a:xfrm>
-            <a:off x="1809750" y="0"/>
-            <a:ext cx="8572500" cy="6858000"/>
-          </a:xfrm>
-          <a:prstGeom prst="rect">
-            <a:avLst/>
-          </a:prstGeom>
-        </p:spPr>
-      </p:pic>
-    </p:spTree>
-    <p:extLst>
-      <p:ext uri="{BB962C8B-B14F-4D97-AF65-F5344CB8AC3E}">
-        <p14:creationId xmlns:p14="http://schemas.microsoft.com/office/powerpoint/2010/main" val="95992585"/>
-      </p:ext>
-    </p:extLst>
-  </p:cSld>
-  <p:clrMapOvr>
-    <a:masterClrMapping/>
-  </p:clrMapOvr>
-</p:sld>
-</file>
-
-<file path=ppt/slides/slide5.xml><?xml version="1.0" encoding="utf-8"?>
-<p:sld xmlns:a="http://schemas.openxmlformats.org/drawingml/2006/main" xmlns:p="http://schemas.openxmlformats.org/presentationml/2006/main" xmlns:r="http://schemas.openxmlformats.org/officeDocument/2006/relationships">
-  <p:cSld>
-    <p:spTree>
-      <p:nvGrpSpPr>
-        <p:cNvPr id="1" name=""/>
-        <p:cNvGrpSpPr/>
-        <p:nvPr/>
-      </p:nvGrpSpPr>
-      <p:grpSpPr>
-        <a:xfrm>
-          <a:off x="0" y="0"/>
-          <a:ext cx="0" cy="0"/>
-          <a:chOff x="0" y="0"/>
-          <a:chExt cx="0" cy="0"/>
-        </a:xfrm>
-      </p:grpSpPr>
-      <p:pic>
-        <p:nvPicPr>
-          <p:cNvPr descr="Types of Wins_U-Dec Wins" id="5" name="slide5">
-            <a:extLst>
-              <a:ext uri="{FF2B5EF4-FFF2-40B4-BE49-F238E27FC236}">
-                <a16:creationId xmlns:a16="http://schemas.microsoft.com/office/drawing/2014/main" id="{076BAEE2-B69D-43DC-89F7-8073C53C5F40}"/>
-              </a:ext>
-            </a:extLst>
-          </p:cNvPr>
-          <p:cNvPicPr>
-            <a:picLocks noChangeAspect="1"/>
-          </p:cNvPicPr>
-          <p:nvPr/>
-        </p:nvPicPr>
-        <p:blipFill>
-          <a:blip r:embed="rId10">
-            <a:extLst>
-              <a:ext uri="{28A0092B-C50C-407E-A947-70E740481C1C}">
-                <a14:useLocalDpi xmlns:a14="http://schemas.microsoft.com/office/drawing/2010/main" val="0"/>
-              </a:ext>
-            </a:extLst>
-          </a:blip>
-          <a:stretch>
-            <a:fillRect/>
-          </a:stretch>
-        </p:blipFill>
-        <p:spPr>
-          <a:xfrm>
-            <a:off x="1809750" y="0"/>
-            <a:ext cx="8572500" cy="6858000"/>
-          </a:xfrm>
-          <a:prstGeom prst="rect">
-            <a:avLst/>
-          </a:prstGeom>
-        </p:spPr>
-      </p:pic>
-    </p:spTree>
-    <p:extLst>
-      <p:ext uri="{BB962C8B-B14F-4D97-AF65-F5344CB8AC3E}">
-        <p14:creationId xmlns:p14="http://schemas.microsoft.com/office/powerpoint/2010/main" val="95992585"/>
-      </p:ext>
-    </p:extLst>
-  </p:cSld>
-  <p:clrMapOvr>
-    <a:masterClrMapping/>
-  </p:clrMapOvr>
-</p:sld>
-</file>
-
-<file path=ppt/slides/slide6.xml><?xml version="1.0" encoding="utf-8"?>
-<p:sld xmlns:a="http://schemas.openxmlformats.org/drawingml/2006/main" xmlns:p="http://schemas.openxmlformats.org/presentationml/2006/main" xmlns:r="http://schemas.openxmlformats.org/officeDocument/2006/relationships">
-  <p:cSld>
-    <p:spTree>
-      <p:nvGrpSpPr>
-        <p:cNvPr id="1" name=""/>
-        <p:cNvGrpSpPr/>
-        <p:nvPr/>
-      </p:nvGrpSpPr>
-      <p:grpSpPr>
-        <a:xfrm>
-          <a:off x="0" y="0"/>
-          <a:ext cx="0" cy="0"/>
-          <a:chOff x="0" y="0"/>
-          <a:chExt cx="0" cy="0"/>
-        </a:xfrm>
-      </p:grpSpPr>
-      <p:pic>
-        <p:nvPicPr>
-          <p:cNvPr descr="Fights by Divison_Most Wins in UFC History" id="6" name="slide6">
-            <a:extLst>
-              <a:ext uri="{FF2B5EF4-FFF2-40B4-BE49-F238E27FC236}">
-                <a16:creationId xmlns:a16="http://schemas.microsoft.com/office/drawing/2014/main" id="{6295E544-F78D-4A45-AD0E-C928D8F96A04}"/>
-              </a:ext>
-            </a:extLst>
-          </p:cNvPr>
-          <p:cNvPicPr>
-            <a:picLocks noChangeAspect="1"/>
-          </p:cNvPicPr>
-          <p:nvPr/>
-        </p:nvPicPr>
-        <p:blipFill>
-          <a:blip r:embed="rId11">
-            <a:extLst>
-              <a:ext uri="{28A0092B-C50C-407E-A947-70E740481C1C}">
-                <a14:useLocalDpi xmlns:a14="http://schemas.microsoft.com/office/drawing/2010/main" val="0"/>
-              </a:ext>
-            </a:extLst>
-          </a:blip>
-          <a:stretch>
-            <a:fillRect/>
-          </a:stretch>
-        </p:blipFill>
-        <p:spPr>
-          <a:xfrm>
-            <a:off x="1809750" y="0"/>
-            <a:ext cx="8572500" cy="6858000"/>
-          </a:xfrm>
-          <a:prstGeom prst="rect">
-            <a:avLst/>
-          </a:prstGeom>
-        </p:spPr>
-      </p:pic>
-    </p:spTree>
-    <p:extLst>
-      <p:ext uri="{BB962C8B-B14F-4D97-AF65-F5344CB8AC3E}">
-        <p14:creationId xmlns:p14="http://schemas.microsoft.com/office/powerpoint/2010/main" val="95992585"/>
-      </p:ext>
-    </p:extLst>
-  </p:cSld>
-  <p:clrMapOvr>
-    <a:masterClrMapping/>
-  </p:clrMapOvr>
-</p:sld>
-</file>
-
-<file path=ppt/slides/slide7.xml><?xml version="1.0" encoding="utf-8"?>
-<p:sld xmlns:a="http://schemas.openxmlformats.org/drawingml/2006/main" xmlns:p="http://schemas.openxmlformats.org/presentationml/2006/main" xmlns:r="http://schemas.openxmlformats.org/officeDocument/2006/relationships">
-  <p:cSld>
-    <p:spTree>
-      <p:nvGrpSpPr>
-        <p:cNvPr id="1" name=""/>
-        <p:cNvGrpSpPr/>
-        <p:nvPr/>
-      </p:nvGrpSpPr>
-      <p:grpSpPr>
-        <a:xfrm>
-          <a:off x="0" y="0"/>
-          <a:ext cx="0" cy="0"/>
-          <a:chOff x="0" y="0"/>
-          <a:chExt cx="0" cy="0"/>
-        </a:xfrm>
-      </p:grpSpPr>
-      <p:pic>
-        <p:nvPicPr>
-          <p:cNvPr descr="Type of WIns by Round" id="7" name="slide7">
-            <a:extLst>
-              <a:ext uri="{FF2B5EF4-FFF2-40B4-BE49-F238E27FC236}">
-                <a16:creationId xmlns:a16="http://schemas.microsoft.com/office/drawing/2014/main" id="{093899C3-993B-42A8-B104-73E1ACC341C7}"/>
-              </a:ext>
-            </a:extLst>
-          </p:cNvPr>
-          <p:cNvPicPr>
-            <a:picLocks noChangeAspect="1"/>
-          </p:cNvPicPr>
-          <p:nvPr/>
-        </p:nvPicPr>
-        <p:blipFill>
-          <a:blip r:embed="rId12">
-            <a:extLst>
-              <a:ext uri="{28A0092B-C50C-407E-A947-70E740481C1C}">
-                <a14:useLocalDpi xmlns:a14="http://schemas.microsoft.com/office/drawing/2010/main" val="0"/>
-              </a:ext>
-            </a:extLst>
-          </a:blip>
-          <a:stretch>
-            <a:fillRect/>
-          </a:stretch>
-        </p:blipFill>
-        <p:spPr>
-          <a:xfrm>
-            <a:off x="1809750" y="0"/>
-            <a:ext cx="8572500" cy="6858000"/>
-          </a:xfrm>
-          <a:prstGeom prst="rect">
-            <a:avLst/>
-          </a:prstGeom>
-        </p:spPr>
-      </p:pic>
-    </p:spTree>
-    <p:extLst>
-      <p:ext uri="{BB962C8B-B14F-4D97-AF65-F5344CB8AC3E}">
-        <p14:creationId xmlns:p14="http://schemas.microsoft.com/office/powerpoint/2010/main" val="95992585"/>
-      </p:ext>
-    </p:extLst>
-  </p:cSld>
-  <p:clrMapOvr>
-    <a:masterClrMapping/>
-  </p:clrMapOvr>
-</p:sld>
-</file>
-
-<file path=ppt/slides/slideTemplate.xml><?xml version="1.0" encoding="utf-8"?>
-<p:sld xmlns:a="http://schemas.openxmlformats.org/drawingml/2006/main" xmlns:r="http://schemas.openxmlformats.org/officeDocument/2006/relationships" xmlns:p="http://schemas.openxmlformats.org/presentationml/2006/main">
-  <p:cSld>
-    <p:spTree>
-      <p:nvGrpSpPr>
-        <p:cNvPr id="1" name=""/>
-        <p:cNvGrpSpPr/>
-        <p:nvPr/>
-      </p:nvGrpSpPr>
-      <p:grpSpPr>
-        <a:xfrm>
-          <a:off x="0" y="0"/>
-          <a:ext cx="0" cy="0"/>
-          <a:chOff x="0" y="0"/>
-          <a:chExt cx="0" cy="0"/>
-        </a:xfrm>
-      </p:grpSpPr>
     </p:spTree>
     <p:extLst>
       <p:ext uri="{BB962C8B-B14F-4D97-AF65-F5344CB8AC3E}">

--- a/Machine Learning Project/UFC.pptx
+++ b/Machine Learning Project/UFC.pptx
@@ -21,9 +21,13 @@
     <p:sldId id="260" r:id="rId15"/>
     <p:sldId id="261" r:id="rId16"/>
     <p:sldId id="262" r:id="rId17"/>
-    <p:sldId id="269" r:id="rId18"/>
-    <p:sldId id="270" r:id="rId19"/>
-    <p:sldId id="271" r:id="rId20"/>
+    <p:sldId id="275" r:id="rId18"/>
+    <p:sldId id="269" r:id="rId19"/>
+    <p:sldId id="276" r:id="rId20"/>
+    <p:sldId id="277" r:id="rId21"/>
+    <p:sldId id="270" r:id="rId22"/>
+    <p:sldId id="271" r:id="rId23"/>
+    <p:sldId id="278" r:id="rId24"/>
   </p:sldIdLst>
   <p:sldSz cx="12192000" cy="6858000"/>
   <p:notesSz cx="6858000" cy="9144000"/>
@@ -3605,12 +3609,26 @@
         <a:lstStyle/>
         <a:p>
           <a:pPr>
+            <a:lnSpc>
+              <a:spcPct val="100000"/>
+            </a:lnSpc>
             <a:defRPr cap="all"/>
           </a:pPr>
           <a:r>
-            <a:rPr lang="en-US"/>
-            <a:t>Based on the datasets it appears more likely that the red corner is the favorite over the blue corner. The model is having a hard time confirming the reasoning behind this finding. My assumption is due to the nature of the sport and the variety a ways a fighter can win could very well be contributing to this.</a:t>
+            <a:rPr lang="en-US" dirty="0"/>
+            <a:t>Based on the datasets it appears more likely that the red corner is the favorite over the blue corner. The model is having a hard time confirming the reasoning behind this finding. My assumption is due to the nature of the sport and the variety a ways a fighter can win could very well be contributing to this.  </a:t>
           </a:r>
+          <a:r>
+            <a:rPr lang="en-US" b="1" dirty="0"/>
+            <a:t>When in doubt bet the red corner! </a:t>
+          </a:r>
+          <a:r>
+            <a:rPr lang="en-US" b="1" dirty="0">
+              <a:sym typeface="Wingdings" panose="05000000000000000000" pitchFamily="2" charset="2"/>
+            </a:rPr>
+            <a:t></a:t>
+          </a:r>
+          <a:endParaRPr lang="en-US" b="1" dirty="0"/>
         </a:p>
       </dgm:t>
     </dgm:pt>
@@ -3644,6 +3662,9 @@
         <a:lstStyle/>
         <a:p>
           <a:pPr>
+            <a:lnSpc>
+              <a:spcPct val="100000"/>
+            </a:lnSpc>
             <a:defRPr cap="all"/>
           </a:pPr>
           <a:r>
@@ -3688,6 +3709,9 @@
         <a:lstStyle/>
         <a:p>
           <a:pPr>
+            <a:lnSpc>
+              <a:spcPct val="100000"/>
+            </a:lnSpc>
             <a:defRPr cap="all"/>
           </a:pPr>
           <a:r>
@@ -4935,7 +4959,7 @@
       </dsp:nvSpPr>
       <dsp:spPr>
         <a:xfrm>
-          <a:off x="679050" y="398168"/>
+          <a:off x="679050" y="254731"/>
           <a:ext cx="1887187" cy="1887187"/>
         </a:xfrm>
         <a:prstGeom prst="round2DiagRect">
@@ -4978,7 +5002,7 @@
       </dsp:nvSpPr>
       <dsp:spPr>
         <a:xfrm>
-          <a:off x="1081237" y="800356"/>
+          <a:off x="1081237" y="656918"/>
           <a:ext cx="1082812" cy="1082812"/>
         </a:xfrm>
         <a:prstGeom prst="rect">
@@ -5028,8 +5052,8 @@
       </dsp:nvSpPr>
       <dsp:spPr>
         <a:xfrm>
-          <a:off x="75768" y="2873169"/>
-          <a:ext cx="3093750" cy="1080000"/>
+          <a:off x="75768" y="2729731"/>
+          <a:ext cx="3093750" cy="1366875"/>
         </a:xfrm>
         <a:prstGeom prst="rect">
           <a:avLst/>
@@ -5060,7 +5084,7 @@
         <a:p>
           <a:pPr marL="0" lvl="0" indent="0" algn="ctr" defTabSz="488950">
             <a:lnSpc>
-              <a:spcPct val="90000"/>
+              <a:spcPct val="100000"/>
             </a:lnSpc>
             <a:spcBef>
               <a:spcPct val="0"/>
@@ -5072,14 +5096,25 @@
             <a:defRPr cap="all"/>
           </a:pPr>
           <a:r>
-            <a:rPr lang="en-US" sz="1100" kern="1200"/>
-            <a:t>Based on the datasets it appears more likely that the red corner is the favorite over the blue corner. The model is having a hard time confirming the reasoning behind this finding. My assumption is due to the nature of the sport and the variety a ways a fighter can win could very well be contributing to this.</a:t>
+            <a:rPr lang="en-US" sz="1100" kern="1200" dirty="0"/>
+            <a:t>Based on the datasets it appears more likely that the red corner is the favorite over the blue corner. The model is having a hard time confirming the reasoning behind this finding. My assumption is due to the nature of the sport and the variety a ways a fighter can win could very well be contributing to this.  </a:t>
           </a:r>
+          <a:r>
+            <a:rPr lang="en-US" sz="1100" b="1" kern="1200" dirty="0"/>
+            <a:t>When in doubt bet the red corner! </a:t>
+          </a:r>
+          <a:r>
+            <a:rPr lang="en-US" sz="1100" b="1" kern="1200" dirty="0">
+              <a:sym typeface="Wingdings" panose="05000000000000000000" pitchFamily="2" charset="2"/>
+            </a:rPr>
+            <a:t></a:t>
+          </a:r>
+          <a:endParaRPr lang="en-US" sz="1100" b="1" kern="1200" dirty="0"/>
         </a:p>
       </dsp:txBody>
       <dsp:txXfrm>
-        <a:off x="75768" y="2873169"/>
-        <a:ext cx="3093750" cy="1080000"/>
+        <a:off x="75768" y="2729731"/>
+        <a:ext cx="3093750" cy="1366875"/>
       </dsp:txXfrm>
     </dsp:sp>
     <dsp:sp modelId="{31AE9EF4-D00C-4E8D-895A-2325D78802EA}">
@@ -5089,7 +5124,7 @@
       </dsp:nvSpPr>
       <dsp:spPr>
         <a:xfrm>
-          <a:off x="4314206" y="398168"/>
+          <a:off x="4314206" y="254731"/>
           <a:ext cx="1887187" cy="1887187"/>
         </a:xfrm>
         <a:prstGeom prst="round2DiagRect">
@@ -5132,7 +5167,7 @@
       </dsp:nvSpPr>
       <dsp:spPr>
         <a:xfrm>
-          <a:off x="4716393" y="800356"/>
+          <a:off x="4716393" y="656918"/>
           <a:ext cx="1082812" cy="1082812"/>
         </a:xfrm>
         <a:prstGeom prst="rect">
@@ -5182,8 +5217,8 @@
       </dsp:nvSpPr>
       <dsp:spPr>
         <a:xfrm>
-          <a:off x="3710925" y="2873169"/>
-          <a:ext cx="3093750" cy="1080000"/>
+          <a:off x="3710925" y="2729731"/>
+          <a:ext cx="3093750" cy="1366875"/>
         </a:xfrm>
         <a:prstGeom prst="rect">
           <a:avLst/>
@@ -5214,7 +5249,7 @@
         <a:p>
           <a:pPr marL="0" lvl="0" indent="0" algn="ctr" defTabSz="488950">
             <a:lnSpc>
-              <a:spcPct val="90000"/>
+              <a:spcPct val="100000"/>
             </a:lnSpc>
             <a:spcBef>
               <a:spcPct val="0"/>
@@ -5237,8 +5272,8 @@
         </a:p>
       </dsp:txBody>
       <dsp:txXfrm>
-        <a:off x="3710925" y="2873169"/>
-        <a:ext cx="3093750" cy="1080000"/>
+        <a:off x="3710925" y="2729731"/>
+        <a:ext cx="3093750" cy="1366875"/>
       </dsp:txXfrm>
     </dsp:sp>
     <dsp:sp modelId="{336DAABE-223F-48A4-A5FE-4C92E5068945}">
@@ -5248,7 +5283,7 @@
       </dsp:nvSpPr>
       <dsp:spPr>
         <a:xfrm>
-          <a:off x="7949362" y="398168"/>
+          <a:off x="7949362" y="254731"/>
           <a:ext cx="1887187" cy="1887187"/>
         </a:xfrm>
         <a:prstGeom prst="round2DiagRect">
@@ -5291,7 +5326,7 @@
       </dsp:nvSpPr>
       <dsp:spPr>
         <a:xfrm>
-          <a:off x="8351550" y="800356"/>
+          <a:off x="8351550" y="656918"/>
           <a:ext cx="1082812" cy="1082812"/>
         </a:xfrm>
         <a:prstGeom prst="rect">
@@ -5341,8 +5376,8 @@
       </dsp:nvSpPr>
       <dsp:spPr>
         <a:xfrm>
-          <a:off x="7346081" y="2873169"/>
-          <a:ext cx="3093750" cy="1080000"/>
+          <a:off x="7346081" y="2729731"/>
+          <a:ext cx="3093750" cy="1366875"/>
         </a:xfrm>
         <a:prstGeom prst="rect">
           <a:avLst/>
@@ -5373,7 +5408,7 @@
         <a:p>
           <a:pPr marL="0" lvl="0" indent="0" algn="ctr" defTabSz="488950">
             <a:lnSpc>
-              <a:spcPct val="90000"/>
+              <a:spcPct val="100000"/>
             </a:lnSpc>
             <a:spcBef>
               <a:spcPct val="0"/>
@@ -5396,8 +5431,8 @@
         </a:p>
       </dsp:txBody>
       <dsp:txXfrm>
-        <a:off x="7346081" y="2873169"/>
-        <a:ext cx="3093750" cy="1080000"/>
+        <a:off x="7346081" y="2729731"/>
+        <a:ext cx="3093750" cy="1366875"/>
       </dsp:txXfrm>
     </dsp:sp>
   </dsp:spTree>
@@ -9468,7 +9503,7 @@
           <a:p>
             <a:fld id="{EED1C14C-A143-42F5-B247-D0E800131009}" type="datetimeFigureOut">
               <a:rPr lang="en-US" smtClean="0"/>
-              <a:t>2/28/2020</a:t>
+              <a:t>2/29/2020</a:t>
             </a:fld>
             <a:endParaRPr lang="en-US" dirty="0"/>
           </a:p>
@@ -9666,7 +9701,7 @@
           <a:p>
             <a:fld id="{EED1C14C-A143-42F5-B247-D0E800131009}" type="datetimeFigureOut">
               <a:rPr lang="en-US" smtClean="0"/>
-              <a:t>2/28/2020</a:t>
+              <a:t>2/29/2020</a:t>
             </a:fld>
             <a:endParaRPr lang="en-US" dirty="0"/>
           </a:p>
@@ -9874,7 +9909,7 @@
           <a:p>
             <a:fld id="{EED1C14C-A143-42F5-B247-D0E800131009}" type="datetimeFigureOut">
               <a:rPr lang="en-US" smtClean="0"/>
-              <a:t>2/28/2020</a:t>
+              <a:t>2/29/2020</a:t>
             </a:fld>
             <a:endParaRPr lang="en-US" dirty="0"/>
           </a:p>
@@ -10072,7 +10107,7 @@
           <a:p>
             <a:fld id="{EED1C14C-A143-42F5-B247-D0E800131009}" type="datetimeFigureOut">
               <a:rPr lang="en-US" smtClean="0"/>
-              <a:t>2/28/2020</a:t>
+              <a:t>2/29/2020</a:t>
             </a:fld>
             <a:endParaRPr lang="en-US" dirty="0"/>
           </a:p>
@@ -10347,7 +10382,7 @@
           <a:p>
             <a:fld id="{EED1C14C-A143-42F5-B247-D0E800131009}" type="datetimeFigureOut">
               <a:rPr lang="en-US" smtClean="0"/>
-              <a:t>2/28/2020</a:t>
+              <a:t>2/29/2020</a:t>
             </a:fld>
             <a:endParaRPr lang="en-US" dirty="0"/>
           </a:p>
@@ -10612,7 +10647,7 @@
           <a:p>
             <a:fld id="{EED1C14C-A143-42F5-B247-D0E800131009}" type="datetimeFigureOut">
               <a:rPr lang="en-US" smtClean="0"/>
-              <a:t>2/28/2020</a:t>
+              <a:t>2/29/2020</a:t>
             </a:fld>
             <a:endParaRPr lang="en-US" dirty="0"/>
           </a:p>
@@ -11024,7 +11059,7 @@
           <a:p>
             <a:fld id="{EED1C14C-A143-42F5-B247-D0E800131009}" type="datetimeFigureOut">
               <a:rPr lang="en-US" smtClean="0"/>
-              <a:t>2/28/2020</a:t>
+              <a:t>2/29/2020</a:t>
             </a:fld>
             <a:endParaRPr lang="en-US" dirty="0"/>
           </a:p>
@@ -11165,7 +11200,7 @@
           <a:p>
             <a:fld id="{EED1C14C-A143-42F5-B247-D0E800131009}" type="datetimeFigureOut">
               <a:rPr lang="en-US" smtClean="0"/>
-              <a:t>2/28/2020</a:t>
+              <a:t>2/29/2020</a:t>
             </a:fld>
             <a:endParaRPr lang="en-US" dirty="0"/>
           </a:p>
@@ -11278,7 +11313,7 @@
           <a:p>
             <a:fld id="{EED1C14C-A143-42F5-B247-D0E800131009}" type="datetimeFigureOut">
               <a:rPr lang="en-US" smtClean="0"/>
-              <a:t>2/28/2020</a:t>
+              <a:t>2/29/2020</a:t>
             </a:fld>
             <a:endParaRPr lang="en-US" dirty="0"/>
           </a:p>
@@ -11589,7 +11624,7 @@
           <a:p>
             <a:fld id="{EED1C14C-A143-42F5-B247-D0E800131009}" type="datetimeFigureOut">
               <a:rPr lang="en-US" smtClean="0"/>
-              <a:t>2/28/2020</a:t>
+              <a:t>2/29/2020</a:t>
             </a:fld>
             <a:endParaRPr lang="en-US" dirty="0"/>
           </a:p>
@@ -11877,7 +11912,7 @@
           <a:p>
             <a:fld id="{EED1C14C-A143-42F5-B247-D0E800131009}" type="datetimeFigureOut">
               <a:rPr lang="en-US" smtClean="0"/>
-              <a:t>2/28/2020</a:t>
+              <a:t>2/29/2020</a:t>
             </a:fld>
             <a:endParaRPr lang="en-US" dirty="0"/>
           </a:p>
@@ -12118,7 +12153,7 @@
           <a:p>
             <a:fld id="{EED1C14C-A143-42F5-B247-D0E800131009}" type="datetimeFigureOut">
               <a:rPr lang="en-US" smtClean="0"/>
-              <a:t>2/28/2020</a:t>
+              <a:t>2/29/2020</a:t>
             </a:fld>
             <a:endParaRPr lang="en-US" dirty="0"/>
           </a:p>
@@ -17573,6 +17608,423 @@
           <a:chExt cx="0" cy="0"/>
         </a:xfrm>
       </p:grpSpPr>
+      <p:sp useBgFill="1">
+        <p:nvSpPr>
+          <p:cNvPr id="8" name="Rectangle 7">
+            <a:extLst>
+              <a:ext uri="{FF2B5EF4-FFF2-40B4-BE49-F238E27FC236}">
+                <a16:creationId xmlns:a16="http://schemas.microsoft.com/office/drawing/2014/main" id="{3B854194-185D-494D-905C-7C7CB2E30F6E}"/>
+              </a:ext>
+              <a:ext uri="{C183D7F6-B498-43B3-948B-1728B52AA6E4}">
+                <adec:decorative xmlns:adec="http://schemas.microsoft.com/office/drawing/2017/decorative" val="1"/>
+              </a:ext>
+            </a:extLst>
+          </p:cNvPr>
+          <p:cNvSpPr>
+            <a:spLocks noGrp="1" noRot="1" noChangeAspect="1" noMove="1" noResize="1" noEditPoints="1" noAdjustHandles="1" noChangeArrowheads="1" noChangeShapeType="1" noTextEdit="1"/>
+          </p:cNvSpPr>
+          <p:nvPr>
+            <p:extLst>
+              <p:ext uri="{386F3935-93C4-4BCD-93E2-E3B085C9AB24}">
+                <p16:designElem xmlns:p16="http://schemas.microsoft.com/office/powerpoint/2015/main" val="1"/>
+              </p:ext>
+            </p:extLst>
+          </p:nvPr>
+        </p:nvSpPr>
+        <p:spPr>
+          <a:xfrm>
+            <a:off x="1" y="0"/>
+            <a:ext cx="6082110" cy="6858000"/>
+          </a:xfrm>
+          <a:prstGeom prst="rect">
+            <a:avLst/>
+          </a:prstGeom>
+          <a:ln>
+            <a:noFill/>
+          </a:ln>
+        </p:spPr>
+        <p:style>
+          <a:lnRef idx="2">
+            <a:schemeClr val="accent1">
+              <a:shade val="50000"/>
+            </a:schemeClr>
+          </a:lnRef>
+          <a:fillRef idx="1">
+            <a:schemeClr val="accent1"/>
+          </a:fillRef>
+          <a:effectRef idx="0">
+            <a:schemeClr val="accent1"/>
+          </a:effectRef>
+          <a:fontRef idx="minor">
+            <a:schemeClr val="lt1"/>
+          </a:fontRef>
+        </p:style>
+        <p:txBody>
+          <a:bodyPr rtlCol="0" anchor="ctr"/>
+          <a:lstStyle/>
+          <a:p>
+            <a:pPr algn="ctr"/>
+            <a:endParaRPr lang="en-US"/>
+          </a:p>
+        </p:txBody>
+      </p:sp>
+      <p:sp>
+        <p:nvSpPr>
+          <p:cNvPr id="10" name="Rectangle 9">
+            <a:extLst>
+              <a:ext uri="{FF2B5EF4-FFF2-40B4-BE49-F238E27FC236}">
+                <a16:creationId xmlns:a16="http://schemas.microsoft.com/office/drawing/2014/main" id="{B4F5FA0D-0104-4987-8241-EFF7C85B88DE}"/>
+              </a:ext>
+              <a:ext uri="{C183D7F6-B498-43B3-948B-1728B52AA6E4}">
+                <adec:decorative xmlns:adec="http://schemas.microsoft.com/office/drawing/2017/decorative" val="1"/>
+              </a:ext>
+            </a:extLst>
+          </p:cNvPr>
+          <p:cNvSpPr>
+            <a:spLocks noGrp="1" noRot="1" noChangeAspect="1" noMove="1" noResize="1" noEditPoints="1" noAdjustHandles="1" noChangeArrowheads="1" noChangeShapeType="1" noTextEdit="1"/>
+          </p:cNvSpPr>
+          <p:nvPr>
+            <p:extLst>
+              <p:ext uri="{386F3935-93C4-4BCD-93E2-E3B085C9AB24}">
+                <p16:designElem xmlns:p16="http://schemas.microsoft.com/office/powerpoint/2015/main" val="1"/>
+              </p:ext>
+            </p:extLst>
+          </p:nvPr>
+        </p:nvSpPr>
+        <p:spPr>
+          <a:xfrm>
+            <a:off x="1" y="0"/>
+            <a:ext cx="12191998" cy="6858000"/>
+          </a:xfrm>
+          <a:prstGeom prst="rect">
+            <a:avLst/>
+          </a:prstGeom>
+          <a:gradFill>
+            <a:gsLst>
+              <a:gs pos="0">
+                <a:schemeClr val="accent1">
+                  <a:lumMod val="90000"/>
+                </a:schemeClr>
+              </a:gs>
+              <a:gs pos="25000">
+                <a:schemeClr val="accent1">
+                  <a:lumMod val="90000"/>
+                </a:schemeClr>
+              </a:gs>
+              <a:gs pos="94000">
+                <a:schemeClr val="bg2">
+                  <a:lumMod val="25000"/>
+                </a:schemeClr>
+              </a:gs>
+              <a:gs pos="100000">
+                <a:schemeClr val="bg2">
+                  <a:lumMod val="25000"/>
+                </a:schemeClr>
+              </a:gs>
+            </a:gsLst>
+            <a:lin ang="4200000" scaled="0"/>
+          </a:gradFill>
+          <a:ln>
+            <a:noFill/>
+          </a:ln>
+        </p:spPr>
+        <p:style>
+          <a:lnRef idx="2">
+            <a:schemeClr val="accent1">
+              <a:shade val="50000"/>
+            </a:schemeClr>
+          </a:lnRef>
+          <a:fillRef idx="1">
+            <a:schemeClr val="accent1"/>
+          </a:fillRef>
+          <a:effectRef idx="0">
+            <a:schemeClr val="accent1"/>
+          </a:effectRef>
+          <a:fontRef idx="minor">
+            <a:schemeClr val="lt1"/>
+          </a:fontRef>
+        </p:style>
+        <p:txBody>
+          <a:bodyPr rtlCol="0" anchor="ctr"/>
+          <a:lstStyle/>
+          <a:p>
+            <a:pPr algn="ctr"/>
+            <a:endParaRPr lang="en-US"/>
+          </a:p>
+        </p:txBody>
+      </p:sp>
+      <p:pic>
+        <p:nvPicPr>
+          <p:cNvPr id="12" name="Picture 11">
+            <a:extLst>
+              <a:ext uri="{FF2B5EF4-FFF2-40B4-BE49-F238E27FC236}">
+                <a16:creationId xmlns:a16="http://schemas.microsoft.com/office/drawing/2014/main" id="{2897127E-6CEF-446C-BE87-93B7C46E49D1}"/>
+              </a:ext>
+              <a:ext uri="{C183D7F6-B498-43B3-948B-1728B52AA6E4}">
+                <adec:decorative xmlns:adec="http://schemas.microsoft.com/office/drawing/2017/decorative" val="1"/>
+              </a:ext>
+            </a:extLst>
+          </p:cNvPr>
+          <p:cNvPicPr>
+            <a:picLocks noGrp="1" noRot="1" noChangeAspect="1" noMove="1" noResize="1" noEditPoints="1" noAdjustHandles="1" noChangeArrowheads="1" noChangeShapeType="1" noCrop="1"/>
+          </p:cNvPicPr>
+          <p:nvPr>
+            <p:extLst>
+              <p:ext uri="{386F3935-93C4-4BCD-93E2-E3B085C9AB24}">
+                <p16:designElem xmlns:p16="http://schemas.microsoft.com/office/powerpoint/2015/main" val="1"/>
+              </p:ext>
+            </p:extLst>
+          </p:nvPr>
+        </p:nvPicPr>
+        <p:blipFill>
+          <a:blip r:embed="rId2">
+            <a:extLst>
+              <a:ext uri="{28A0092B-C50C-407E-A947-70E740481C1C}">
+                <a14:useLocalDpi xmlns:a14="http://schemas.microsoft.com/office/drawing/2010/main" val="0"/>
+              </a:ext>
+            </a:extLst>
+          </a:blip>
+          <a:stretch>
+            <a:fillRect/>
+          </a:stretch>
+        </p:blipFill>
+        <p:spPr>
+          <a:xfrm>
+            <a:off x="0" y="0"/>
+            <a:ext cx="12192000" cy="6858000"/>
+          </a:xfrm>
+          <a:prstGeom prst="rect">
+            <a:avLst/>
+          </a:prstGeom>
+        </p:spPr>
+      </p:pic>
+      <p:sp>
+        <p:nvSpPr>
+          <p:cNvPr id="2" name="Title 1">
+            <a:extLst>
+              <a:ext uri="{FF2B5EF4-FFF2-40B4-BE49-F238E27FC236}">
+                <a16:creationId xmlns:a16="http://schemas.microsoft.com/office/drawing/2014/main" id="{98B63133-34E8-47D1-9EB2-C85430F55EEF}"/>
+              </a:ext>
+            </a:extLst>
+          </p:cNvPr>
+          <p:cNvSpPr>
+            <a:spLocks noGrp="1"/>
+          </p:cNvSpPr>
+          <p:nvPr>
+            <p:ph type="title"/>
+          </p:nvPr>
+        </p:nvSpPr>
+        <p:spPr>
+          <a:xfrm>
+            <a:off x="640079" y="2053641"/>
+            <a:ext cx="3669161" cy="2760098"/>
+          </a:xfrm>
+        </p:spPr>
+        <p:txBody>
+          <a:bodyPr>
+            <a:normAutofit/>
+          </a:bodyPr>
+          <a:lstStyle/>
+          <a:p>
+            <a:r>
+              <a:rPr lang="en-US">
+                <a:solidFill>
+                  <a:srgbClr val="FFFFFF"/>
+                </a:solidFill>
+              </a:rPr>
+              <a:t>Fun Facts</a:t>
+            </a:r>
+          </a:p>
+        </p:txBody>
+      </p:sp>
+      <p:sp>
+        <p:nvSpPr>
+          <p:cNvPr id="3" name="Content Placeholder 2">
+            <a:extLst>
+              <a:ext uri="{FF2B5EF4-FFF2-40B4-BE49-F238E27FC236}">
+                <a16:creationId xmlns:a16="http://schemas.microsoft.com/office/drawing/2014/main" id="{36DC9514-D391-472D-AE0D-EB22A9276E5D}"/>
+              </a:ext>
+            </a:extLst>
+          </p:cNvPr>
+          <p:cNvSpPr>
+            <a:spLocks noGrp="1"/>
+          </p:cNvSpPr>
+          <p:nvPr>
+            <p:ph idx="1"/>
+          </p:nvPr>
+        </p:nvSpPr>
+        <p:spPr>
+          <a:xfrm>
+            <a:off x="6090574" y="801866"/>
+            <a:ext cx="5306084" cy="5230634"/>
+          </a:xfrm>
+        </p:spPr>
+        <p:txBody>
+          <a:bodyPr anchor="ctr">
+            <a:normAutofit/>
+          </a:bodyPr>
+          <a:lstStyle/>
+          <a:p>
+            <a:r>
+              <a:rPr lang="en-US" sz="1700">
+                <a:solidFill>
+                  <a:srgbClr val="000000"/>
+                </a:solidFill>
+              </a:rPr>
+              <a:t>Items to note:</a:t>
+            </a:r>
+          </a:p>
+          <a:p>
+            <a:pPr lvl="1"/>
+            <a:r>
+              <a:rPr lang="en-US" sz="1700">
+                <a:solidFill>
+                  <a:srgbClr val="000000"/>
+                </a:solidFill>
+              </a:rPr>
+              <a:t>non-title bouts, the fighter with more name recognition is assigned the </a:t>
+            </a:r>
+            <a:r>
+              <a:rPr lang="en-US" sz="1700" b="1">
+                <a:solidFill>
+                  <a:srgbClr val="000000"/>
+                </a:solidFill>
+              </a:rPr>
+              <a:t>red corner</a:t>
+            </a:r>
+            <a:r>
+              <a:rPr lang="en-US" sz="1700">
+                <a:solidFill>
+                  <a:srgbClr val="000000"/>
+                </a:solidFill>
+              </a:rPr>
+              <a:t>. for new-comers fighting </a:t>
+            </a:r>
+            <a:r>
+              <a:rPr lang="en-US" sz="1700" b="1">
+                <a:solidFill>
+                  <a:srgbClr val="000000"/>
+                </a:solidFill>
+              </a:rPr>
+              <a:t>ufc</a:t>
+            </a:r>
+            <a:r>
+              <a:rPr lang="en-US" sz="1700">
+                <a:solidFill>
+                  <a:srgbClr val="000000"/>
+                </a:solidFill>
+              </a:rPr>
+              <a:t> vets, the new-comers will always be assigned the </a:t>
+            </a:r>
+            <a:r>
+              <a:rPr lang="en-US" sz="1700" b="1">
+                <a:solidFill>
+                  <a:srgbClr val="000000"/>
+                </a:solidFill>
+              </a:rPr>
+              <a:t>blue corner</a:t>
+            </a:r>
+            <a:r>
+              <a:rPr lang="en-US" sz="1700">
+                <a:solidFill>
+                  <a:srgbClr val="000000"/>
+                </a:solidFill>
+              </a:rPr>
+              <a:t> (whether or not they're more known, or they're fighting a less recognizable opponent)</a:t>
+            </a:r>
+          </a:p>
+          <a:p>
+            <a:pPr lvl="1"/>
+            <a:r>
+              <a:rPr lang="en-US" sz="1700">
+                <a:solidFill>
+                  <a:srgbClr val="000000"/>
+                </a:solidFill>
+              </a:rPr>
+              <a:t>Title Bouts, the champion is assigned to the red corner and the challenger the blue corner.</a:t>
+            </a:r>
+          </a:p>
+          <a:p>
+            <a:pPr lvl="1"/>
+            <a:r>
+              <a:rPr lang="en-US" sz="1700">
+                <a:solidFill>
+                  <a:srgbClr val="000000"/>
+                </a:solidFill>
+              </a:rPr>
+              <a:t>Red Side seems to win slightly more than blue.</a:t>
+            </a:r>
+          </a:p>
+          <a:p>
+            <a:pPr lvl="2"/>
+            <a:r>
+              <a:rPr lang="en-US" sz="1700">
+                <a:solidFill>
+                  <a:srgbClr val="000000"/>
+                </a:solidFill>
+              </a:rPr>
+              <a:t>Most winningest fighter in UFC history has fought more on the red side than blue</a:t>
+            </a:r>
+          </a:p>
+          <a:p>
+            <a:pPr lvl="3"/>
+            <a:r>
+              <a:rPr lang="en-US" sz="1700">
+                <a:solidFill>
+                  <a:srgbClr val="000000"/>
+                </a:solidFill>
+              </a:rPr>
+              <a:t>Ex: UFC 246 Donald Cerrone vs Conor McGregor, Donald Cerrone was in the blue corner. Winner was Conor McGregor</a:t>
+            </a:r>
+          </a:p>
+          <a:p>
+            <a:pPr lvl="1"/>
+            <a:endParaRPr lang="en-US" sz="1700">
+              <a:solidFill>
+                <a:srgbClr val="000000"/>
+              </a:solidFill>
+            </a:endParaRPr>
+          </a:p>
+        </p:txBody>
+      </p:sp>
+    </p:spTree>
+    <p:extLst>
+      <p:ext uri="{BB962C8B-B14F-4D97-AF65-F5344CB8AC3E}">
+        <p14:creationId xmlns:p14="http://schemas.microsoft.com/office/powerpoint/2010/main" val="2883015863"/>
+      </p:ext>
+    </p:extLst>
+  </p:cSld>
+  <p:clrMapOvr>
+    <a:masterClrMapping/>
+  </p:clrMapOvr>
+</p:sld>
+</file>
+
+<file path=ppt/slides/slide18.xml><?xml version="1.0" encoding="utf-8"?>
+<p:sld xmlns:a="http://schemas.openxmlformats.org/drawingml/2006/main" xmlns:r="http://schemas.openxmlformats.org/officeDocument/2006/relationships" xmlns:p="http://schemas.openxmlformats.org/presentationml/2006/main">
+  <p:cSld>
+    <p:bg>
+      <p:bgPr>
+        <a:solidFill>
+          <a:schemeClr val="bg1"/>
+        </a:solidFill>
+        <a:effectLst/>
+      </p:bgPr>
+    </p:bg>
+    <p:spTree>
+      <p:nvGrpSpPr>
+        <p:cNvPr id="1" name=""/>
+        <p:cNvGrpSpPr/>
+        <p:nvPr/>
+      </p:nvGrpSpPr>
+      <p:grpSpPr>
+        <a:xfrm>
+          <a:off x="0" y="0"/>
+          <a:ext cx="0" cy="0"/>
+          <a:chOff x="0" y="0"/>
+          <a:chExt cx="0" cy="0"/>
+        </a:xfrm>
+      </p:grpSpPr>
       <p:sp>
         <p:nvSpPr>
           <p:cNvPr id="10" name="Rectangle 9">
@@ -17952,7 +18404,7 @@
             <p:ph idx="1"/>
             <p:extLst>
               <p:ext uri="{D42A27DB-BD31-4B8C-83A1-F6EECF244321}">
-                <p14:modId xmlns:p14="http://schemas.microsoft.com/office/powerpoint/2010/main" val="427825852"/>
+                <p14:modId xmlns:p14="http://schemas.microsoft.com/office/powerpoint/2010/main" val="102192909"/>
               </p:ext>
             </p:extLst>
           </p:nvPr>
@@ -17980,7 +18432,824 @@
 </p:sld>
 </file>
 
-<file path=ppt/slides/slide18.xml><?xml version="1.0" encoding="utf-8"?>
+<file path=ppt/slides/slide19.xml><?xml version="1.0" encoding="utf-8"?>
+<p:sld xmlns:a="http://schemas.openxmlformats.org/drawingml/2006/main" xmlns:r="http://schemas.openxmlformats.org/officeDocument/2006/relationships" xmlns:p="http://schemas.openxmlformats.org/presentationml/2006/main">
+  <p:cSld>
+    <p:bg>
+      <p:bgPr>
+        <a:solidFill>
+          <a:schemeClr val="bg1"/>
+        </a:solidFill>
+        <a:effectLst/>
+      </p:bgPr>
+    </p:bg>
+    <p:spTree>
+      <p:nvGrpSpPr>
+        <p:cNvPr id="1" name=""/>
+        <p:cNvGrpSpPr/>
+        <p:nvPr/>
+      </p:nvGrpSpPr>
+      <p:grpSpPr>
+        <a:xfrm>
+          <a:off x="0" y="0"/>
+          <a:ext cx="0" cy="0"/>
+          <a:chOff x="0" y="0"/>
+          <a:chExt cx="0" cy="0"/>
+        </a:xfrm>
+      </p:grpSpPr>
+      <p:sp>
+        <p:nvSpPr>
+          <p:cNvPr id="10" name="Rectangle 9">
+            <a:extLst>
+              <a:ext uri="{FF2B5EF4-FFF2-40B4-BE49-F238E27FC236}">
+                <a16:creationId xmlns:a16="http://schemas.microsoft.com/office/drawing/2014/main" id="{23962611-DFD5-4092-AAFD-559E3DFCE2C9}"/>
+              </a:ext>
+              <a:ext uri="{C183D7F6-B498-43B3-948B-1728B52AA6E4}">
+                <adec:decorative xmlns:adec="http://schemas.microsoft.com/office/drawing/2017/decorative" val="1"/>
+              </a:ext>
+            </a:extLst>
+          </p:cNvPr>
+          <p:cNvSpPr>
+            <a:spLocks noGrp="1" noRot="1" noChangeAspect="1" noMove="1" noResize="1" noEditPoints="1" noAdjustHandles="1" noChangeArrowheads="1" noChangeShapeType="1" noTextEdit="1"/>
+          </p:cNvSpPr>
+          <p:nvPr>
+            <p:extLst>
+              <p:ext uri="{386F3935-93C4-4BCD-93E2-E3B085C9AB24}">
+                <p16:designElem xmlns:p16="http://schemas.microsoft.com/office/powerpoint/2015/main" val="1"/>
+              </p:ext>
+            </p:extLst>
+          </p:nvPr>
+        </p:nvSpPr>
+        <p:spPr>
+          <a:xfrm>
+            <a:off x="475488" y="0"/>
+            <a:ext cx="10910292" cy="6858000"/>
+          </a:xfrm>
+          <a:prstGeom prst="rect">
+            <a:avLst/>
+          </a:prstGeom>
+          <a:gradFill>
+            <a:gsLst>
+              <a:gs pos="0">
+                <a:schemeClr val="accent4"/>
+              </a:gs>
+              <a:gs pos="25000">
+                <a:schemeClr val="accent4"/>
+              </a:gs>
+              <a:gs pos="94000">
+                <a:schemeClr val="accent2"/>
+              </a:gs>
+              <a:gs pos="100000">
+                <a:schemeClr val="accent2"/>
+              </a:gs>
+            </a:gsLst>
+            <a:lin ang="4200000" scaled="0"/>
+          </a:gradFill>
+          <a:ln>
+            <a:noFill/>
+          </a:ln>
+        </p:spPr>
+        <p:style>
+          <a:lnRef idx="2">
+            <a:schemeClr val="accent1">
+              <a:shade val="50000"/>
+            </a:schemeClr>
+          </a:lnRef>
+          <a:fillRef idx="1">
+            <a:schemeClr val="accent1"/>
+          </a:fillRef>
+          <a:effectRef idx="0">
+            <a:schemeClr val="accent1"/>
+          </a:effectRef>
+          <a:fontRef idx="minor">
+            <a:schemeClr val="lt1"/>
+          </a:fontRef>
+        </p:style>
+        <p:txBody>
+          <a:bodyPr rtlCol="0" anchor="ctr"/>
+          <a:lstStyle/>
+          <a:p>
+            <a:pPr algn="ctr"/>
+            <a:endParaRPr lang="en-US"/>
+          </a:p>
+        </p:txBody>
+      </p:sp>
+      <p:pic>
+        <p:nvPicPr>
+          <p:cNvPr id="12" name="Picture 11">
+            <a:extLst>
+              <a:ext uri="{FF2B5EF4-FFF2-40B4-BE49-F238E27FC236}">
+                <a16:creationId xmlns:a16="http://schemas.microsoft.com/office/drawing/2014/main" id="{2270F1FA-0425-408F-9861-80BF5AFB276D}"/>
+              </a:ext>
+              <a:ext uri="{C183D7F6-B498-43B3-948B-1728B52AA6E4}">
+                <adec:decorative xmlns:adec="http://schemas.microsoft.com/office/drawing/2017/decorative" val="1"/>
+              </a:ext>
+            </a:extLst>
+          </p:cNvPr>
+          <p:cNvPicPr>
+            <a:picLocks noGrp="1" noRot="1" noChangeAspect="1" noMove="1" noResize="1" noEditPoints="1" noAdjustHandles="1" noChangeArrowheads="1" noChangeShapeType="1" noCrop="1"/>
+          </p:cNvPicPr>
+          <p:nvPr>
+            <p:extLst>
+              <p:ext uri="{386F3935-93C4-4BCD-93E2-E3B085C9AB24}">
+                <p16:designElem xmlns:p16="http://schemas.microsoft.com/office/powerpoint/2015/main" val="1"/>
+              </p:ext>
+            </p:extLst>
+          </p:nvPr>
+        </p:nvPicPr>
+        <p:blipFill>
+          <a:blip r:embed="rId2">
+            <a:extLst>
+              <a:ext uri="{28A0092B-C50C-407E-A947-70E740481C1C}">
+                <a14:useLocalDpi xmlns:a14="http://schemas.microsoft.com/office/drawing/2010/main" val="0"/>
+              </a:ext>
+            </a:extLst>
+          </a:blip>
+          <a:stretch>
+            <a:fillRect/>
+          </a:stretch>
+        </p:blipFill>
+        <p:spPr>
+          <a:xfrm>
+            <a:off x="0" y="0"/>
+            <a:ext cx="12192000" cy="6858000"/>
+          </a:xfrm>
+          <a:prstGeom prst="rect">
+            <a:avLst/>
+          </a:prstGeom>
+        </p:spPr>
+      </p:pic>
+      <p:sp>
+        <p:nvSpPr>
+          <p:cNvPr id="5" name="Title 4">
+            <a:extLst>
+              <a:ext uri="{FF2B5EF4-FFF2-40B4-BE49-F238E27FC236}">
+                <a16:creationId xmlns:a16="http://schemas.microsoft.com/office/drawing/2014/main" id="{D2135436-0EF0-4BB8-90A5-DB4DB86A596F}"/>
+              </a:ext>
+            </a:extLst>
+          </p:cNvPr>
+          <p:cNvSpPr>
+            <a:spLocks noGrp="1"/>
+          </p:cNvSpPr>
+          <p:nvPr>
+            <p:ph type="ctrTitle"/>
+          </p:nvPr>
+        </p:nvSpPr>
+        <p:spPr>
+          <a:xfrm>
+            <a:off x="3045368" y="2043663"/>
+            <a:ext cx="6105194" cy="2031055"/>
+          </a:xfrm>
+        </p:spPr>
+        <p:txBody>
+          <a:bodyPr>
+            <a:normAutofit/>
+          </a:bodyPr>
+          <a:lstStyle/>
+          <a:p>
+            <a:r>
+              <a:rPr lang="en-US">
+                <a:solidFill>
+                  <a:srgbClr val="FFFFFF"/>
+                </a:solidFill>
+              </a:rPr>
+              <a:t>However….</a:t>
+            </a:r>
+          </a:p>
+        </p:txBody>
+      </p:sp>
+    </p:spTree>
+    <p:extLst>
+      <p:ext uri="{BB962C8B-B14F-4D97-AF65-F5344CB8AC3E}">
+        <p14:creationId xmlns:p14="http://schemas.microsoft.com/office/powerpoint/2010/main" val="2494918425"/>
+      </p:ext>
+    </p:extLst>
+  </p:cSld>
+  <p:clrMapOvr>
+    <a:masterClrMapping/>
+  </p:clrMapOvr>
+</p:sld>
+</file>
+
+<file path=ppt/slides/slide2.xml><?xml version="1.0" encoding="utf-8"?>
+<p:sld xmlns:a="http://schemas.openxmlformats.org/drawingml/2006/main" xmlns:r="http://schemas.openxmlformats.org/officeDocument/2006/relationships" xmlns:p="http://schemas.openxmlformats.org/presentationml/2006/main">
+  <p:cSld>
+    <p:bg>
+      <p:bgPr>
+        <a:solidFill>
+          <a:schemeClr val="bg1"/>
+        </a:solidFill>
+        <a:effectLst/>
+      </p:bgPr>
+    </p:bg>
+    <p:spTree>
+      <p:nvGrpSpPr>
+        <p:cNvPr id="1" name=""/>
+        <p:cNvGrpSpPr/>
+        <p:nvPr/>
+      </p:nvGrpSpPr>
+      <p:grpSpPr>
+        <a:xfrm>
+          <a:off x="0" y="0"/>
+          <a:ext cx="0" cy="0"/>
+          <a:chOff x="0" y="0"/>
+          <a:chExt cx="0" cy="0"/>
+        </a:xfrm>
+      </p:grpSpPr>
+      <p:sp useBgFill="1">
+        <p:nvSpPr>
+          <p:cNvPr id="19" name="Rectangle 18">
+            <a:extLst>
+              <a:ext uri="{FF2B5EF4-FFF2-40B4-BE49-F238E27FC236}">
+                <a16:creationId xmlns:a16="http://schemas.microsoft.com/office/drawing/2014/main" id="{3B854194-185D-494D-905C-7C7CB2E30F6E}"/>
+              </a:ext>
+              <a:ext uri="{C183D7F6-B498-43B3-948B-1728B52AA6E4}">
+                <adec:decorative xmlns:adec="http://schemas.microsoft.com/office/drawing/2017/decorative" val="1"/>
+              </a:ext>
+            </a:extLst>
+          </p:cNvPr>
+          <p:cNvSpPr>
+            <a:spLocks noGrp="1" noRot="1" noChangeAspect="1" noMove="1" noResize="1" noEditPoints="1" noAdjustHandles="1" noChangeArrowheads="1" noChangeShapeType="1" noTextEdit="1"/>
+          </p:cNvSpPr>
+          <p:nvPr>
+            <p:extLst>
+              <p:ext uri="{386F3935-93C4-4BCD-93E2-E3B085C9AB24}">
+                <p16:designElem xmlns:p16="http://schemas.microsoft.com/office/powerpoint/2015/main" val="1"/>
+              </p:ext>
+            </p:extLst>
+          </p:nvPr>
+        </p:nvSpPr>
+        <p:spPr>
+          <a:xfrm>
+            <a:off x="1" y="0"/>
+            <a:ext cx="6082110" cy="6858000"/>
+          </a:xfrm>
+          <a:prstGeom prst="rect">
+            <a:avLst/>
+          </a:prstGeom>
+          <a:ln>
+            <a:noFill/>
+          </a:ln>
+        </p:spPr>
+        <p:style>
+          <a:lnRef idx="2">
+            <a:schemeClr val="accent1">
+              <a:shade val="50000"/>
+            </a:schemeClr>
+          </a:lnRef>
+          <a:fillRef idx="1">
+            <a:schemeClr val="accent1"/>
+          </a:fillRef>
+          <a:effectRef idx="0">
+            <a:schemeClr val="accent1"/>
+          </a:effectRef>
+          <a:fontRef idx="minor">
+            <a:schemeClr val="lt1"/>
+          </a:fontRef>
+        </p:style>
+        <p:txBody>
+          <a:bodyPr rtlCol="0" anchor="ctr"/>
+          <a:lstStyle/>
+          <a:p>
+            <a:pPr algn="ctr"/>
+            <a:endParaRPr lang="en-US"/>
+          </a:p>
+        </p:txBody>
+      </p:sp>
+      <p:sp>
+        <p:nvSpPr>
+          <p:cNvPr id="21" name="Rectangle 20">
+            <a:extLst>
+              <a:ext uri="{FF2B5EF4-FFF2-40B4-BE49-F238E27FC236}">
+                <a16:creationId xmlns:a16="http://schemas.microsoft.com/office/drawing/2014/main" id="{B4F5FA0D-0104-4987-8241-EFF7C85B88DE}"/>
+              </a:ext>
+              <a:ext uri="{C183D7F6-B498-43B3-948B-1728B52AA6E4}">
+                <adec:decorative xmlns:adec="http://schemas.microsoft.com/office/drawing/2017/decorative" val="1"/>
+              </a:ext>
+            </a:extLst>
+          </p:cNvPr>
+          <p:cNvSpPr>
+            <a:spLocks noGrp="1" noRot="1" noChangeAspect="1" noMove="1" noResize="1" noEditPoints="1" noAdjustHandles="1" noChangeArrowheads="1" noChangeShapeType="1" noTextEdit="1"/>
+          </p:cNvSpPr>
+          <p:nvPr>
+            <p:extLst>
+              <p:ext uri="{386F3935-93C4-4BCD-93E2-E3B085C9AB24}">
+                <p16:designElem xmlns:p16="http://schemas.microsoft.com/office/powerpoint/2015/main" val="1"/>
+              </p:ext>
+            </p:extLst>
+          </p:nvPr>
+        </p:nvSpPr>
+        <p:spPr>
+          <a:xfrm>
+            <a:off x="1" y="0"/>
+            <a:ext cx="12191998" cy="6858000"/>
+          </a:xfrm>
+          <a:prstGeom prst="rect">
+            <a:avLst/>
+          </a:prstGeom>
+          <a:gradFill>
+            <a:gsLst>
+              <a:gs pos="0">
+                <a:schemeClr val="accent1">
+                  <a:lumMod val="90000"/>
+                </a:schemeClr>
+              </a:gs>
+              <a:gs pos="25000">
+                <a:schemeClr val="accent1">
+                  <a:lumMod val="90000"/>
+                </a:schemeClr>
+              </a:gs>
+              <a:gs pos="94000">
+                <a:schemeClr val="bg2">
+                  <a:lumMod val="25000"/>
+                </a:schemeClr>
+              </a:gs>
+              <a:gs pos="100000">
+                <a:schemeClr val="bg2">
+                  <a:lumMod val="25000"/>
+                </a:schemeClr>
+              </a:gs>
+            </a:gsLst>
+            <a:lin ang="4200000" scaled="0"/>
+          </a:gradFill>
+          <a:ln>
+            <a:noFill/>
+          </a:ln>
+        </p:spPr>
+        <p:style>
+          <a:lnRef idx="2">
+            <a:schemeClr val="accent1">
+              <a:shade val="50000"/>
+            </a:schemeClr>
+          </a:lnRef>
+          <a:fillRef idx="1">
+            <a:schemeClr val="accent1"/>
+          </a:fillRef>
+          <a:effectRef idx="0">
+            <a:schemeClr val="accent1"/>
+          </a:effectRef>
+          <a:fontRef idx="minor">
+            <a:schemeClr val="lt1"/>
+          </a:fontRef>
+        </p:style>
+        <p:txBody>
+          <a:bodyPr rtlCol="0" anchor="ctr"/>
+          <a:lstStyle/>
+          <a:p>
+            <a:pPr algn="ctr"/>
+            <a:endParaRPr lang="en-US"/>
+          </a:p>
+        </p:txBody>
+      </p:sp>
+      <p:pic>
+        <p:nvPicPr>
+          <p:cNvPr id="23" name="Picture 22">
+            <a:extLst>
+              <a:ext uri="{FF2B5EF4-FFF2-40B4-BE49-F238E27FC236}">
+                <a16:creationId xmlns:a16="http://schemas.microsoft.com/office/drawing/2014/main" id="{2897127E-6CEF-446C-BE87-93B7C46E49D1}"/>
+              </a:ext>
+              <a:ext uri="{C183D7F6-B498-43B3-948B-1728B52AA6E4}">
+                <adec:decorative xmlns:adec="http://schemas.microsoft.com/office/drawing/2017/decorative" val="1"/>
+              </a:ext>
+            </a:extLst>
+          </p:cNvPr>
+          <p:cNvPicPr>
+            <a:picLocks noGrp="1" noRot="1" noChangeAspect="1" noMove="1" noResize="1" noEditPoints="1" noAdjustHandles="1" noChangeArrowheads="1" noChangeShapeType="1" noCrop="1"/>
+          </p:cNvPicPr>
+          <p:nvPr>
+            <p:extLst>
+              <p:ext uri="{386F3935-93C4-4BCD-93E2-E3B085C9AB24}">
+                <p16:designElem xmlns:p16="http://schemas.microsoft.com/office/powerpoint/2015/main" val="1"/>
+              </p:ext>
+            </p:extLst>
+          </p:nvPr>
+        </p:nvPicPr>
+        <p:blipFill>
+          <a:blip r:embed="rId2">
+            <a:extLst>
+              <a:ext uri="{28A0092B-C50C-407E-A947-70E740481C1C}">
+                <a14:useLocalDpi xmlns:a14="http://schemas.microsoft.com/office/drawing/2010/main" val="0"/>
+              </a:ext>
+            </a:extLst>
+          </a:blip>
+          <a:stretch>
+            <a:fillRect/>
+          </a:stretch>
+        </p:blipFill>
+        <p:spPr>
+          <a:xfrm>
+            <a:off x="0" y="0"/>
+            <a:ext cx="12192000" cy="6858000"/>
+          </a:xfrm>
+          <a:prstGeom prst="rect">
+            <a:avLst/>
+          </a:prstGeom>
+        </p:spPr>
+      </p:pic>
+      <p:sp>
+        <p:nvSpPr>
+          <p:cNvPr id="2" name="Title 1">
+            <a:extLst>
+              <a:ext uri="{FF2B5EF4-FFF2-40B4-BE49-F238E27FC236}">
+                <a16:creationId xmlns:a16="http://schemas.microsoft.com/office/drawing/2014/main" id="{29C2C0E9-3B5F-4EA5-9CEE-480F5C0D8EF3}"/>
+              </a:ext>
+            </a:extLst>
+          </p:cNvPr>
+          <p:cNvSpPr>
+            <a:spLocks noGrp="1"/>
+          </p:cNvSpPr>
+          <p:nvPr>
+            <p:ph type="title"/>
+          </p:nvPr>
+        </p:nvSpPr>
+        <p:spPr>
+          <a:xfrm>
+            <a:off x="640079" y="2053641"/>
+            <a:ext cx="3669161" cy="2760098"/>
+          </a:xfrm>
+        </p:spPr>
+        <p:txBody>
+          <a:bodyPr>
+            <a:normAutofit/>
+          </a:bodyPr>
+          <a:lstStyle/>
+          <a:p>
+            <a:r>
+              <a:rPr lang="en-US" b="1">
+                <a:solidFill>
+                  <a:srgbClr val="FFFFFF"/>
+                </a:solidFill>
+              </a:rPr>
+              <a:t>Objective</a:t>
+            </a:r>
+          </a:p>
+        </p:txBody>
+      </p:sp>
+      <p:sp>
+        <p:nvSpPr>
+          <p:cNvPr id="3" name="Content Placeholder 2">
+            <a:extLst>
+              <a:ext uri="{FF2B5EF4-FFF2-40B4-BE49-F238E27FC236}">
+                <a16:creationId xmlns:a16="http://schemas.microsoft.com/office/drawing/2014/main" id="{5F0897F5-8E36-4D04-AB1D-CF504F92C3D7}"/>
+              </a:ext>
+            </a:extLst>
+          </p:cNvPr>
+          <p:cNvSpPr>
+            <a:spLocks noGrp="1"/>
+          </p:cNvSpPr>
+          <p:nvPr>
+            <p:ph idx="1"/>
+          </p:nvPr>
+        </p:nvSpPr>
+        <p:spPr>
+          <a:xfrm>
+            <a:off x="6090574" y="801866"/>
+            <a:ext cx="5306084" cy="5230634"/>
+          </a:xfrm>
+        </p:spPr>
+        <p:txBody>
+          <a:bodyPr anchor="ctr">
+            <a:normAutofit/>
+          </a:bodyPr>
+          <a:lstStyle/>
+          <a:p>
+            <a:r>
+              <a:rPr lang="en-US" sz="2400" dirty="0">
+                <a:solidFill>
+                  <a:srgbClr val="000000"/>
+                </a:solidFill>
+              </a:rPr>
+              <a:t>The objective of this project is to utilize machine learning concepts to try to predict the probable outcome of UFC fights based on historical data.</a:t>
+            </a:r>
+          </a:p>
+        </p:txBody>
+      </p:sp>
+    </p:spTree>
+    <p:extLst>
+      <p:ext uri="{BB962C8B-B14F-4D97-AF65-F5344CB8AC3E}">
+        <p14:creationId xmlns:p14="http://schemas.microsoft.com/office/powerpoint/2010/main" val="178053589"/>
+      </p:ext>
+    </p:extLst>
+  </p:cSld>
+  <p:clrMapOvr>
+    <a:masterClrMapping/>
+  </p:clrMapOvr>
+</p:sld>
+</file>
+
+<file path=ppt/slides/slide20.xml><?xml version="1.0" encoding="utf-8"?>
+<p:sld xmlns:a="http://schemas.openxmlformats.org/drawingml/2006/main" xmlns:r="http://schemas.openxmlformats.org/officeDocument/2006/relationships" xmlns:p="http://schemas.openxmlformats.org/presentationml/2006/main">
+  <p:cSld>
+    <p:bg>
+      <p:bgPr>
+        <a:solidFill>
+          <a:schemeClr val="bg1"/>
+        </a:solidFill>
+        <a:effectLst/>
+      </p:bgPr>
+    </p:bg>
+    <p:spTree>
+      <p:nvGrpSpPr>
+        <p:cNvPr id="1" name=""/>
+        <p:cNvGrpSpPr/>
+        <p:nvPr/>
+      </p:nvGrpSpPr>
+      <p:grpSpPr>
+        <a:xfrm>
+          <a:off x="0" y="0"/>
+          <a:ext cx="0" cy="0"/>
+          <a:chOff x="0" y="0"/>
+          <a:chExt cx="0" cy="0"/>
+        </a:xfrm>
+      </p:grpSpPr>
+      <p:sp useBgFill="1">
+        <p:nvSpPr>
+          <p:cNvPr id="8" name="Rectangle 7">
+            <a:extLst>
+              <a:ext uri="{FF2B5EF4-FFF2-40B4-BE49-F238E27FC236}">
+                <a16:creationId xmlns:a16="http://schemas.microsoft.com/office/drawing/2014/main" id="{3B854194-185D-494D-905C-7C7CB2E30F6E}"/>
+              </a:ext>
+              <a:ext uri="{C183D7F6-B498-43B3-948B-1728B52AA6E4}">
+                <adec:decorative xmlns:adec="http://schemas.microsoft.com/office/drawing/2017/decorative" val="1"/>
+              </a:ext>
+            </a:extLst>
+          </p:cNvPr>
+          <p:cNvSpPr>
+            <a:spLocks noGrp="1" noRot="1" noChangeAspect="1" noMove="1" noResize="1" noEditPoints="1" noAdjustHandles="1" noChangeArrowheads="1" noChangeShapeType="1" noTextEdit="1"/>
+          </p:cNvSpPr>
+          <p:nvPr>
+            <p:extLst>
+              <p:ext uri="{386F3935-93C4-4BCD-93E2-E3B085C9AB24}">
+                <p16:designElem xmlns:p16="http://schemas.microsoft.com/office/powerpoint/2015/main" val="1"/>
+              </p:ext>
+            </p:extLst>
+          </p:nvPr>
+        </p:nvSpPr>
+        <p:spPr>
+          <a:xfrm>
+            <a:off x="1" y="0"/>
+            <a:ext cx="6082110" cy="6858000"/>
+          </a:xfrm>
+          <a:prstGeom prst="rect">
+            <a:avLst/>
+          </a:prstGeom>
+          <a:ln>
+            <a:noFill/>
+          </a:ln>
+        </p:spPr>
+        <p:style>
+          <a:lnRef idx="2">
+            <a:schemeClr val="accent1">
+              <a:shade val="50000"/>
+            </a:schemeClr>
+          </a:lnRef>
+          <a:fillRef idx="1">
+            <a:schemeClr val="accent1"/>
+          </a:fillRef>
+          <a:effectRef idx="0">
+            <a:schemeClr val="accent1"/>
+          </a:effectRef>
+          <a:fontRef idx="minor">
+            <a:schemeClr val="lt1"/>
+          </a:fontRef>
+        </p:style>
+        <p:txBody>
+          <a:bodyPr rtlCol="0" anchor="ctr"/>
+          <a:lstStyle/>
+          <a:p>
+            <a:pPr algn="ctr"/>
+            <a:endParaRPr lang="en-US"/>
+          </a:p>
+        </p:txBody>
+      </p:sp>
+      <p:sp>
+        <p:nvSpPr>
+          <p:cNvPr id="10" name="Rectangle 9">
+            <a:extLst>
+              <a:ext uri="{FF2B5EF4-FFF2-40B4-BE49-F238E27FC236}">
+                <a16:creationId xmlns:a16="http://schemas.microsoft.com/office/drawing/2014/main" id="{B4F5FA0D-0104-4987-8241-EFF7C85B88DE}"/>
+              </a:ext>
+              <a:ext uri="{C183D7F6-B498-43B3-948B-1728B52AA6E4}">
+                <adec:decorative xmlns:adec="http://schemas.microsoft.com/office/drawing/2017/decorative" val="1"/>
+              </a:ext>
+            </a:extLst>
+          </p:cNvPr>
+          <p:cNvSpPr>
+            <a:spLocks noGrp="1" noRot="1" noChangeAspect="1" noMove="1" noResize="1" noEditPoints="1" noAdjustHandles="1" noChangeArrowheads="1" noChangeShapeType="1" noTextEdit="1"/>
+          </p:cNvSpPr>
+          <p:nvPr>
+            <p:extLst>
+              <p:ext uri="{386F3935-93C4-4BCD-93E2-E3B085C9AB24}">
+                <p16:designElem xmlns:p16="http://schemas.microsoft.com/office/powerpoint/2015/main" val="1"/>
+              </p:ext>
+            </p:extLst>
+          </p:nvPr>
+        </p:nvSpPr>
+        <p:spPr>
+          <a:xfrm>
+            <a:off x="1" y="0"/>
+            <a:ext cx="12191998" cy="6858000"/>
+          </a:xfrm>
+          <a:prstGeom prst="rect">
+            <a:avLst/>
+          </a:prstGeom>
+          <a:gradFill>
+            <a:gsLst>
+              <a:gs pos="0">
+                <a:schemeClr val="accent4"/>
+              </a:gs>
+              <a:gs pos="25000">
+                <a:schemeClr val="accent4"/>
+              </a:gs>
+              <a:gs pos="94000">
+                <a:schemeClr val="accent2"/>
+              </a:gs>
+              <a:gs pos="100000">
+                <a:schemeClr val="accent2"/>
+              </a:gs>
+            </a:gsLst>
+            <a:lin ang="4200000" scaled="0"/>
+          </a:gradFill>
+          <a:ln>
+            <a:noFill/>
+          </a:ln>
+        </p:spPr>
+        <p:style>
+          <a:lnRef idx="2">
+            <a:schemeClr val="accent1">
+              <a:shade val="50000"/>
+            </a:schemeClr>
+          </a:lnRef>
+          <a:fillRef idx="1">
+            <a:schemeClr val="accent1"/>
+          </a:fillRef>
+          <a:effectRef idx="0">
+            <a:schemeClr val="accent1"/>
+          </a:effectRef>
+          <a:fontRef idx="minor">
+            <a:schemeClr val="lt1"/>
+          </a:fontRef>
+        </p:style>
+        <p:txBody>
+          <a:bodyPr rtlCol="0" anchor="ctr"/>
+          <a:lstStyle/>
+          <a:p>
+            <a:pPr algn="ctr"/>
+            <a:endParaRPr lang="en-US"/>
+          </a:p>
+        </p:txBody>
+      </p:sp>
+      <p:pic>
+        <p:nvPicPr>
+          <p:cNvPr id="12" name="Picture 11">
+            <a:extLst>
+              <a:ext uri="{FF2B5EF4-FFF2-40B4-BE49-F238E27FC236}">
+                <a16:creationId xmlns:a16="http://schemas.microsoft.com/office/drawing/2014/main" id="{2897127E-6CEF-446C-BE87-93B7C46E49D1}"/>
+              </a:ext>
+              <a:ext uri="{C183D7F6-B498-43B3-948B-1728B52AA6E4}">
+                <adec:decorative xmlns:adec="http://schemas.microsoft.com/office/drawing/2017/decorative" val="1"/>
+              </a:ext>
+            </a:extLst>
+          </p:cNvPr>
+          <p:cNvPicPr>
+            <a:picLocks noGrp="1" noRot="1" noChangeAspect="1" noMove="1" noResize="1" noEditPoints="1" noAdjustHandles="1" noChangeArrowheads="1" noChangeShapeType="1" noCrop="1"/>
+          </p:cNvPicPr>
+          <p:nvPr>
+            <p:extLst>
+              <p:ext uri="{386F3935-93C4-4BCD-93E2-E3B085C9AB24}">
+                <p16:designElem xmlns:p16="http://schemas.microsoft.com/office/powerpoint/2015/main" val="1"/>
+              </p:ext>
+            </p:extLst>
+          </p:nvPr>
+        </p:nvPicPr>
+        <p:blipFill>
+          <a:blip r:embed="rId2">
+            <a:extLst>
+              <a:ext uri="{28A0092B-C50C-407E-A947-70E740481C1C}">
+                <a14:useLocalDpi xmlns:a14="http://schemas.microsoft.com/office/drawing/2010/main" val="0"/>
+              </a:ext>
+            </a:extLst>
+          </a:blip>
+          <a:stretch>
+            <a:fillRect/>
+          </a:stretch>
+        </p:blipFill>
+        <p:spPr>
+          <a:xfrm>
+            <a:off x="0" y="0"/>
+            <a:ext cx="12192000" cy="6858000"/>
+          </a:xfrm>
+          <a:prstGeom prst="rect">
+            <a:avLst/>
+          </a:prstGeom>
+        </p:spPr>
+      </p:pic>
+      <p:sp>
+        <p:nvSpPr>
+          <p:cNvPr id="2" name="Title 1">
+            <a:extLst>
+              <a:ext uri="{FF2B5EF4-FFF2-40B4-BE49-F238E27FC236}">
+                <a16:creationId xmlns:a16="http://schemas.microsoft.com/office/drawing/2014/main" id="{89B365B4-669C-433C-9EAD-8FF1508D573C}"/>
+              </a:ext>
+            </a:extLst>
+          </p:cNvPr>
+          <p:cNvSpPr>
+            <a:spLocks noGrp="1"/>
+          </p:cNvSpPr>
+          <p:nvPr>
+            <p:ph type="title"/>
+          </p:nvPr>
+        </p:nvSpPr>
+        <p:spPr>
+          <a:xfrm>
+            <a:off x="640079" y="2053641"/>
+            <a:ext cx="3669161" cy="2760098"/>
+          </a:xfrm>
+        </p:spPr>
+        <p:txBody>
+          <a:bodyPr>
+            <a:normAutofit/>
+          </a:bodyPr>
+          <a:lstStyle/>
+          <a:p>
+            <a:r>
+              <a:rPr lang="en-US" b="1">
+                <a:solidFill>
+                  <a:srgbClr val="FFFFFF"/>
+                </a:solidFill>
+              </a:rPr>
+              <a:t>Disclaimer</a:t>
+            </a:r>
+          </a:p>
+        </p:txBody>
+      </p:sp>
+      <p:sp>
+        <p:nvSpPr>
+          <p:cNvPr id="3" name="Content Placeholder 2">
+            <a:extLst>
+              <a:ext uri="{FF2B5EF4-FFF2-40B4-BE49-F238E27FC236}">
+                <a16:creationId xmlns:a16="http://schemas.microsoft.com/office/drawing/2014/main" id="{416FA3C8-BD16-45F0-AA1C-18EE89A6071B}"/>
+              </a:ext>
+            </a:extLst>
+          </p:cNvPr>
+          <p:cNvSpPr>
+            <a:spLocks noGrp="1"/>
+          </p:cNvSpPr>
+          <p:nvPr>
+            <p:ph idx="1"/>
+          </p:nvPr>
+        </p:nvSpPr>
+        <p:spPr>
+          <a:xfrm>
+            <a:off x="6090574" y="801866"/>
+            <a:ext cx="5306084" cy="5230634"/>
+          </a:xfrm>
+        </p:spPr>
+        <p:txBody>
+          <a:bodyPr anchor="ctr">
+            <a:normAutofit/>
+          </a:bodyPr>
+          <a:lstStyle/>
+          <a:p>
+            <a:r>
+              <a:rPr lang="en-US" sz="2400" b="1">
+                <a:solidFill>
+                  <a:srgbClr val="000000"/>
+                </a:solidFill>
+              </a:rPr>
+              <a:t>I do not condone betting based on the results of this analysis. I am not responsible for any damages done or losses incurred by way of this analysis. </a:t>
+            </a:r>
+            <a:r>
+              <a:rPr lang="en-US" sz="2400" b="1">
+                <a:solidFill>
+                  <a:srgbClr val="000000"/>
+                </a:solidFill>
+                <a:sym typeface="Wingdings" panose="05000000000000000000" pitchFamily="2" charset="2"/>
+              </a:rPr>
+              <a:t></a:t>
+            </a:r>
+            <a:endParaRPr lang="en-US" sz="2400" b="1">
+              <a:solidFill>
+                <a:srgbClr val="000000"/>
+              </a:solidFill>
+            </a:endParaRPr>
+          </a:p>
+        </p:txBody>
+      </p:sp>
+    </p:spTree>
+    <p:extLst>
+      <p:ext uri="{BB962C8B-B14F-4D97-AF65-F5344CB8AC3E}">
+        <p14:creationId xmlns:p14="http://schemas.microsoft.com/office/powerpoint/2010/main" val="3254629943"/>
+      </p:ext>
+    </p:extLst>
+  </p:cSld>
+  <p:clrMapOvr>
+    <a:masterClrMapping/>
+  </p:clrMapOvr>
+</p:sld>
+</file>
+
+<file path=ppt/slides/slide21.xml><?xml version="1.0" encoding="utf-8"?>
 <p:sld xmlns:a="http://schemas.openxmlformats.org/drawingml/2006/main" xmlns:r="http://schemas.openxmlformats.org/officeDocument/2006/relationships" xmlns:p="http://schemas.openxmlformats.org/presentationml/2006/main">
   <p:cSld>
     <p:bg>
@@ -18645,7 +19914,7 @@
 </p:sld>
 </file>
 
-<file path=ppt/slides/slide19.xml><?xml version="1.0" encoding="utf-8"?>
+<file path=ppt/slides/slide22.xml><?xml version="1.0" encoding="utf-8"?>
 <p:sld xmlns:a="http://schemas.openxmlformats.org/drawingml/2006/main" xmlns:r="http://schemas.openxmlformats.org/officeDocument/2006/relationships" xmlns:p="http://schemas.openxmlformats.org/presentationml/2006/main">
   <p:cSld>
     <p:spTree>
@@ -19047,7 +20316,7 @@
 </p:sld>
 </file>
 
-<file path=ppt/slides/slide2.xml><?xml version="1.0" encoding="utf-8"?>
+<file path=ppt/slides/slide23.xml><?xml version="1.0" encoding="utf-8"?>
 <p:sld xmlns:a="http://schemas.openxmlformats.org/drawingml/2006/main" xmlns:r="http://schemas.openxmlformats.org/officeDocument/2006/relationships" xmlns:p="http://schemas.openxmlformats.org/presentationml/2006/main">
   <p:cSld>
     <p:bg>
@@ -19072,12 +20341,12 @@
           <a:chExt cx="0" cy="0"/>
         </a:xfrm>
       </p:grpSpPr>
-      <p:sp useBgFill="1">
+      <p:sp>
         <p:nvSpPr>
-          <p:cNvPr id="19" name="Rectangle 18">
+          <p:cNvPr id="7" name="Rectangle 6">
             <a:extLst>
               <a:ext uri="{FF2B5EF4-FFF2-40B4-BE49-F238E27FC236}">
-                <a16:creationId xmlns:a16="http://schemas.microsoft.com/office/drawing/2014/main" id="{3B854194-185D-494D-905C-7C7CB2E30F6E}"/>
+                <a16:creationId xmlns:a16="http://schemas.microsoft.com/office/drawing/2014/main" id="{23962611-DFD5-4092-AAFD-559E3DFCE2C9}"/>
               </a:ext>
               <a:ext uri="{C183D7F6-B498-43B3-948B-1728B52AA6E4}">
                 <adec:decorative xmlns:adec="http://schemas.microsoft.com/office/drawing/2017/decorative" val="1"/>
@@ -19097,68 +20366,8 @@
         </p:nvSpPr>
         <p:spPr>
           <a:xfrm>
-            <a:off x="1" y="0"/>
-            <a:ext cx="6082110" cy="6858000"/>
-          </a:xfrm>
-          <a:prstGeom prst="rect">
-            <a:avLst/>
-          </a:prstGeom>
-          <a:ln>
-            <a:noFill/>
-          </a:ln>
-        </p:spPr>
-        <p:style>
-          <a:lnRef idx="2">
-            <a:schemeClr val="accent1">
-              <a:shade val="50000"/>
-            </a:schemeClr>
-          </a:lnRef>
-          <a:fillRef idx="1">
-            <a:schemeClr val="accent1"/>
-          </a:fillRef>
-          <a:effectRef idx="0">
-            <a:schemeClr val="accent1"/>
-          </a:effectRef>
-          <a:fontRef idx="minor">
-            <a:schemeClr val="lt1"/>
-          </a:fontRef>
-        </p:style>
-        <p:txBody>
-          <a:bodyPr rtlCol="0" anchor="ctr"/>
-          <a:lstStyle/>
-          <a:p>
-            <a:pPr algn="ctr"/>
-            <a:endParaRPr lang="en-US"/>
-          </a:p>
-        </p:txBody>
-      </p:sp>
-      <p:sp>
-        <p:nvSpPr>
-          <p:cNvPr id="21" name="Rectangle 20">
-            <a:extLst>
-              <a:ext uri="{FF2B5EF4-FFF2-40B4-BE49-F238E27FC236}">
-                <a16:creationId xmlns:a16="http://schemas.microsoft.com/office/drawing/2014/main" id="{B4F5FA0D-0104-4987-8241-EFF7C85B88DE}"/>
-              </a:ext>
-              <a:ext uri="{C183D7F6-B498-43B3-948B-1728B52AA6E4}">
-                <adec:decorative xmlns:adec="http://schemas.microsoft.com/office/drawing/2017/decorative" val="1"/>
-              </a:ext>
-            </a:extLst>
-          </p:cNvPr>
-          <p:cNvSpPr>
-            <a:spLocks noGrp="1" noRot="1" noChangeAspect="1" noMove="1" noResize="1" noEditPoints="1" noAdjustHandles="1" noChangeArrowheads="1" noChangeShapeType="1" noTextEdit="1"/>
-          </p:cNvSpPr>
-          <p:nvPr>
-            <p:extLst>
-              <p:ext uri="{386F3935-93C4-4BCD-93E2-E3B085C9AB24}">
-                <p16:designElem xmlns:p16="http://schemas.microsoft.com/office/powerpoint/2015/main" val="1"/>
-              </p:ext>
-            </p:extLst>
-          </p:nvPr>
-        </p:nvSpPr>
-        <p:spPr>
-          <a:xfrm>
-            <a:off x="1" y="0"/>
-            <a:ext cx="12191998" cy="6858000"/>
+            <a:off x="475488" y="0"/>
+            <a:ext cx="10910292" cy="6858000"/>
           </a:xfrm>
           <a:prstGeom prst="rect">
             <a:avLst/>
@@ -19166,24 +20375,16 @@
           <a:gradFill>
             <a:gsLst>
               <a:gs pos="0">
-                <a:schemeClr val="accent1">
-                  <a:lumMod val="90000"/>
-                </a:schemeClr>
+                <a:schemeClr val="accent4"/>
               </a:gs>
               <a:gs pos="25000">
-                <a:schemeClr val="accent1">
-                  <a:lumMod val="90000"/>
-                </a:schemeClr>
+                <a:schemeClr val="accent4"/>
               </a:gs>
               <a:gs pos="94000">
-                <a:schemeClr val="bg2">
-                  <a:lumMod val="25000"/>
-                </a:schemeClr>
+                <a:schemeClr val="accent2"/>
               </a:gs>
               <a:gs pos="100000">
-                <a:schemeClr val="bg2">
-                  <a:lumMod val="25000"/>
-                </a:schemeClr>
+                <a:schemeClr val="accent2"/>
               </a:gs>
             </a:gsLst>
             <a:lin ang="4200000" scaled="0"/>
@@ -19219,10 +20420,10 @@
       </p:sp>
       <p:pic>
         <p:nvPicPr>
-          <p:cNvPr id="23" name="Picture 22">
+          <p:cNvPr id="9" name="Picture 8">
             <a:extLst>
               <a:ext uri="{FF2B5EF4-FFF2-40B4-BE49-F238E27FC236}">
-                <a16:creationId xmlns:a16="http://schemas.microsoft.com/office/drawing/2014/main" id="{2897127E-6CEF-446C-BE87-93B7C46E49D1}"/>
+                <a16:creationId xmlns:a16="http://schemas.microsoft.com/office/drawing/2014/main" id="{2270F1FA-0425-408F-9861-80BF5AFB276D}"/>
               </a:ext>
               <a:ext uri="{C183D7F6-B498-43B3-948B-1728B52AA6E4}">
                 <adec:decorative xmlns:adec="http://schemas.microsoft.com/office/drawing/2017/decorative" val="1"/>
@@ -19267,7 +20468,7 @@
           <p:cNvPr id="2" name="Title 1">
             <a:extLst>
               <a:ext uri="{FF2B5EF4-FFF2-40B4-BE49-F238E27FC236}">
-                <a16:creationId xmlns:a16="http://schemas.microsoft.com/office/drawing/2014/main" id="{29C2C0E9-3B5F-4EA5-9CEE-480F5C0D8EF3}"/>
+                <a16:creationId xmlns:a16="http://schemas.microsoft.com/office/drawing/2014/main" id="{1912025D-0A03-4163-BCDF-5AF602809DB4}"/>
               </a:ext>
             </a:extLst>
           </p:cNvPr>
@@ -19275,13 +20476,13 @@
             <a:spLocks noGrp="1"/>
           </p:cNvSpPr>
           <p:nvPr>
-            <p:ph type="title"/>
+            <p:ph type="ctrTitle"/>
           </p:nvPr>
         </p:nvSpPr>
         <p:spPr>
           <a:xfrm>
-            <a:off x="640079" y="2053641"/>
-            <a:ext cx="3669161" cy="2760098"/>
+            <a:off x="3045368" y="2043663"/>
+            <a:ext cx="6105194" cy="2031055"/>
           </a:xfrm>
         </p:spPr>
         <p:txBody>
@@ -19291,51 +20492,12 @@
           <a:lstStyle/>
           <a:p>
             <a:r>
-              <a:rPr lang="en-US" b="1">
+              <a:rPr lang="en-US">
                 <a:solidFill>
                   <a:srgbClr val="FFFFFF"/>
                 </a:solidFill>
               </a:rPr>
-              <a:t>Objective</a:t>
-            </a:r>
-          </a:p>
-        </p:txBody>
-      </p:sp>
-      <p:sp>
-        <p:nvSpPr>
-          <p:cNvPr id="3" name="Content Placeholder 2">
-            <a:extLst>
-              <a:ext uri="{FF2B5EF4-FFF2-40B4-BE49-F238E27FC236}">
-                <a16:creationId xmlns:a16="http://schemas.microsoft.com/office/drawing/2014/main" id="{5F0897F5-8E36-4D04-AB1D-CF504F92C3D7}"/>
-              </a:ext>
-            </a:extLst>
-          </p:cNvPr>
-          <p:cNvSpPr>
-            <a:spLocks noGrp="1"/>
-          </p:cNvSpPr>
-          <p:nvPr>
-            <p:ph idx="1"/>
-          </p:nvPr>
-        </p:nvSpPr>
-        <p:spPr>
-          <a:xfrm>
-            <a:off x="6090574" y="801866"/>
-            <a:ext cx="5306084" cy="5230634"/>
-          </a:xfrm>
-        </p:spPr>
-        <p:txBody>
-          <a:bodyPr anchor="ctr">
-            <a:normAutofit/>
-          </a:bodyPr>
-          <a:lstStyle/>
-          <a:p>
-            <a:r>
-              <a:rPr lang="en-US" sz="2400" dirty="0">
-                <a:solidFill>
-                  <a:srgbClr val="000000"/>
-                </a:solidFill>
-              </a:rPr>
-              <a:t>The objective of this project is to utilize machine learning concepts to try to predict the probable outcome of UFC fights based on historical data.</a:t>
+              <a:t>THE END</a:t>
             </a:r>
           </a:p>
         </p:txBody>
@@ -19343,7 +20505,7 @@
     </p:spTree>
     <p:extLst>
       <p:ext uri="{BB962C8B-B14F-4D97-AF65-F5344CB8AC3E}">
-        <p14:creationId xmlns:p14="http://schemas.microsoft.com/office/powerpoint/2010/main" val="178053589"/>
+        <p14:creationId xmlns:p14="http://schemas.microsoft.com/office/powerpoint/2010/main" val="3460398871"/>
       </p:ext>
     </p:extLst>
   </p:cSld>

--- a/Machine Learning Project/UFC.pptx
+++ b/Machine Learning Project/UFC.pptx
@@ -22,12 +22,13 @@
     <p:sldId id="261" r:id="rId16"/>
     <p:sldId id="262" r:id="rId17"/>
     <p:sldId id="275" r:id="rId18"/>
-    <p:sldId id="269" r:id="rId19"/>
-    <p:sldId id="276" r:id="rId20"/>
-    <p:sldId id="277" r:id="rId21"/>
-    <p:sldId id="270" r:id="rId22"/>
-    <p:sldId id="271" r:id="rId23"/>
-    <p:sldId id="278" r:id="rId24"/>
+    <p:sldId id="279" r:id="rId19"/>
+    <p:sldId id="269" r:id="rId20"/>
+    <p:sldId id="276" r:id="rId21"/>
+    <p:sldId id="277" r:id="rId22"/>
+    <p:sldId id="270" r:id="rId23"/>
+    <p:sldId id="271" r:id="rId24"/>
+    <p:sldId id="278" r:id="rId25"/>
   </p:sldIdLst>
   <p:sldSz cx="12192000" cy="6858000"/>
   <p:notesSz cx="6858000" cy="9144000"/>
@@ -9503,7 +9504,7 @@
           <a:p>
             <a:fld id="{EED1C14C-A143-42F5-B247-D0E800131009}" type="datetimeFigureOut">
               <a:rPr lang="en-US" smtClean="0"/>
-              <a:t>2/29/2020</a:t>
+              <a:t>3/5/2020</a:t>
             </a:fld>
             <a:endParaRPr lang="en-US" dirty="0"/>
           </a:p>
@@ -9701,7 +9702,7 @@
           <a:p>
             <a:fld id="{EED1C14C-A143-42F5-B247-D0E800131009}" type="datetimeFigureOut">
               <a:rPr lang="en-US" smtClean="0"/>
-              <a:t>2/29/2020</a:t>
+              <a:t>3/5/2020</a:t>
             </a:fld>
             <a:endParaRPr lang="en-US" dirty="0"/>
           </a:p>
@@ -9909,7 +9910,7 @@
           <a:p>
             <a:fld id="{EED1C14C-A143-42F5-B247-D0E800131009}" type="datetimeFigureOut">
               <a:rPr lang="en-US" smtClean="0"/>
-              <a:t>2/29/2020</a:t>
+              <a:t>3/5/2020</a:t>
             </a:fld>
             <a:endParaRPr lang="en-US" dirty="0"/>
           </a:p>
@@ -10107,7 +10108,7 @@
           <a:p>
             <a:fld id="{EED1C14C-A143-42F5-B247-D0E800131009}" type="datetimeFigureOut">
               <a:rPr lang="en-US" smtClean="0"/>
-              <a:t>2/29/2020</a:t>
+              <a:t>3/5/2020</a:t>
             </a:fld>
             <a:endParaRPr lang="en-US" dirty="0"/>
           </a:p>
@@ -10382,7 +10383,7 @@
           <a:p>
             <a:fld id="{EED1C14C-A143-42F5-B247-D0E800131009}" type="datetimeFigureOut">
               <a:rPr lang="en-US" smtClean="0"/>
-              <a:t>2/29/2020</a:t>
+              <a:t>3/5/2020</a:t>
             </a:fld>
             <a:endParaRPr lang="en-US" dirty="0"/>
           </a:p>
@@ -10647,7 +10648,7 @@
           <a:p>
             <a:fld id="{EED1C14C-A143-42F5-B247-D0E800131009}" type="datetimeFigureOut">
               <a:rPr lang="en-US" smtClean="0"/>
-              <a:t>2/29/2020</a:t>
+              <a:t>3/5/2020</a:t>
             </a:fld>
             <a:endParaRPr lang="en-US" dirty="0"/>
           </a:p>
@@ -11059,7 +11060,7 @@
           <a:p>
             <a:fld id="{EED1C14C-A143-42F5-B247-D0E800131009}" type="datetimeFigureOut">
               <a:rPr lang="en-US" smtClean="0"/>
-              <a:t>2/29/2020</a:t>
+              <a:t>3/5/2020</a:t>
             </a:fld>
             <a:endParaRPr lang="en-US" dirty="0"/>
           </a:p>
@@ -11200,7 +11201,7 @@
           <a:p>
             <a:fld id="{EED1C14C-A143-42F5-B247-D0E800131009}" type="datetimeFigureOut">
               <a:rPr lang="en-US" smtClean="0"/>
-              <a:t>2/29/2020</a:t>
+              <a:t>3/5/2020</a:t>
             </a:fld>
             <a:endParaRPr lang="en-US" dirty="0"/>
           </a:p>
@@ -11313,7 +11314,7 @@
           <a:p>
             <a:fld id="{EED1C14C-A143-42F5-B247-D0E800131009}" type="datetimeFigureOut">
               <a:rPr lang="en-US" smtClean="0"/>
-              <a:t>2/29/2020</a:t>
+              <a:t>3/5/2020</a:t>
             </a:fld>
             <a:endParaRPr lang="en-US" dirty="0"/>
           </a:p>
@@ -11624,7 +11625,7 @@
           <a:p>
             <a:fld id="{EED1C14C-A143-42F5-B247-D0E800131009}" type="datetimeFigureOut">
               <a:rPr lang="en-US" smtClean="0"/>
-              <a:t>2/29/2020</a:t>
+              <a:t>3/5/2020</a:t>
             </a:fld>
             <a:endParaRPr lang="en-US" dirty="0"/>
           </a:p>
@@ -11912,7 +11913,7 @@
           <a:p>
             <a:fld id="{EED1C14C-A143-42F5-B247-D0E800131009}" type="datetimeFigureOut">
               <a:rPr lang="en-US" smtClean="0"/>
-              <a:t>2/29/2020</a:t>
+              <a:t>3/5/2020</a:t>
             </a:fld>
             <a:endParaRPr lang="en-US" dirty="0"/>
           </a:p>
@@ -12153,7 +12154,7 @@
           <a:p>
             <a:fld id="{EED1C14C-A143-42F5-B247-D0E800131009}" type="datetimeFigureOut">
               <a:rPr lang="en-US" smtClean="0"/>
-              <a:t>2/29/2020</a:t>
+              <a:t>3/5/2020</a:t>
             </a:fld>
             <a:endParaRPr lang="en-US" dirty="0"/>
           </a:p>
@@ -18027,6 +18028,550 @@
       </p:grpSpPr>
       <p:sp>
         <p:nvSpPr>
+          <p:cNvPr id="14" name="Rectangle 13">
+            <a:extLst>
+              <a:ext uri="{FF2B5EF4-FFF2-40B4-BE49-F238E27FC236}">
+                <a16:creationId xmlns:a16="http://schemas.microsoft.com/office/drawing/2014/main" id="{EB181E26-89C4-4A14-92DE-0F4C4B0E9484}"/>
+              </a:ext>
+              <a:ext uri="{C183D7F6-B498-43B3-948B-1728B52AA6E4}">
+                <adec:decorative xmlns:adec="http://schemas.microsoft.com/office/drawing/2017/decorative" val="1"/>
+              </a:ext>
+            </a:extLst>
+          </p:cNvPr>
+          <p:cNvSpPr>
+            <a:spLocks noGrp="1" noRot="1" noChangeAspect="1" noMove="1" noResize="1" noEditPoints="1" noAdjustHandles="1" noChangeArrowheads="1" noChangeShapeType="1" noTextEdit="1"/>
+          </p:cNvSpPr>
+          <p:nvPr>
+            <p:extLst>
+              <p:ext uri="{386F3935-93C4-4BCD-93E2-E3B085C9AB24}">
+                <p16:designElem xmlns:p16="http://schemas.microsoft.com/office/powerpoint/2015/main" val="1"/>
+              </p:ext>
+            </p:extLst>
+          </p:nvPr>
+        </p:nvSpPr>
+        <p:spPr>
+          <a:xfrm>
+            <a:off x="0" y="0"/>
+            <a:ext cx="12192000" cy="6858000"/>
+          </a:xfrm>
+          <a:prstGeom prst="rect">
+            <a:avLst/>
+          </a:prstGeom>
+          <a:solidFill>
+            <a:schemeClr val="tx1"/>
+          </a:solidFill>
+          <a:ln>
+            <a:noFill/>
+          </a:ln>
+        </p:spPr>
+        <p:style>
+          <a:lnRef idx="2">
+            <a:schemeClr val="accent1">
+              <a:shade val="50000"/>
+            </a:schemeClr>
+          </a:lnRef>
+          <a:fillRef idx="1">
+            <a:schemeClr val="accent1"/>
+          </a:fillRef>
+          <a:effectRef idx="0">
+            <a:schemeClr val="accent1"/>
+          </a:effectRef>
+          <a:fontRef idx="minor">
+            <a:schemeClr val="lt1"/>
+          </a:fontRef>
+        </p:style>
+        <p:txBody>
+          <a:bodyPr rtlCol="0" anchor="ctr"/>
+          <a:lstStyle/>
+          <a:p>
+            <a:pPr algn="ctr"/>
+            <a:endParaRPr lang="en-US"/>
+          </a:p>
+        </p:txBody>
+      </p:sp>
+      <p:sp>
+        <p:nvSpPr>
+          <p:cNvPr id="16" name="Freeform: Shape 15">
+            <a:extLst>
+              <a:ext uri="{FF2B5EF4-FFF2-40B4-BE49-F238E27FC236}">
+                <a16:creationId xmlns:a16="http://schemas.microsoft.com/office/drawing/2014/main" id="{342402E1-B9D8-424B-837F-6E4AA2E0FF2B}"/>
+              </a:ext>
+              <a:ext uri="{C183D7F6-B498-43B3-948B-1728B52AA6E4}">
+                <adec:decorative xmlns:adec="http://schemas.microsoft.com/office/drawing/2017/decorative" val="1"/>
+              </a:ext>
+            </a:extLst>
+          </p:cNvPr>
+          <p:cNvSpPr>
+            <a:spLocks noGrp="1" noRot="1" noChangeAspect="1" noMove="1" noResize="1" noEditPoints="1" noAdjustHandles="1" noChangeArrowheads="1" noChangeShapeType="1" noTextEdit="1"/>
+          </p:cNvSpPr>
+          <p:nvPr>
+            <p:extLst>
+              <p:ext uri="{386F3935-93C4-4BCD-93E2-E3B085C9AB24}">
+                <p16:designElem xmlns:p16="http://schemas.microsoft.com/office/powerpoint/2015/main" val="1"/>
+              </p:ext>
+            </p:extLst>
+          </p:nvPr>
+        </p:nvSpPr>
+        <p:spPr>
+          <a:xfrm>
+            <a:off x="1" y="523805"/>
+            <a:ext cx="7800441" cy="5696020"/>
+          </a:xfrm>
+          <a:custGeom>
+            <a:avLst/>
+            <a:gdLst>
+              <a:gd name="connsiteX0" fmla="*/ 0 w 7800441"/>
+              <a:gd name="connsiteY0" fmla="*/ 0 h 5696020"/>
+              <a:gd name="connsiteX1" fmla="*/ 7800441 w 7800441"/>
+              <a:gd name="connsiteY1" fmla="*/ 0 h 5696020"/>
+              <a:gd name="connsiteX2" fmla="*/ 5037161 w 7800441"/>
+              <a:gd name="connsiteY2" fmla="*/ 5696020 h 5696020"/>
+              <a:gd name="connsiteX3" fmla="*/ 0 w 7800441"/>
+              <a:gd name="connsiteY3" fmla="*/ 5696020 h 5696020"/>
+            </a:gdLst>
+            <a:ahLst/>
+            <a:cxnLst>
+              <a:cxn ang="0">
+                <a:pos x="connsiteX0" y="connsiteY0"/>
+              </a:cxn>
+              <a:cxn ang="0">
+                <a:pos x="connsiteX1" y="connsiteY1"/>
+              </a:cxn>
+              <a:cxn ang="0">
+                <a:pos x="connsiteX2" y="connsiteY2"/>
+              </a:cxn>
+              <a:cxn ang="0">
+                <a:pos x="connsiteX3" y="connsiteY3"/>
+              </a:cxn>
+            </a:cxnLst>
+            <a:rect l="l" t="t" r="r" b="b"/>
+            <a:pathLst>
+              <a:path w="7800441" h="5696020">
+                <a:moveTo>
+                  <a:pt x="0" y="0"/>
+                </a:moveTo>
+                <a:lnTo>
+                  <a:pt x="7800441" y="0"/>
+                </a:lnTo>
+                <a:lnTo>
+                  <a:pt x="5037161" y="5696020"/>
+                </a:lnTo>
+                <a:lnTo>
+                  <a:pt x="0" y="5696020"/>
+                </a:lnTo>
+                <a:close/>
+              </a:path>
+            </a:pathLst>
+          </a:custGeom>
+          <a:solidFill>
+            <a:srgbClr val="303030"/>
+          </a:solidFill>
+          <a:ln>
+            <a:noFill/>
+          </a:ln>
+        </p:spPr>
+        <p:style>
+          <a:lnRef idx="2">
+            <a:schemeClr val="accent1">
+              <a:shade val="50000"/>
+            </a:schemeClr>
+          </a:lnRef>
+          <a:fillRef idx="1">
+            <a:schemeClr val="accent1"/>
+          </a:fillRef>
+          <a:effectRef idx="0">
+            <a:schemeClr val="accent1"/>
+          </a:effectRef>
+          <a:fontRef idx="minor">
+            <a:schemeClr val="lt1"/>
+          </a:fontRef>
+        </p:style>
+        <p:txBody>
+          <a:bodyPr wrap="square" rtlCol="0" anchor="ctr">
+            <a:noAutofit/>
+          </a:bodyPr>
+          <a:lstStyle/>
+          <a:p>
+            <a:pPr algn="ctr"/>
+            <a:endParaRPr lang="en-US">
+              <a:solidFill>
+                <a:schemeClr val="bg1">
+                  <a:lumMod val="95000"/>
+                </a:schemeClr>
+              </a:solidFill>
+            </a:endParaRPr>
+          </a:p>
+        </p:txBody>
+      </p:sp>
+      <p:sp>
+        <p:nvSpPr>
+          <p:cNvPr id="2" name="Title 1">
+            <a:extLst>
+              <a:ext uri="{FF2B5EF4-FFF2-40B4-BE49-F238E27FC236}">
+                <a16:creationId xmlns:a16="http://schemas.microsoft.com/office/drawing/2014/main" id="{9D09FB32-3CB5-49AD-B42A-8E640800B7C1}"/>
+              </a:ext>
+            </a:extLst>
+          </p:cNvPr>
+          <p:cNvSpPr>
+            <a:spLocks noGrp="1"/>
+          </p:cNvSpPr>
+          <p:nvPr>
+            <p:ph type="title"/>
+          </p:nvPr>
+        </p:nvSpPr>
+        <p:spPr>
+          <a:xfrm>
+            <a:off x="838200" y="914400"/>
+            <a:ext cx="5111496" cy="1097280"/>
+          </a:xfrm>
+        </p:spPr>
+        <p:txBody>
+          <a:bodyPr vert="horz" lIns="91440" tIns="45720" rIns="91440" bIns="45720" rtlCol="0" anchor="ctr">
+            <a:normAutofit/>
+          </a:bodyPr>
+          <a:lstStyle/>
+          <a:p>
+            <a:r>
+              <a:rPr lang="en-US" kern="1200" dirty="0">
+                <a:solidFill>
+                  <a:srgbClr val="FFFFFE"/>
+                </a:solidFill>
+                <a:latin typeface="+mj-lt"/>
+                <a:ea typeface="+mj-ea"/>
+                <a:cs typeface="+mj-cs"/>
+              </a:rPr>
+              <a:t>Website</a:t>
+            </a:r>
+          </a:p>
+        </p:txBody>
+      </p:sp>
+      <p:sp>
+        <p:nvSpPr>
+          <p:cNvPr id="11" name="Content Placeholder 10">
+            <a:extLst>
+              <a:ext uri="{FF2B5EF4-FFF2-40B4-BE49-F238E27FC236}">
+                <a16:creationId xmlns:a16="http://schemas.microsoft.com/office/drawing/2014/main" id="{16E1F74D-5D37-468C-A5A2-8E20C23E9ECE}"/>
+              </a:ext>
+            </a:extLst>
+          </p:cNvPr>
+          <p:cNvSpPr>
+            <a:spLocks noGrp="1"/>
+          </p:cNvSpPr>
+          <p:nvPr>
+            <p:ph sz="half" idx="1"/>
+          </p:nvPr>
+        </p:nvSpPr>
+        <p:spPr>
+          <a:xfrm>
+            <a:off x="838200" y="2331720"/>
+            <a:ext cx="4379976" cy="3547872"/>
+          </a:xfrm>
+        </p:spPr>
+        <p:txBody>
+          <a:bodyPr vert="horz" lIns="91440" tIns="45720" rIns="91440" bIns="45720" rtlCol="0" anchor="t">
+            <a:normAutofit/>
+          </a:bodyPr>
+          <a:lstStyle/>
+          <a:p>
+            <a:r>
+              <a:rPr lang="en-US" sz="2000" dirty="0">
+                <a:solidFill>
+                  <a:srgbClr val="FFFFFE"/>
+                </a:solidFill>
+              </a:rPr>
+              <a:t>Created website to store data scraped.</a:t>
+            </a:r>
+          </a:p>
+          <a:p>
+            <a:r>
+              <a:rPr lang="en-US" sz="2000" dirty="0">
+                <a:solidFill>
+                  <a:srgbClr val="FFFFFE"/>
+                </a:solidFill>
+              </a:rPr>
+              <a:t>HTML/CSS</a:t>
+            </a:r>
+          </a:p>
+          <a:p>
+            <a:r>
+              <a:rPr lang="en-US" sz="2000" dirty="0">
+                <a:solidFill>
+                  <a:srgbClr val="FFFFFE"/>
+                </a:solidFill>
+              </a:rPr>
+              <a:t>JS</a:t>
+            </a:r>
+          </a:p>
+        </p:txBody>
+      </p:sp>
+      <p:pic>
+        <p:nvPicPr>
+          <p:cNvPr id="7" name="Content Placeholder 6">
+            <a:extLst>
+              <a:ext uri="{FF2B5EF4-FFF2-40B4-BE49-F238E27FC236}">
+                <a16:creationId xmlns:a16="http://schemas.microsoft.com/office/drawing/2014/main" id="{23C9C946-B88F-4ED7-AF80-29ACEC6D1522}"/>
+              </a:ext>
+            </a:extLst>
+          </p:cNvPr>
+          <p:cNvPicPr>
+            <a:picLocks noGrp="1" noChangeAspect="1"/>
+          </p:cNvPicPr>
+          <p:nvPr>
+            <p:ph sz="half" idx="2"/>
+          </p:nvPr>
+        </p:nvPicPr>
+        <p:blipFill rotWithShape="1">
+          <a:blip r:embed="rId2"/>
+          <a:srcRect r="6917" b="1"/>
+          <a:stretch/>
+        </p:blipFill>
+        <p:spPr>
+          <a:xfrm>
+            <a:off x="6790977" y="521208"/>
+            <a:ext cx="5401023" cy="2770632"/>
+          </a:xfrm>
+          <a:custGeom>
+            <a:avLst/>
+            <a:gdLst/>
+            <a:ahLst/>
+            <a:cxnLst/>
+            <a:rect l="l" t="t" r="r" b="b"/>
+            <a:pathLst>
+              <a:path w="5401023" h="2770632">
+                <a:moveTo>
+                  <a:pt x="3214941" y="0"/>
+                </a:moveTo>
+                <a:lnTo>
+                  <a:pt x="5401023" y="0"/>
+                </a:lnTo>
+                <a:lnTo>
+                  <a:pt x="5401023" y="2770632"/>
+                </a:lnTo>
+                <a:lnTo>
+                  <a:pt x="3214941" y="2770632"/>
+                </a:lnTo>
+                <a:lnTo>
+                  <a:pt x="3214941" y="2768786"/>
+                </a:lnTo>
+                <a:lnTo>
+                  <a:pt x="1865202" y="2768786"/>
+                </a:lnTo>
+                <a:lnTo>
+                  <a:pt x="1865202" y="2768787"/>
+                </a:lnTo>
+                <a:lnTo>
+                  <a:pt x="0" y="2768787"/>
+                </a:lnTo>
+                <a:lnTo>
+                  <a:pt x="1325372" y="2605"/>
+                </a:lnTo>
+                <a:lnTo>
+                  <a:pt x="1653397" y="2605"/>
+                </a:lnTo>
+                <a:lnTo>
+                  <a:pt x="1653397" y="2597"/>
+                </a:lnTo>
+                <a:lnTo>
+                  <a:pt x="1723225" y="2597"/>
+                </a:lnTo>
+                <a:lnTo>
+                  <a:pt x="1723225" y="2596"/>
+                </a:lnTo>
+                <a:lnTo>
+                  <a:pt x="2263055" y="2596"/>
+                </a:lnTo>
+                <a:lnTo>
+                  <a:pt x="2263055" y="2597"/>
+                </a:lnTo>
+                <a:lnTo>
+                  <a:pt x="3204175" y="2597"/>
+                </a:lnTo>
+                <a:lnTo>
+                  <a:pt x="3204175" y="2604"/>
+                </a:lnTo>
+                <a:lnTo>
+                  <a:pt x="3214941" y="2604"/>
+                </a:lnTo>
+                <a:close/>
+              </a:path>
+            </a:pathLst>
+          </a:custGeom>
+        </p:spPr>
+      </p:pic>
+      <p:pic>
+        <p:nvPicPr>
+          <p:cNvPr id="6" name="Content Placeholder 5">
+            <a:extLst>
+              <a:ext uri="{FF2B5EF4-FFF2-40B4-BE49-F238E27FC236}">
+                <a16:creationId xmlns:a16="http://schemas.microsoft.com/office/drawing/2014/main" id="{5069811B-5F87-4860-B1BF-9E5673A04D36}"/>
+              </a:ext>
+            </a:extLst>
+          </p:cNvPr>
+          <p:cNvPicPr>
+            <a:picLocks noChangeAspect="1"/>
+          </p:cNvPicPr>
+          <p:nvPr/>
+        </p:nvPicPr>
+        <p:blipFill rotWithShape="1">
+          <a:blip r:embed="rId3"/>
+          <a:srcRect r="-2" b="11771"/>
+          <a:stretch/>
+        </p:blipFill>
+        <p:spPr>
+          <a:xfrm>
+            <a:off x="5366251" y="3453634"/>
+            <a:ext cx="6825749" cy="2755142"/>
+          </a:xfrm>
+          <a:custGeom>
+            <a:avLst/>
+            <a:gdLst/>
+            <a:ahLst/>
+            <a:cxnLst/>
+            <a:rect l="l" t="t" r="r" b="b"/>
+            <a:pathLst>
+              <a:path w="6825749" h="2755142">
+                <a:moveTo>
+                  <a:pt x="3353180" y="0"/>
+                </a:moveTo>
+                <a:lnTo>
+                  <a:pt x="4045207" y="0"/>
+                </a:lnTo>
+                <a:lnTo>
+                  <a:pt x="4045207" y="1"/>
+                </a:lnTo>
+                <a:lnTo>
+                  <a:pt x="4692417" y="1"/>
+                </a:lnTo>
+                <a:lnTo>
+                  <a:pt x="4781930" y="1"/>
+                </a:lnTo>
+                <a:lnTo>
+                  <a:pt x="4781930" y="0"/>
+                </a:lnTo>
+                <a:lnTo>
+                  <a:pt x="5473957" y="0"/>
+                </a:lnTo>
+                <a:lnTo>
+                  <a:pt x="5473957" y="1"/>
+                </a:lnTo>
+                <a:lnTo>
+                  <a:pt x="6680412" y="1"/>
+                </a:lnTo>
+                <a:lnTo>
+                  <a:pt x="6680412" y="2798"/>
+                </a:lnTo>
+                <a:lnTo>
+                  <a:pt x="6825749" y="2798"/>
+                </a:lnTo>
+                <a:lnTo>
+                  <a:pt x="6825749" y="2755142"/>
+                </a:lnTo>
+                <a:lnTo>
+                  <a:pt x="4748668" y="2755142"/>
+                </a:lnTo>
+                <a:lnTo>
+                  <a:pt x="4748668" y="2755099"/>
+                </a:lnTo>
+                <a:lnTo>
+                  <a:pt x="3535184" y="2755099"/>
+                </a:lnTo>
+                <a:lnTo>
+                  <a:pt x="3321602" y="2755099"/>
+                </a:lnTo>
+                <a:lnTo>
+                  <a:pt x="3321602" y="2755100"/>
+                </a:lnTo>
+                <a:lnTo>
+                  <a:pt x="1892852" y="2755100"/>
+                </a:lnTo>
+                <a:lnTo>
+                  <a:pt x="1428750" y="2755100"/>
+                </a:lnTo>
+                <a:lnTo>
+                  <a:pt x="0" y="2755100"/>
+                </a:lnTo>
+                <a:lnTo>
+                  <a:pt x="1345020" y="10"/>
+                </a:lnTo>
+                <a:lnTo>
+                  <a:pt x="1677909" y="10"/>
+                </a:lnTo>
+                <a:lnTo>
+                  <a:pt x="1677909" y="2"/>
+                </a:lnTo>
+                <a:lnTo>
+                  <a:pt x="1748771" y="2"/>
+                </a:lnTo>
+                <a:lnTo>
+                  <a:pt x="1748771" y="1"/>
+                </a:lnTo>
+                <a:lnTo>
+                  <a:pt x="2296604" y="1"/>
+                </a:lnTo>
+                <a:lnTo>
+                  <a:pt x="2296604" y="2"/>
+                </a:lnTo>
+                <a:lnTo>
+                  <a:pt x="3106658" y="2"/>
+                </a:lnTo>
+                <a:lnTo>
+                  <a:pt x="3177521" y="2"/>
+                </a:lnTo>
+                <a:lnTo>
+                  <a:pt x="3177521" y="1"/>
+                </a:lnTo>
+                <a:lnTo>
+                  <a:pt x="3263667" y="1"/>
+                </a:lnTo>
+                <a:lnTo>
+                  <a:pt x="3353180" y="1"/>
+                </a:lnTo>
+                <a:close/>
+              </a:path>
+            </a:pathLst>
+          </a:custGeom>
+        </p:spPr>
+      </p:pic>
+    </p:spTree>
+    <p:extLst>
+      <p:ext uri="{BB962C8B-B14F-4D97-AF65-F5344CB8AC3E}">
+        <p14:creationId xmlns:p14="http://schemas.microsoft.com/office/powerpoint/2010/main" val="4251861563"/>
+      </p:ext>
+    </p:extLst>
+  </p:cSld>
+  <p:clrMapOvr>
+    <a:overrideClrMapping bg1="dk1" tx1="lt1" bg2="dk2" tx2="lt2" accent1="accent1" accent2="accent2" accent3="accent3" accent4="accent4" accent5="accent5" accent6="accent6" hlink="hlink" folHlink="folHlink"/>
+  </p:clrMapOvr>
+</p:sld>
+</file>
+
+<file path=ppt/slides/slide19.xml><?xml version="1.0" encoding="utf-8"?>
+<p:sld xmlns:a="http://schemas.openxmlformats.org/drawingml/2006/main" xmlns:r="http://schemas.openxmlformats.org/officeDocument/2006/relationships" xmlns:p="http://schemas.openxmlformats.org/presentationml/2006/main">
+  <p:cSld>
+    <p:bg>
+      <p:bgPr>
+        <a:solidFill>
+          <a:schemeClr val="bg1"/>
+        </a:solidFill>
+        <a:effectLst/>
+      </p:bgPr>
+    </p:bg>
+    <p:spTree>
+      <p:nvGrpSpPr>
+        <p:cNvPr id="1" name=""/>
+        <p:cNvGrpSpPr/>
+        <p:nvPr/>
+      </p:nvGrpSpPr>
+      <p:grpSpPr>
+        <a:xfrm>
+          <a:off x="0" y="0"/>
+          <a:ext cx="0" cy="0"/>
+          <a:chOff x="0" y="0"/>
+          <a:chExt cx="0" cy="0"/>
+        </a:xfrm>
+      </p:grpSpPr>
+      <p:sp>
+        <p:nvSpPr>
           <p:cNvPr id="10" name="Rectangle 9">
             <a:extLst>
               <a:ext uri="{FF2B5EF4-FFF2-40B4-BE49-F238E27FC236}">
@@ -18423,205 +18968,6 @@
     <p:extLst>
       <p:ext uri="{BB962C8B-B14F-4D97-AF65-F5344CB8AC3E}">
         <p14:creationId xmlns:p14="http://schemas.microsoft.com/office/powerpoint/2010/main" val="1409933813"/>
-      </p:ext>
-    </p:extLst>
-  </p:cSld>
-  <p:clrMapOvr>
-    <a:masterClrMapping/>
-  </p:clrMapOvr>
-</p:sld>
-</file>
-
-<file path=ppt/slides/slide19.xml><?xml version="1.0" encoding="utf-8"?>
-<p:sld xmlns:a="http://schemas.openxmlformats.org/drawingml/2006/main" xmlns:r="http://schemas.openxmlformats.org/officeDocument/2006/relationships" xmlns:p="http://schemas.openxmlformats.org/presentationml/2006/main">
-  <p:cSld>
-    <p:bg>
-      <p:bgPr>
-        <a:solidFill>
-          <a:schemeClr val="bg1"/>
-        </a:solidFill>
-        <a:effectLst/>
-      </p:bgPr>
-    </p:bg>
-    <p:spTree>
-      <p:nvGrpSpPr>
-        <p:cNvPr id="1" name=""/>
-        <p:cNvGrpSpPr/>
-        <p:nvPr/>
-      </p:nvGrpSpPr>
-      <p:grpSpPr>
-        <a:xfrm>
-          <a:off x="0" y="0"/>
-          <a:ext cx="0" cy="0"/>
-          <a:chOff x="0" y="0"/>
-          <a:chExt cx="0" cy="0"/>
-        </a:xfrm>
-      </p:grpSpPr>
-      <p:sp>
-        <p:nvSpPr>
-          <p:cNvPr id="10" name="Rectangle 9">
-            <a:extLst>
-              <a:ext uri="{FF2B5EF4-FFF2-40B4-BE49-F238E27FC236}">
-                <a16:creationId xmlns:a16="http://schemas.microsoft.com/office/drawing/2014/main" id="{23962611-DFD5-4092-AAFD-559E3DFCE2C9}"/>
-              </a:ext>
-              <a:ext uri="{C183D7F6-B498-43B3-948B-1728B52AA6E4}">
-                <adec:decorative xmlns:adec="http://schemas.microsoft.com/office/drawing/2017/decorative" val="1"/>
-              </a:ext>
-            </a:extLst>
-          </p:cNvPr>
-          <p:cNvSpPr>
-            <a:spLocks noGrp="1" noRot="1" noChangeAspect="1" noMove="1" noResize="1" noEditPoints="1" noAdjustHandles="1" noChangeArrowheads="1" noChangeShapeType="1" noTextEdit="1"/>
-          </p:cNvSpPr>
-          <p:nvPr>
-            <p:extLst>
-              <p:ext uri="{386F3935-93C4-4BCD-93E2-E3B085C9AB24}">
-                <p16:designElem xmlns:p16="http://schemas.microsoft.com/office/powerpoint/2015/main" val="1"/>
-              </p:ext>
-            </p:extLst>
-          </p:nvPr>
-        </p:nvSpPr>
-        <p:spPr>
-          <a:xfrm>
-            <a:off x="475488" y="0"/>
-            <a:ext cx="10910292" cy="6858000"/>
-          </a:xfrm>
-          <a:prstGeom prst="rect">
-            <a:avLst/>
-          </a:prstGeom>
-          <a:gradFill>
-            <a:gsLst>
-              <a:gs pos="0">
-                <a:schemeClr val="accent4"/>
-              </a:gs>
-              <a:gs pos="25000">
-                <a:schemeClr val="accent4"/>
-              </a:gs>
-              <a:gs pos="94000">
-                <a:schemeClr val="accent2"/>
-              </a:gs>
-              <a:gs pos="100000">
-                <a:schemeClr val="accent2"/>
-              </a:gs>
-            </a:gsLst>
-            <a:lin ang="4200000" scaled="0"/>
-          </a:gradFill>
-          <a:ln>
-            <a:noFill/>
-          </a:ln>
-        </p:spPr>
-        <p:style>
-          <a:lnRef idx="2">
-            <a:schemeClr val="accent1">
-              <a:shade val="50000"/>
-            </a:schemeClr>
-          </a:lnRef>
-          <a:fillRef idx="1">
-            <a:schemeClr val="accent1"/>
-          </a:fillRef>
-          <a:effectRef idx="0">
-            <a:schemeClr val="accent1"/>
-          </a:effectRef>
-          <a:fontRef idx="minor">
-            <a:schemeClr val="lt1"/>
-          </a:fontRef>
-        </p:style>
-        <p:txBody>
-          <a:bodyPr rtlCol="0" anchor="ctr"/>
-          <a:lstStyle/>
-          <a:p>
-            <a:pPr algn="ctr"/>
-            <a:endParaRPr lang="en-US"/>
-          </a:p>
-        </p:txBody>
-      </p:sp>
-      <p:pic>
-        <p:nvPicPr>
-          <p:cNvPr id="12" name="Picture 11">
-            <a:extLst>
-              <a:ext uri="{FF2B5EF4-FFF2-40B4-BE49-F238E27FC236}">
-                <a16:creationId xmlns:a16="http://schemas.microsoft.com/office/drawing/2014/main" id="{2270F1FA-0425-408F-9861-80BF5AFB276D}"/>
-              </a:ext>
-              <a:ext uri="{C183D7F6-B498-43B3-948B-1728B52AA6E4}">
-                <adec:decorative xmlns:adec="http://schemas.microsoft.com/office/drawing/2017/decorative" val="1"/>
-              </a:ext>
-            </a:extLst>
-          </p:cNvPr>
-          <p:cNvPicPr>
-            <a:picLocks noGrp="1" noRot="1" noChangeAspect="1" noMove="1" noResize="1" noEditPoints="1" noAdjustHandles="1" noChangeArrowheads="1" noChangeShapeType="1" noCrop="1"/>
-          </p:cNvPicPr>
-          <p:nvPr>
-            <p:extLst>
-              <p:ext uri="{386F3935-93C4-4BCD-93E2-E3B085C9AB24}">
-                <p16:designElem xmlns:p16="http://schemas.microsoft.com/office/powerpoint/2015/main" val="1"/>
-              </p:ext>
-            </p:extLst>
-          </p:nvPr>
-        </p:nvPicPr>
-        <p:blipFill>
-          <a:blip r:embed="rId2">
-            <a:extLst>
-              <a:ext uri="{28A0092B-C50C-407E-A947-70E740481C1C}">
-                <a14:useLocalDpi xmlns:a14="http://schemas.microsoft.com/office/drawing/2010/main" val="0"/>
-              </a:ext>
-            </a:extLst>
-          </a:blip>
-          <a:stretch>
-            <a:fillRect/>
-          </a:stretch>
-        </p:blipFill>
-        <p:spPr>
-          <a:xfrm>
-            <a:off x="0" y="0"/>
-            <a:ext cx="12192000" cy="6858000"/>
-          </a:xfrm>
-          <a:prstGeom prst="rect">
-            <a:avLst/>
-          </a:prstGeom>
-        </p:spPr>
-      </p:pic>
-      <p:sp>
-        <p:nvSpPr>
-          <p:cNvPr id="5" name="Title 4">
-            <a:extLst>
-              <a:ext uri="{FF2B5EF4-FFF2-40B4-BE49-F238E27FC236}">
-                <a16:creationId xmlns:a16="http://schemas.microsoft.com/office/drawing/2014/main" id="{D2135436-0EF0-4BB8-90A5-DB4DB86A596F}"/>
-              </a:ext>
-            </a:extLst>
-          </p:cNvPr>
-          <p:cNvSpPr>
-            <a:spLocks noGrp="1"/>
-          </p:cNvSpPr>
-          <p:nvPr>
-            <p:ph type="ctrTitle"/>
-          </p:nvPr>
-        </p:nvSpPr>
-        <p:spPr>
-          <a:xfrm>
-            <a:off x="3045368" y="2043663"/>
-            <a:ext cx="6105194" cy="2031055"/>
-          </a:xfrm>
-        </p:spPr>
-        <p:txBody>
-          <a:bodyPr>
-            <a:normAutofit/>
-          </a:bodyPr>
-          <a:lstStyle/>
-          <a:p>
-            <a:r>
-              <a:rPr lang="en-US">
-                <a:solidFill>
-                  <a:srgbClr val="FFFFFF"/>
-                </a:solidFill>
-              </a:rPr>
-              <a:t>However….</a:t>
-            </a:r>
-          </a:p>
-        </p:txBody>
-      </p:sp>
-    </p:spTree>
-    <p:extLst>
-      <p:ext uri="{BB962C8B-B14F-4D97-AF65-F5344CB8AC3E}">
-        <p14:creationId xmlns:p14="http://schemas.microsoft.com/office/powerpoint/2010/main" val="2494918425"/>
       </p:ext>
     </p:extLst>
   </p:cSld>
@@ -18962,6 +19308,205 @@
           <a:chExt cx="0" cy="0"/>
         </a:xfrm>
       </p:grpSpPr>
+      <p:sp>
+        <p:nvSpPr>
+          <p:cNvPr id="10" name="Rectangle 9">
+            <a:extLst>
+              <a:ext uri="{FF2B5EF4-FFF2-40B4-BE49-F238E27FC236}">
+                <a16:creationId xmlns:a16="http://schemas.microsoft.com/office/drawing/2014/main" id="{23962611-DFD5-4092-AAFD-559E3DFCE2C9}"/>
+              </a:ext>
+              <a:ext uri="{C183D7F6-B498-43B3-948B-1728B52AA6E4}">
+                <adec:decorative xmlns:adec="http://schemas.microsoft.com/office/drawing/2017/decorative" val="1"/>
+              </a:ext>
+            </a:extLst>
+          </p:cNvPr>
+          <p:cNvSpPr>
+            <a:spLocks noGrp="1" noRot="1" noChangeAspect="1" noMove="1" noResize="1" noEditPoints="1" noAdjustHandles="1" noChangeArrowheads="1" noChangeShapeType="1" noTextEdit="1"/>
+          </p:cNvSpPr>
+          <p:nvPr>
+            <p:extLst>
+              <p:ext uri="{386F3935-93C4-4BCD-93E2-E3B085C9AB24}">
+                <p16:designElem xmlns:p16="http://schemas.microsoft.com/office/powerpoint/2015/main" val="1"/>
+              </p:ext>
+            </p:extLst>
+          </p:nvPr>
+        </p:nvSpPr>
+        <p:spPr>
+          <a:xfrm>
+            <a:off x="475488" y="0"/>
+            <a:ext cx="10910292" cy="6858000"/>
+          </a:xfrm>
+          <a:prstGeom prst="rect">
+            <a:avLst/>
+          </a:prstGeom>
+          <a:gradFill>
+            <a:gsLst>
+              <a:gs pos="0">
+                <a:schemeClr val="accent4"/>
+              </a:gs>
+              <a:gs pos="25000">
+                <a:schemeClr val="accent4"/>
+              </a:gs>
+              <a:gs pos="94000">
+                <a:schemeClr val="accent2"/>
+              </a:gs>
+              <a:gs pos="100000">
+                <a:schemeClr val="accent2"/>
+              </a:gs>
+            </a:gsLst>
+            <a:lin ang="4200000" scaled="0"/>
+          </a:gradFill>
+          <a:ln>
+            <a:noFill/>
+          </a:ln>
+        </p:spPr>
+        <p:style>
+          <a:lnRef idx="2">
+            <a:schemeClr val="accent1">
+              <a:shade val="50000"/>
+            </a:schemeClr>
+          </a:lnRef>
+          <a:fillRef idx="1">
+            <a:schemeClr val="accent1"/>
+          </a:fillRef>
+          <a:effectRef idx="0">
+            <a:schemeClr val="accent1"/>
+          </a:effectRef>
+          <a:fontRef idx="minor">
+            <a:schemeClr val="lt1"/>
+          </a:fontRef>
+        </p:style>
+        <p:txBody>
+          <a:bodyPr rtlCol="0" anchor="ctr"/>
+          <a:lstStyle/>
+          <a:p>
+            <a:pPr algn="ctr"/>
+            <a:endParaRPr lang="en-US"/>
+          </a:p>
+        </p:txBody>
+      </p:sp>
+      <p:pic>
+        <p:nvPicPr>
+          <p:cNvPr id="12" name="Picture 11">
+            <a:extLst>
+              <a:ext uri="{FF2B5EF4-FFF2-40B4-BE49-F238E27FC236}">
+                <a16:creationId xmlns:a16="http://schemas.microsoft.com/office/drawing/2014/main" id="{2270F1FA-0425-408F-9861-80BF5AFB276D}"/>
+              </a:ext>
+              <a:ext uri="{C183D7F6-B498-43B3-948B-1728B52AA6E4}">
+                <adec:decorative xmlns:adec="http://schemas.microsoft.com/office/drawing/2017/decorative" val="1"/>
+              </a:ext>
+            </a:extLst>
+          </p:cNvPr>
+          <p:cNvPicPr>
+            <a:picLocks noGrp="1" noRot="1" noChangeAspect="1" noMove="1" noResize="1" noEditPoints="1" noAdjustHandles="1" noChangeArrowheads="1" noChangeShapeType="1" noCrop="1"/>
+          </p:cNvPicPr>
+          <p:nvPr>
+            <p:extLst>
+              <p:ext uri="{386F3935-93C4-4BCD-93E2-E3B085C9AB24}">
+                <p16:designElem xmlns:p16="http://schemas.microsoft.com/office/powerpoint/2015/main" val="1"/>
+              </p:ext>
+            </p:extLst>
+          </p:nvPr>
+        </p:nvPicPr>
+        <p:blipFill>
+          <a:blip r:embed="rId2">
+            <a:extLst>
+              <a:ext uri="{28A0092B-C50C-407E-A947-70E740481C1C}">
+                <a14:useLocalDpi xmlns:a14="http://schemas.microsoft.com/office/drawing/2010/main" val="0"/>
+              </a:ext>
+            </a:extLst>
+          </a:blip>
+          <a:stretch>
+            <a:fillRect/>
+          </a:stretch>
+        </p:blipFill>
+        <p:spPr>
+          <a:xfrm>
+            <a:off x="0" y="0"/>
+            <a:ext cx="12192000" cy="6858000"/>
+          </a:xfrm>
+          <a:prstGeom prst="rect">
+            <a:avLst/>
+          </a:prstGeom>
+        </p:spPr>
+      </p:pic>
+      <p:sp>
+        <p:nvSpPr>
+          <p:cNvPr id="5" name="Title 4">
+            <a:extLst>
+              <a:ext uri="{FF2B5EF4-FFF2-40B4-BE49-F238E27FC236}">
+                <a16:creationId xmlns:a16="http://schemas.microsoft.com/office/drawing/2014/main" id="{D2135436-0EF0-4BB8-90A5-DB4DB86A596F}"/>
+              </a:ext>
+            </a:extLst>
+          </p:cNvPr>
+          <p:cNvSpPr>
+            <a:spLocks noGrp="1"/>
+          </p:cNvSpPr>
+          <p:nvPr>
+            <p:ph type="ctrTitle"/>
+          </p:nvPr>
+        </p:nvSpPr>
+        <p:spPr>
+          <a:xfrm>
+            <a:off x="3045368" y="2043663"/>
+            <a:ext cx="6105194" cy="2031055"/>
+          </a:xfrm>
+        </p:spPr>
+        <p:txBody>
+          <a:bodyPr>
+            <a:normAutofit/>
+          </a:bodyPr>
+          <a:lstStyle/>
+          <a:p>
+            <a:r>
+              <a:rPr lang="en-US">
+                <a:solidFill>
+                  <a:srgbClr val="FFFFFF"/>
+                </a:solidFill>
+              </a:rPr>
+              <a:t>However….</a:t>
+            </a:r>
+          </a:p>
+        </p:txBody>
+      </p:sp>
+    </p:spTree>
+    <p:extLst>
+      <p:ext uri="{BB962C8B-B14F-4D97-AF65-F5344CB8AC3E}">
+        <p14:creationId xmlns:p14="http://schemas.microsoft.com/office/powerpoint/2010/main" val="2494918425"/>
+      </p:ext>
+    </p:extLst>
+  </p:cSld>
+  <p:clrMapOvr>
+    <a:masterClrMapping/>
+  </p:clrMapOvr>
+</p:sld>
+</file>
+
+<file path=ppt/slides/slide21.xml><?xml version="1.0" encoding="utf-8"?>
+<p:sld xmlns:a="http://schemas.openxmlformats.org/drawingml/2006/main" xmlns:r="http://schemas.openxmlformats.org/officeDocument/2006/relationships" xmlns:p="http://schemas.openxmlformats.org/presentationml/2006/main">
+  <p:cSld>
+    <p:bg>
+      <p:bgPr>
+        <a:solidFill>
+          <a:schemeClr val="bg1"/>
+        </a:solidFill>
+        <a:effectLst/>
+      </p:bgPr>
+    </p:bg>
+    <p:spTree>
+      <p:nvGrpSpPr>
+        <p:cNvPr id="1" name=""/>
+        <p:cNvGrpSpPr/>
+        <p:nvPr/>
+      </p:nvGrpSpPr>
+      <p:grpSpPr>
+        <a:xfrm>
+          <a:off x="0" y="0"/>
+          <a:ext cx="0" cy="0"/>
+          <a:chOff x="0" y="0"/>
+          <a:chExt cx="0" cy="0"/>
+        </a:xfrm>
+      </p:grpSpPr>
       <p:sp useBgFill="1">
         <p:nvSpPr>
           <p:cNvPr id="8" name="Rectangle 7">
@@ -19249,7 +19794,7 @@
 </p:sld>
 </file>
 
-<file path=ppt/slides/slide21.xml><?xml version="1.0" encoding="utf-8"?>
+<file path=ppt/slides/slide22.xml><?xml version="1.0" encoding="utf-8"?>
 <p:sld xmlns:a="http://schemas.openxmlformats.org/drawingml/2006/main" xmlns:r="http://schemas.openxmlformats.org/officeDocument/2006/relationships" xmlns:p="http://schemas.openxmlformats.org/presentationml/2006/main">
   <p:cSld>
     <p:bg>
@@ -19914,7 +20459,7 @@
 </p:sld>
 </file>
 
-<file path=ppt/slides/slide22.xml><?xml version="1.0" encoding="utf-8"?>
+<file path=ppt/slides/slide23.xml><?xml version="1.0" encoding="utf-8"?>
 <p:sld xmlns:a="http://schemas.openxmlformats.org/drawingml/2006/main" xmlns:r="http://schemas.openxmlformats.org/officeDocument/2006/relationships" xmlns:p="http://schemas.openxmlformats.org/presentationml/2006/main">
   <p:cSld>
     <p:spTree>
@@ -20316,7 +20861,7 @@
 </p:sld>
 </file>
 
-<file path=ppt/slides/slide23.xml><?xml version="1.0" encoding="utf-8"?>
+<file path=ppt/slides/slide24.xml><?xml version="1.0" encoding="utf-8"?>
 <p:sld xmlns:a="http://schemas.openxmlformats.org/drawingml/2006/main" xmlns:r="http://schemas.openxmlformats.org/officeDocument/2006/relationships" xmlns:p="http://schemas.openxmlformats.org/presentationml/2006/main">
   <p:cSld>
     <p:bg>

--- a/Machine Learning Project/UFC.pptx
+++ b/Machine Learning Project/UFC.pptx
@@ -13,22 +13,24 @@
     <p:sldId id="273" r:id="rId7"/>
     <p:sldId id="266" r:id="rId8"/>
     <p:sldId id="267" r:id="rId9"/>
-    <p:sldId id="274" r:id="rId10"/>
-    <p:sldId id="268" r:id="rId11"/>
-    <p:sldId id="257" r:id="rId12"/>
-    <p:sldId id="258" r:id="rId13"/>
-    <p:sldId id="259" r:id="rId14"/>
-    <p:sldId id="260" r:id="rId15"/>
-    <p:sldId id="261" r:id="rId16"/>
-    <p:sldId id="262" r:id="rId17"/>
-    <p:sldId id="275" r:id="rId18"/>
-    <p:sldId id="279" r:id="rId19"/>
-    <p:sldId id="269" r:id="rId20"/>
-    <p:sldId id="276" r:id="rId21"/>
-    <p:sldId id="277" r:id="rId22"/>
-    <p:sldId id="270" r:id="rId23"/>
-    <p:sldId id="271" r:id="rId24"/>
-    <p:sldId id="278" r:id="rId25"/>
+    <p:sldId id="280" r:id="rId10"/>
+    <p:sldId id="281" r:id="rId11"/>
+    <p:sldId id="274" r:id="rId12"/>
+    <p:sldId id="275" r:id="rId13"/>
+    <p:sldId id="268" r:id="rId14"/>
+    <p:sldId id="257" r:id="rId15"/>
+    <p:sldId id="258" r:id="rId16"/>
+    <p:sldId id="259" r:id="rId17"/>
+    <p:sldId id="260" r:id="rId18"/>
+    <p:sldId id="261" r:id="rId19"/>
+    <p:sldId id="262" r:id="rId20"/>
+    <p:sldId id="279" r:id="rId21"/>
+    <p:sldId id="269" r:id="rId22"/>
+    <p:sldId id="276" r:id="rId23"/>
+    <p:sldId id="277" r:id="rId24"/>
+    <p:sldId id="270" r:id="rId25"/>
+    <p:sldId id="271" r:id="rId26"/>
+    <p:sldId id="278" r:id="rId27"/>
   </p:sldIdLst>
   <p:sldSz cx="12192000" cy="6858000"/>
   <p:notesSz cx="6858000" cy="9144000"/>
@@ -9504,7 +9506,7 @@
           <a:p>
             <a:fld id="{EED1C14C-A143-42F5-B247-D0E800131009}" type="datetimeFigureOut">
               <a:rPr lang="en-US" smtClean="0"/>
-              <a:t>3/5/2020</a:t>
+              <a:t>3/6/2020</a:t>
             </a:fld>
             <a:endParaRPr lang="en-US" dirty="0"/>
           </a:p>
@@ -9702,7 +9704,7 @@
           <a:p>
             <a:fld id="{EED1C14C-A143-42F5-B247-D0E800131009}" type="datetimeFigureOut">
               <a:rPr lang="en-US" smtClean="0"/>
-              <a:t>3/5/2020</a:t>
+              <a:t>3/6/2020</a:t>
             </a:fld>
             <a:endParaRPr lang="en-US" dirty="0"/>
           </a:p>
@@ -9910,7 +9912,7 @@
           <a:p>
             <a:fld id="{EED1C14C-A143-42F5-B247-D0E800131009}" type="datetimeFigureOut">
               <a:rPr lang="en-US" smtClean="0"/>
-              <a:t>3/5/2020</a:t>
+              <a:t>3/6/2020</a:t>
             </a:fld>
             <a:endParaRPr lang="en-US" dirty="0"/>
           </a:p>
@@ -10108,7 +10110,7 @@
           <a:p>
             <a:fld id="{EED1C14C-A143-42F5-B247-D0E800131009}" type="datetimeFigureOut">
               <a:rPr lang="en-US" smtClean="0"/>
-              <a:t>3/5/2020</a:t>
+              <a:t>3/6/2020</a:t>
             </a:fld>
             <a:endParaRPr lang="en-US" dirty="0"/>
           </a:p>
@@ -10383,7 +10385,7 @@
           <a:p>
             <a:fld id="{EED1C14C-A143-42F5-B247-D0E800131009}" type="datetimeFigureOut">
               <a:rPr lang="en-US" smtClean="0"/>
-              <a:t>3/5/2020</a:t>
+              <a:t>3/6/2020</a:t>
             </a:fld>
             <a:endParaRPr lang="en-US" dirty="0"/>
           </a:p>
@@ -10648,7 +10650,7 @@
           <a:p>
             <a:fld id="{EED1C14C-A143-42F5-B247-D0E800131009}" type="datetimeFigureOut">
               <a:rPr lang="en-US" smtClean="0"/>
-              <a:t>3/5/2020</a:t>
+              <a:t>3/6/2020</a:t>
             </a:fld>
             <a:endParaRPr lang="en-US" dirty="0"/>
           </a:p>
@@ -11060,7 +11062,7 @@
           <a:p>
             <a:fld id="{EED1C14C-A143-42F5-B247-D0E800131009}" type="datetimeFigureOut">
               <a:rPr lang="en-US" smtClean="0"/>
-              <a:t>3/5/2020</a:t>
+              <a:t>3/6/2020</a:t>
             </a:fld>
             <a:endParaRPr lang="en-US" dirty="0"/>
           </a:p>
@@ -11201,7 +11203,7 @@
           <a:p>
             <a:fld id="{EED1C14C-A143-42F5-B247-D0E800131009}" type="datetimeFigureOut">
               <a:rPr lang="en-US" smtClean="0"/>
-              <a:t>3/5/2020</a:t>
+              <a:t>3/6/2020</a:t>
             </a:fld>
             <a:endParaRPr lang="en-US" dirty="0"/>
           </a:p>
@@ -11314,7 +11316,7 @@
           <a:p>
             <a:fld id="{EED1C14C-A143-42F5-B247-D0E800131009}" type="datetimeFigureOut">
               <a:rPr lang="en-US" smtClean="0"/>
-              <a:t>3/5/2020</a:t>
+              <a:t>3/6/2020</a:t>
             </a:fld>
             <a:endParaRPr lang="en-US" dirty="0"/>
           </a:p>
@@ -11625,7 +11627,7 @@
           <a:p>
             <a:fld id="{EED1C14C-A143-42F5-B247-D0E800131009}" type="datetimeFigureOut">
               <a:rPr lang="en-US" smtClean="0"/>
-              <a:t>3/5/2020</a:t>
+              <a:t>3/6/2020</a:t>
             </a:fld>
             <a:endParaRPr lang="en-US" dirty="0"/>
           </a:p>
@@ -11913,7 +11915,7 @@
           <a:p>
             <a:fld id="{EED1C14C-A143-42F5-B247-D0E800131009}" type="datetimeFigureOut">
               <a:rPr lang="en-US" smtClean="0"/>
-              <a:t>3/5/2020</a:t>
+              <a:t>3/6/2020</a:t>
             </a:fld>
             <a:endParaRPr lang="en-US" dirty="0"/>
           </a:p>
@@ -12154,7 +12156,7 @@
           <a:p>
             <a:fld id="{EED1C14C-A143-42F5-B247-D0E800131009}" type="datetimeFigureOut">
               <a:rPr lang="en-US" smtClean="0"/>
-              <a:t>3/5/2020</a:t>
+              <a:t>3/6/2020</a:t>
             </a:fld>
             <a:endParaRPr lang="en-US" dirty="0"/>
           </a:p>
@@ -13646,6 +13648,1291 @@
           <a:chExt cx="0" cy="0"/>
         </a:xfrm>
       </p:grpSpPr>
+      <p:sp useBgFill="1">
+        <p:nvSpPr>
+          <p:cNvPr id="8" name="Rectangle 7">
+            <a:extLst>
+              <a:ext uri="{FF2B5EF4-FFF2-40B4-BE49-F238E27FC236}">
+                <a16:creationId xmlns:a16="http://schemas.microsoft.com/office/drawing/2014/main" id="{3B854194-185D-494D-905C-7C7CB2E30F6E}"/>
+              </a:ext>
+              <a:ext uri="{C183D7F6-B498-43B3-948B-1728B52AA6E4}">
+                <adec:decorative xmlns:adec="http://schemas.microsoft.com/office/drawing/2017/decorative" val="1"/>
+              </a:ext>
+            </a:extLst>
+          </p:cNvPr>
+          <p:cNvSpPr>
+            <a:spLocks noGrp="1" noRot="1" noChangeAspect="1" noMove="1" noResize="1" noEditPoints="1" noAdjustHandles="1" noChangeArrowheads="1" noChangeShapeType="1" noTextEdit="1"/>
+          </p:cNvSpPr>
+          <p:nvPr>
+            <p:extLst>
+              <p:ext uri="{386F3935-93C4-4BCD-93E2-E3B085C9AB24}">
+                <p16:designElem xmlns:p16="http://schemas.microsoft.com/office/powerpoint/2015/main" val="1"/>
+              </p:ext>
+            </p:extLst>
+          </p:nvPr>
+        </p:nvSpPr>
+        <p:spPr>
+          <a:xfrm>
+            <a:off x="1" y="0"/>
+            <a:ext cx="6082110" cy="6858000"/>
+          </a:xfrm>
+          <a:prstGeom prst="rect">
+            <a:avLst/>
+          </a:prstGeom>
+          <a:ln>
+            <a:noFill/>
+          </a:ln>
+        </p:spPr>
+        <p:style>
+          <a:lnRef idx="2">
+            <a:schemeClr val="accent1">
+              <a:shade val="50000"/>
+            </a:schemeClr>
+          </a:lnRef>
+          <a:fillRef idx="1">
+            <a:schemeClr val="accent1"/>
+          </a:fillRef>
+          <a:effectRef idx="0">
+            <a:schemeClr val="accent1"/>
+          </a:effectRef>
+          <a:fontRef idx="minor">
+            <a:schemeClr val="lt1"/>
+          </a:fontRef>
+        </p:style>
+        <p:txBody>
+          <a:bodyPr rtlCol="0" anchor="ctr"/>
+          <a:lstStyle/>
+          <a:p>
+            <a:pPr algn="ctr"/>
+            <a:endParaRPr lang="en-US"/>
+          </a:p>
+        </p:txBody>
+      </p:sp>
+      <p:sp>
+        <p:nvSpPr>
+          <p:cNvPr id="10" name="Rectangle 9">
+            <a:extLst>
+              <a:ext uri="{FF2B5EF4-FFF2-40B4-BE49-F238E27FC236}">
+                <a16:creationId xmlns:a16="http://schemas.microsoft.com/office/drawing/2014/main" id="{B4F5FA0D-0104-4987-8241-EFF7C85B88DE}"/>
+              </a:ext>
+              <a:ext uri="{C183D7F6-B498-43B3-948B-1728B52AA6E4}">
+                <adec:decorative xmlns:adec="http://schemas.microsoft.com/office/drawing/2017/decorative" val="1"/>
+              </a:ext>
+            </a:extLst>
+          </p:cNvPr>
+          <p:cNvSpPr>
+            <a:spLocks noGrp="1" noRot="1" noChangeAspect="1" noMove="1" noResize="1" noEditPoints="1" noAdjustHandles="1" noChangeArrowheads="1" noChangeShapeType="1" noTextEdit="1"/>
+          </p:cNvSpPr>
+          <p:nvPr>
+            <p:extLst>
+              <p:ext uri="{386F3935-93C4-4BCD-93E2-E3B085C9AB24}">
+                <p16:designElem xmlns:p16="http://schemas.microsoft.com/office/powerpoint/2015/main" val="1"/>
+              </p:ext>
+            </p:extLst>
+          </p:nvPr>
+        </p:nvSpPr>
+        <p:spPr>
+          <a:xfrm>
+            <a:off x="1" y="0"/>
+            <a:ext cx="12191998" cy="6858000"/>
+          </a:xfrm>
+          <a:prstGeom prst="rect">
+            <a:avLst/>
+          </a:prstGeom>
+          <a:gradFill>
+            <a:gsLst>
+              <a:gs pos="0">
+                <a:schemeClr val="accent4"/>
+              </a:gs>
+              <a:gs pos="25000">
+                <a:schemeClr val="accent4"/>
+              </a:gs>
+              <a:gs pos="94000">
+                <a:schemeClr val="accent2"/>
+              </a:gs>
+              <a:gs pos="100000">
+                <a:schemeClr val="accent2"/>
+              </a:gs>
+            </a:gsLst>
+            <a:lin ang="4200000" scaled="0"/>
+          </a:gradFill>
+          <a:ln>
+            <a:noFill/>
+          </a:ln>
+        </p:spPr>
+        <p:style>
+          <a:lnRef idx="2">
+            <a:schemeClr val="accent1">
+              <a:shade val="50000"/>
+            </a:schemeClr>
+          </a:lnRef>
+          <a:fillRef idx="1">
+            <a:schemeClr val="accent1"/>
+          </a:fillRef>
+          <a:effectRef idx="0">
+            <a:schemeClr val="accent1"/>
+          </a:effectRef>
+          <a:fontRef idx="minor">
+            <a:schemeClr val="lt1"/>
+          </a:fontRef>
+        </p:style>
+        <p:txBody>
+          <a:bodyPr rtlCol="0" anchor="ctr"/>
+          <a:lstStyle/>
+          <a:p>
+            <a:pPr algn="ctr"/>
+            <a:endParaRPr lang="en-US"/>
+          </a:p>
+        </p:txBody>
+      </p:sp>
+      <p:pic>
+        <p:nvPicPr>
+          <p:cNvPr id="12" name="Picture 11">
+            <a:extLst>
+              <a:ext uri="{FF2B5EF4-FFF2-40B4-BE49-F238E27FC236}">
+                <a16:creationId xmlns:a16="http://schemas.microsoft.com/office/drawing/2014/main" id="{2897127E-6CEF-446C-BE87-93B7C46E49D1}"/>
+              </a:ext>
+              <a:ext uri="{C183D7F6-B498-43B3-948B-1728B52AA6E4}">
+                <adec:decorative xmlns:adec="http://schemas.microsoft.com/office/drawing/2017/decorative" val="1"/>
+              </a:ext>
+            </a:extLst>
+          </p:cNvPr>
+          <p:cNvPicPr>
+            <a:picLocks noGrp="1" noRot="1" noChangeAspect="1" noMove="1" noResize="1" noEditPoints="1" noAdjustHandles="1" noChangeArrowheads="1" noChangeShapeType="1" noCrop="1"/>
+          </p:cNvPicPr>
+          <p:nvPr>
+            <p:extLst>
+              <p:ext uri="{386F3935-93C4-4BCD-93E2-E3B085C9AB24}">
+                <p16:designElem xmlns:p16="http://schemas.microsoft.com/office/powerpoint/2015/main" val="1"/>
+              </p:ext>
+            </p:extLst>
+          </p:nvPr>
+        </p:nvPicPr>
+        <p:blipFill>
+          <a:blip r:embed="rId2">
+            <a:extLst>
+              <a:ext uri="{28A0092B-C50C-407E-A947-70E740481C1C}">
+                <a14:useLocalDpi xmlns:a14="http://schemas.microsoft.com/office/drawing/2010/main" val="0"/>
+              </a:ext>
+            </a:extLst>
+          </a:blip>
+          <a:stretch>
+            <a:fillRect/>
+          </a:stretch>
+        </p:blipFill>
+        <p:spPr>
+          <a:xfrm>
+            <a:off x="0" y="0"/>
+            <a:ext cx="12192000" cy="6858000"/>
+          </a:xfrm>
+          <a:prstGeom prst="rect">
+            <a:avLst/>
+          </a:prstGeom>
+        </p:spPr>
+      </p:pic>
+      <p:sp>
+        <p:nvSpPr>
+          <p:cNvPr id="2" name="Title 1">
+            <a:extLst>
+              <a:ext uri="{FF2B5EF4-FFF2-40B4-BE49-F238E27FC236}">
+                <a16:creationId xmlns:a16="http://schemas.microsoft.com/office/drawing/2014/main" id="{1D02B9A7-7BCC-48C4-90A8-5CEA21050A4F}"/>
+              </a:ext>
+            </a:extLst>
+          </p:cNvPr>
+          <p:cNvSpPr>
+            <a:spLocks noGrp="1"/>
+          </p:cNvSpPr>
+          <p:nvPr>
+            <p:ph type="title"/>
+          </p:nvPr>
+        </p:nvSpPr>
+        <p:spPr>
+          <a:xfrm>
+            <a:off x="640079" y="2053641"/>
+            <a:ext cx="3669161" cy="2760098"/>
+          </a:xfrm>
+        </p:spPr>
+        <p:txBody>
+          <a:bodyPr>
+            <a:normAutofit/>
+          </a:bodyPr>
+          <a:lstStyle/>
+          <a:p>
+            <a:r>
+              <a:rPr lang="en-US" dirty="0">
+                <a:solidFill>
+                  <a:srgbClr val="FFFFFF"/>
+                </a:solidFill>
+              </a:rPr>
+              <a:t>Random Forest</a:t>
+            </a:r>
+          </a:p>
+        </p:txBody>
+      </p:sp>
+      <p:sp>
+        <p:nvSpPr>
+          <p:cNvPr id="3" name="Content Placeholder 2">
+            <a:extLst>
+              <a:ext uri="{FF2B5EF4-FFF2-40B4-BE49-F238E27FC236}">
+                <a16:creationId xmlns:a16="http://schemas.microsoft.com/office/drawing/2014/main" id="{0A8A45F1-F808-498A-91DD-EC88A82C72A5}"/>
+              </a:ext>
+            </a:extLst>
+          </p:cNvPr>
+          <p:cNvSpPr>
+            <a:spLocks noGrp="1"/>
+          </p:cNvSpPr>
+          <p:nvPr>
+            <p:ph idx="1"/>
+          </p:nvPr>
+        </p:nvSpPr>
+        <p:spPr>
+          <a:xfrm>
+            <a:off x="6096000" y="813683"/>
+            <a:ext cx="5306084" cy="5230634"/>
+          </a:xfrm>
+        </p:spPr>
+        <p:txBody>
+          <a:bodyPr anchor="ctr">
+            <a:normAutofit/>
+          </a:bodyPr>
+          <a:lstStyle/>
+          <a:p>
+            <a:r>
+              <a:rPr lang="en-US" sz="1400" dirty="0">
+                <a:solidFill>
+                  <a:srgbClr val="000000"/>
+                </a:solidFill>
+              </a:rPr>
+              <a:t>Random forest, like its name implies, consists of a large number of individual decision trees that operate as an ensemble. Each individual tree in the random forest spits out a class prediction and the class with the most votes becomes our model’s prediction.</a:t>
+            </a:r>
+          </a:p>
+          <a:p>
+            <a:r>
+              <a:rPr lang="en-US" sz="1400" dirty="0">
+                <a:solidFill>
+                  <a:srgbClr val="000000"/>
+                </a:solidFill>
+              </a:rPr>
+              <a:t>My row sample is the rows of the winner column (red vs blue).</a:t>
+            </a:r>
+          </a:p>
+          <a:p>
+            <a:r>
+              <a:rPr lang="en-US" sz="1400" dirty="0">
+                <a:solidFill>
+                  <a:srgbClr val="000000"/>
+                </a:solidFill>
+              </a:rPr>
+              <a:t>My feature sample are the columns that outline red &amp; blue statistics such as red’s significant strikes, blue’s significant strikes, etc..</a:t>
+            </a:r>
+          </a:p>
+          <a:p>
+            <a:r>
+              <a:rPr lang="en-US" sz="1400" dirty="0">
+                <a:solidFill>
+                  <a:srgbClr val="000000"/>
+                </a:solidFill>
+              </a:rPr>
+              <a:t>These parameters are passed into the decision trees.</a:t>
+            </a:r>
+          </a:p>
+          <a:p>
+            <a:r>
+              <a:rPr lang="en-US" sz="1400" dirty="0">
+                <a:solidFill>
+                  <a:srgbClr val="000000"/>
+                </a:solidFill>
+              </a:rPr>
+              <a:t>Next In essence with the Decision Tree it has 2 properties</a:t>
+            </a:r>
+          </a:p>
+          <a:p>
+            <a:pPr lvl="1"/>
+            <a:r>
+              <a:rPr lang="en-US" sz="1400" dirty="0">
+                <a:solidFill>
+                  <a:srgbClr val="000000"/>
+                </a:solidFill>
+              </a:rPr>
+              <a:t>Low Bias</a:t>
+            </a:r>
+          </a:p>
+          <a:p>
+            <a:pPr lvl="2"/>
+            <a:r>
+              <a:rPr lang="en-US" sz="1400" dirty="0">
+                <a:solidFill>
+                  <a:srgbClr val="000000"/>
+                </a:solidFill>
+              </a:rPr>
+              <a:t>Training errors are less</a:t>
+            </a:r>
+          </a:p>
+          <a:p>
+            <a:pPr lvl="1"/>
+            <a:r>
+              <a:rPr lang="en-US" sz="1400" dirty="0">
+                <a:solidFill>
+                  <a:srgbClr val="000000"/>
+                </a:solidFill>
+              </a:rPr>
+              <a:t>High Variance</a:t>
+            </a:r>
+          </a:p>
+          <a:p>
+            <a:pPr lvl="2"/>
+            <a:r>
+              <a:rPr lang="en-US" sz="1400" dirty="0">
+                <a:solidFill>
+                  <a:srgbClr val="000000"/>
+                </a:solidFill>
+              </a:rPr>
+              <a:t>Training data has higher errors.</a:t>
+            </a:r>
+          </a:p>
+          <a:p>
+            <a:r>
+              <a:rPr lang="en-US" sz="1400" dirty="0">
+                <a:solidFill>
+                  <a:srgbClr val="000000"/>
+                </a:solidFill>
+              </a:rPr>
+              <a:t>With the combination of multiple decision trees in essence high variance is converted to low variance by taking the majority vote of multiple decision trees.</a:t>
+            </a:r>
+          </a:p>
+          <a:p>
+            <a:endParaRPr lang="en-US" sz="1400" dirty="0">
+              <a:solidFill>
+                <a:srgbClr val="000000"/>
+              </a:solidFill>
+            </a:endParaRPr>
+          </a:p>
+          <a:p>
+            <a:r>
+              <a:rPr lang="en-US" sz="1400" dirty="0">
+                <a:solidFill>
+                  <a:srgbClr val="000000"/>
+                </a:solidFill>
+              </a:rPr>
+              <a:t>Sample size : 4,875 rows</a:t>
+            </a:r>
+          </a:p>
+          <a:p>
+            <a:endParaRPr lang="en-US" sz="1400" dirty="0">
+              <a:solidFill>
+                <a:srgbClr val="000000"/>
+              </a:solidFill>
+            </a:endParaRPr>
+          </a:p>
+          <a:p>
+            <a:endParaRPr lang="en-US" sz="2400" dirty="0">
+              <a:solidFill>
+                <a:srgbClr val="000000"/>
+              </a:solidFill>
+            </a:endParaRPr>
+          </a:p>
+          <a:p>
+            <a:endParaRPr lang="en-US" sz="2400" dirty="0">
+              <a:solidFill>
+                <a:srgbClr val="000000"/>
+              </a:solidFill>
+            </a:endParaRPr>
+          </a:p>
+          <a:p>
+            <a:endParaRPr lang="en-US" sz="2400" dirty="0">
+              <a:solidFill>
+                <a:srgbClr val="000000"/>
+              </a:solidFill>
+            </a:endParaRPr>
+          </a:p>
+        </p:txBody>
+      </p:sp>
+      <p:pic>
+        <p:nvPicPr>
+          <p:cNvPr id="4" name="Picture 3">
+            <a:extLst>
+              <a:ext uri="{FF2B5EF4-FFF2-40B4-BE49-F238E27FC236}">
+                <a16:creationId xmlns:a16="http://schemas.microsoft.com/office/drawing/2014/main" id="{5E186390-95D9-4226-AE70-07AE90FF0619}"/>
+              </a:ext>
+            </a:extLst>
+          </p:cNvPr>
+          <p:cNvPicPr>
+            <a:picLocks noChangeAspect="1"/>
+          </p:cNvPicPr>
+          <p:nvPr/>
+        </p:nvPicPr>
+        <p:blipFill>
+          <a:blip r:embed="rId3"/>
+          <a:stretch>
+            <a:fillRect/>
+          </a:stretch>
+        </p:blipFill>
+        <p:spPr>
+          <a:xfrm>
+            <a:off x="6316387" y="5148026"/>
+            <a:ext cx="2331922" cy="868755"/>
+          </a:xfrm>
+          <a:prstGeom prst="rect">
+            <a:avLst/>
+          </a:prstGeom>
+        </p:spPr>
+      </p:pic>
+    </p:spTree>
+    <p:extLst>
+      <p:ext uri="{BB962C8B-B14F-4D97-AF65-F5344CB8AC3E}">
+        <p14:creationId xmlns:p14="http://schemas.microsoft.com/office/powerpoint/2010/main" val="1069398666"/>
+      </p:ext>
+    </p:extLst>
+  </p:cSld>
+  <p:clrMapOvr>
+    <a:masterClrMapping/>
+  </p:clrMapOvr>
+</p:sld>
+</file>
+
+<file path=ppt/slides/slide11.xml><?xml version="1.0" encoding="utf-8"?>
+<p:sld xmlns:a="http://schemas.openxmlformats.org/drawingml/2006/main" xmlns:r="http://schemas.openxmlformats.org/officeDocument/2006/relationships" xmlns:p="http://schemas.openxmlformats.org/presentationml/2006/main">
+  <p:cSld>
+    <p:bg>
+      <p:bgPr>
+        <a:solidFill>
+          <a:schemeClr val="bg1"/>
+        </a:solidFill>
+        <a:effectLst/>
+      </p:bgPr>
+    </p:bg>
+    <p:spTree>
+      <p:nvGrpSpPr>
+        <p:cNvPr id="1" name=""/>
+        <p:cNvGrpSpPr/>
+        <p:nvPr/>
+      </p:nvGrpSpPr>
+      <p:grpSpPr>
+        <a:xfrm>
+          <a:off x="0" y="0"/>
+          <a:ext cx="0" cy="0"/>
+          <a:chOff x="0" y="0"/>
+          <a:chExt cx="0" cy="0"/>
+        </a:xfrm>
+      </p:grpSpPr>
+      <p:sp>
+        <p:nvSpPr>
+          <p:cNvPr id="14" name="Rectangle 13">
+            <a:extLst>
+              <a:ext uri="{FF2B5EF4-FFF2-40B4-BE49-F238E27FC236}">
+                <a16:creationId xmlns:a16="http://schemas.microsoft.com/office/drawing/2014/main" id="{64560448-C5DE-44CB-852B-74F17AB84E98}"/>
+              </a:ext>
+              <a:ext uri="{C183D7F6-B498-43B3-948B-1728B52AA6E4}">
+                <adec:decorative xmlns:adec="http://schemas.microsoft.com/office/drawing/2017/decorative" val="1"/>
+              </a:ext>
+            </a:extLst>
+          </p:cNvPr>
+          <p:cNvSpPr>
+            <a:spLocks noGrp="1" noRot="1" noChangeAspect="1" noMove="1" noResize="1" noEditPoints="1" noAdjustHandles="1" noChangeArrowheads="1" noChangeShapeType="1" noTextEdit="1"/>
+          </p:cNvSpPr>
+          <p:nvPr>
+            <p:extLst>
+              <p:ext uri="{386F3935-93C4-4BCD-93E2-E3B085C9AB24}">
+                <p16:designElem xmlns:p16="http://schemas.microsoft.com/office/powerpoint/2015/main" val="1"/>
+              </p:ext>
+            </p:extLst>
+          </p:nvPr>
+        </p:nvSpPr>
+        <p:spPr>
+          <a:xfrm>
+            <a:off x="2" y="0"/>
+            <a:ext cx="5446920" cy="6858000"/>
+          </a:xfrm>
+          <a:prstGeom prst="rect">
+            <a:avLst/>
+          </a:prstGeom>
+          <a:gradFill>
+            <a:gsLst>
+              <a:gs pos="0">
+                <a:schemeClr val="accent1">
+                  <a:lumMod val="90000"/>
+                </a:schemeClr>
+              </a:gs>
+              <a:gs pos="25000">
+                <a:schemeClr val="accent1">
+                  <a:lumMod val="90000"/>
+                </a:schemeClr>
+              </a:gs>
+              <a:gs pos="94000">
+                <a:schemeClr val="bg2">
+                  <a:lumMod val="25000"/>
+                </a:schemeClr>
+              </a:gs>
+              <a:gs pos="100000">
+                <a:schemeClr val="bg2">
+                  <a:lumMod val="25000"/>
+                </a:schemeClr>
+              </a:gs>
+            </a:gsLst>
+            <a:lin ang="4200000" scaled="0"/>
+          </a:gradFill>
+          <a:ln>
+            <a:noFill/>
+          </a:ln>
+        </p:spPr>
+        <p:style>
+          <a:lnRef idx="2">
+            <a:schemeClr val="accent1">
+              <a:shade val="50000"/>
+            </a:schemeClr>
+          </a:lnRef>
+          <a:fillRef idx="1">
+            <a:schemeClr val="accent1"/>
+          </a:fillRef>
+          <a:effectRef idx="0">
+            <a:schemeClr val="accent1"/>
+          </a:effectRef>
+          <a:fontRef idx="minor">
+            <a:schemeClr val="lt1"/>
+          </a:fontRef>
+        </p:style>
+        <p:txBody>
+          <a:bodyPr rtlCol="0" anchor="ctr"/>
+          <a:lstStyle/>
+          <a:p>
+            <a:pPr algn="ctr"/>
+            <a:endParaRPr lang="en-US"/>
+          </a:p>
+        </p:txBody>
+      </p:sp>
+      <p:pic>
+        <p:nvPicPr>
+          <p:cNvPr id="16" name="Picture 15">
+            <a:extLst>
+              <a:ext uri="{FF2B5EF4-FFF2-40B4-BE49-F238E27FC236}">
+                <a16:creationId xmlns:a16="http://schemas.microsoft.com/office/drawing/2014/main" id="{0548CC08-81C9-41AC-A6CB-CF1C25451F0F}"/>
+              </a:ext>
+              <a:ext uri="{C183D7F6-B498-43B3-948B-1728B52AA6E4}">
+                <adec:decorative xmlns:adec="http://schemas.microsoft.com/office/drawing/2017/decorative" val="1"/>
+              </a:ext>
+            </a:extLst>
+          </p:cNvPr>
+          <p:cNvPicPr>
+            <a:picLocks noGrp="1" noRot="1" noChangeAspect="1" noMove="1" noResize="1" noEditPoints="1" noAdjustHandles="1" noChangeArrowheads="1" noChangeShapeType="1" noCrop="1"/>
+          </p:cNvPicPr>
+          <p:nvPr>
+            <p:extLst>
+              <p:ext uri="{386F3935-93C4-4BCD-93E2-E3B085C9AB24}">
+                <p16:designElem xmlns:p16="http://schemas.microsoft.com/office/powerpoint/2015/main" val="1"/>
+              </p:ext>
+            </p:extLst>
+          </p:nvPr>
+        </p:nvPicPr>
+        <p:blipFill>
+          <a:blip r:embed="rId2">
+            <a:extLst>
+              <a:ext uri="{28A0092B-C50C-407E-A947-70E740481C1C}">
+                <a14:useLocalDpi xmlns:a14="http://schemas.microsoft.com/office/drawing/2010/main" val="0"/>
+              </a:ext>
+            </a:extLst>
+          </a:blip>
+          <a:stretch>
+            <a:fillRect/>
+          </a:stretch>
+        </p:blipFill>
+        <p:spPr>
+          <a:xfrm>
+            <a:off x="0" y="0"/>
+            <a:ext cx="12192000" cy="6858000"/>
+          </a:xfrm>
+          <a:prstGeom prst="rect">
+            <a:avLst/>
+          </a:prstGeom>
+        </p:spPr>
+      </p:pic>
+      <p:sp>
+        <p:nvSpPr>
+          <p:cNvPr id="2" name="Title 1">
+            <a:extLst>
+              <a:ext uri="{FF2B5EF4-FFF2-40B4-BE49-F238E27FC236}">
+                <a16:creationId xmlns:a16="http://schemas.microsoft.com/office/drawing/2014/main" id="{1B889AF1-4037-48A2-A579-AD03A9458B8E}"/>
+              </a:ext>
+            </a:extLst>
+          </p:cNvPr>
+          <p:cNvSpPr>
+            <a:spLocks noGrp="1"/>
+          </p:cNvSpPr>
+          <p:nvPr>
+            <p:ph type="title"/>
+          </p:nvPr>
+        </p:nvSpPr>
+        <p:spPr>
+          <a:xfrm>
+            <a:off x="640079" y="2023236"/>
+            <a:ext cx="3659777" cy="2820908"/>
+          </a:xfrm>
+        </p:spPr>
+        <p:txBody>
+          <a:bodyPr vert="horz" lIns="91440" tIns="45720" rIns="91440" bIns="45720" rtlCol="0" anchor="ctr">
+            <a:normAutofit/>
+          </a:bodyPr>
+          <a:lstStyle/>
+          <a:p>
+            <a:r>
+              <a:rPr lang="en-US" sz="4000" kern="1200" dirty="0">
+                <a:solidFill>
+                  <a:srgbClr val="FFFFFF"/>
+                </a:solidFill>
+                <a:latin typeface="+mj-lt"/>
+                <a:ea typeface="+mj-ea"/>
+                <a:cs typeface="+mj-cs"/>
+              </a:rPr>
+              <a:t>Random Forest</a:t>
+            </a:r>
+          </a:p>
+        </p:txBody>
+      </p:sp>
+      <p:pic>
+        <p:nvPicPr>
+          <p:cNvPr id="8" name="Content Placeholder 7">
+            <a:extLst>
+              <a:ext uri="{FF2B5EF4-FFF2-40B4-BE49-F238E27FC236}">
+                <a16:creationId xmlns:a16="http://schemas.microsoft.com/office/drawing/2014/main" id="{D67E0883-8C43-4017-A7D8-67E5B4A16705}"/>
+              </a:ext>
+            </a:extLst>
+          </p:cNvPr>
+          <p:cNvPicPr>
+            <a:picLocks noGrp="1" noChangeAspect="1"/>
+          </p:cNvPicPr>
+          <p:nvPr>
+            <p:ph sz="half" idx="1"/>
+          </p:nvPr>
+        </p:nvPicPr>
+        <p:blipFill>
+          <a:blip r:embed="rId3"/>
+          <a:stretch>
+            <a:fillRect/>
+          </a:stretch>
+        </p:blipFill>
+        <p:spPr>
+          <a:xfrm>
+            <a:off x="6204155" y="355283"/>
+            <a:ext cx="5112774" cy="3659504"/>
+          </a:xfrm>
+          <a:prstGeom prst="rect">
+            <a:avLst/>
+          </a:prstGeom>
+        </p:spPr>
+      </p:pic>
+      <p:sp>
+        <p:nvSpPr>
+          <p:cNvPr id="18" name="Rectangle 17">
+            <a:extLst>
+              <a:ext uri="{FF2B5EF4-FFF2-40B4-BE49-F238E27FC236}">
+                <a16:creationId xmlns:a16="http://schemas.microsoft.com/office/drawing/2014/main" id="{408674C0-52AE-4A01-BCDA-3D1673A8D294}"/>
+              </a:ext>
+              <a:ext uri="{C183D7F6-B498-43B3-948B-1728B52AA6E4}">
+                <adec:decorative xmlns:adec="http://schemas.microsoft.com/office/drawing/2017/decorative" val="1"/>
+              </a:ext>
+            </a:extLst>
+          </p:cNvPr>
+          <p:cNvSpPr>
+            <a:spLocks noGrp="1" noRot="1" noChangeAspect="1" noMove="1" noResize="1" noEditPoints="1" noAdjustHandles="1" noChangeArrowheads="1" noChangeShapeType="1" noTextEdit="1"/>
+          </p:cNvSpPr>
+          <p:nvPr>
+            <p:extLst>
+              <p:ext uri="{386F3935-93C4-4BCD-93E2-E3B085C9AB24}">
+                <p16:designElem xmlns:p16="http://schemas.microsoft.com/office/powerpoint/2015/main" val="1"/>
+              </p:ext>
+            </p:extLst>
+          </p:nvPr>
+        </p:nvSpPr>
+        <p:spPr>
+          <a:xfrm>
+            <a:off x="6414087" y="4079694"/>
+            <a:ext cx="4977975" cy="1979514"/>
+          </a:xfrm>
+          <a:prstGeom prst="rect">
+            <a:avLst/>
+          </a:prstGeom>
+          <a:solidFill>
+            <a:srgbClr val="FFFFFF"/>
+          </a:solidFill>
+          <a:ln>
+            <a:gradFill>
+              <a:gsLst>
+                <a:gs pos="0">
+                  <a:schemeClr val="accent1">
+                    <a:lumMod val="40000"/>
+                    <a:lumOff val="60000"/>
+                  </a:schemeClr>
+                </a:gs>
+                <a:gs pos="23000">
+                  <a:schemeClr val="accent1">
+                    <a:lumMod val="45000"/>
+                    <a:lumOff val="55000"/>
+                  </a:schemeClr>
+                </a:gs>
+                <a:gs pos="82000">
+                  <a:schemeClr val="bg2">
+                    <a:lumMod val="75000"/>
+                  </a:schemeClr>
+                </a:gs>
+                <a:gs pos="100000">
+                  <a:schemeClr val="bg2">
+                    <a:lumMod val="50000"/>
+                  </a:schemeClr>
+                </a:gs>
+              </a:gsLst>
+              <a:lin ang="5400000" scaled="1"/>
+            </a:gradFill>
+          </a:ln>
+        </p:spPr>
+        <p:style>
+          <a:lnRef idx="2">
+            <a:schemeClr val="accent1">
+              <a:shade val="50000"/>
+            </a:schemeClr>
+          </a:lnRef>
+          <a:fillRef idx="1">
+            <a:schemeClr val="accent1"/>
+          </a:fillRef>
+          <a:effectRef idx="0">
+            <a:schemeClr val="accent1"/>
+          </a:effectRef>
+          <a:fontRef idx="minor">
+            <a:schemeClr val="lt1"/>
+          </a:fontRef>
+        </p:style>
+        <p:txBody>
+          <a:bodyPr rtlCol="0" anchor="ctr"/>
+          <a:lstStyle/>
+          <a:p>
+            <a:pPr algn="ctr"/>
+            <a:endParaRPr lang="en-US"/>
+          </a:p>
+        </p:txBody>
+      </p:sp>
+      <p:pic>
+        <p:nvPicPr>
+          <p:cNvPr id="5" name="Content Placeholder 4">
+            <a:extLst>
+              <a:ext uri="{FF2B5EF4-FFF2-40B4-BE49-F238E27FC236}">
+                <a16:creationId xmlns:a16="http://schemas.microsoft.com/office/drawing/2014/main" id="{701E660C-1F71-4698-9B1F-3802A99B9E30}"/>
+              </a:ext>
+            </a:extLst>
+          </p:cNvPr>
+          <p:cNvPicPr>
+            <a:picLocks noChangeAspect="1"/>
+          </p:cNvPicPr>
+          <p:nvPr/>
+        </p:nvPicPr>
+        <p:blipFill rotWithShape="1">
+          <a:blip r:embed="rId4">
+            <a:alphaModFix/>
+          </a:blip>
+          <a:srcRect r="28578" b="4"/>
+          <a:stretch/>
+        </p:blipFill>
+        <p:spPr>
+          <a:xfrm>
+            <a:off x="6568983" y="4242846"/>
+            <a:ext cx="2246067" cy="1658819"/>
+          </a:xfrm>
+          <a:prstGeom prst="rect">
+            <a:avLst/>
+          </a:prstGeom>
+          <a:effectLst>
+            <a:softEdge rad="0"/>
+          </a:effectLst>
+        </p:spPr>
+      </p:pic>
+      <p:pic>
+        <p:nvPicPr>
+          <p:cNvPr id="7" name="Content Placeholder 6">
+            <a:extLst>
+              <a:ext uri="{FF2B5EF4-FFF2-40B4-BE49-F238E27FC236}">
+                <a16:creationId xmlns:a16="http://schemas.microsoft.com/office/drawing/2014/main" id="{F689C079-FE3B-4669-BECB-DBBE46EBB7C5}"/>
+              </a:ext>
+            </a:extLst>
+          </p:cNvPr>
+          <p:cNvPicPr>
+            <a:picLocks noGrp="1" noChangeAspect="1"/>
+          </p:cNvPicPr>
+          <p:nvPr>
+            <p:ph sz="half" idx="2"/>
+          </p:nvPr>
+        </p:nvPicPr>
+        <p:blipFill rotWithShape="1">
+          <a:blip r:embed="rId5">
+            <a:alphaModFix/>
+          </a:blip>
+          <a:srcRect t="533" r="-3" b="-3"/>
+          <a:stretch/>
+        </p:blipFill>
+        <p:spPr>
+          <a:xfrm>
+            <a:off x="8984937" y="4239061"/>
+            <a:ext cx="2246067" cy="1658819"/>
+          </a:xfrm>
+          <a:prstGeom prst="rect">
+            <a:avLst/>
+          </a:prstGeom>
+          <a:effectLst>
+            <a:softEdge rad="0"/>
+          </a:effectLst>
+        </p:spPr>
+      </p:pic>
+    </p:spTree>
+    <p:extLst>
+      <p:ext uri="{BB962C8B-B14F-4D97-AF65-F5344CB8AC3E}">
+        <p14:creationId xmlns:p14="http://schemas.microsoft.com/office/powerpoint/2010/main" val="1884542210"/>
+      </p:ext>
+    </p:extLst>
+  </p:cSld>
+  <p:clrMapOvr>
+    <a:masterClrMapping/>
+  </p:clrMapOvr>
+</p:sld>
+</file>
+
+<file path=ppt/slides/slide12.xml><?xml version="1.0" encoding="utf-8"?>
+<p:sld xmlns:a="http://schemas.openxmlformats.org/drawingml/2006/main" xmlns:r="http://schemas.openxmlformats.org/officeDocument/2006/relationships" xmlns:p="http://schemas.openxmlformats.org/presentationml/2006/main">
+  <p:cSld>
+    <p:bg>
+      <p:bgPr>
+        <a:solidFill>
+          <a:schemeClr val="bg1"/>
+        </a:solidFill>
+        <a:effectLst/>
+      </p:bgPr>
+    </p:bg>
+    <p:spTree>
+      <p:nvGrpSpPr>
+        <p:cNvPr id="1" name=""/>
+        <p:cNvGrpSpPr/>
+        <p:nvPr/>
+      </p:nvGrpSpPr>
+      <p:grpSpPr>
+        <a:xfrm>
+          <a:off x="0" y="0"/>
+          <a:ext cx="0" cy="0"/>
+          <a:chOff x="0" y="0"/>
+          <a:chExt cx="0" cy="0"/>
+        </a:xfrm>
+      </p:grpSpPr>
+      <p:sp useBgFill="1">
+        <p:nvSpPr>
+          <p:cNvPr id="8" name="Rectangle 7">
+            <a:extLst>
+              <a:ext uri="{FF2B5EF4-FFF2-40B4-BE49-F238E27FC236}">
+                <a16:creationId xmlns:a16="http://schemas.microsoft.com/office/drawing/2014/main" id="{3B854194-185D-494D-905C-7C7CB2E30F6E}"/>
+              </a:ext>
+              <a:ext uri="{C183D7F6-B498-43B3-948B-1728B52AA6E4}">
+                <adec:decorative xmlns:adec="http://schemas.microsoft.com/office/drawing/2017/decorative" val="1"/>
+              </a:ext>
+            </a:extLst>
+          </p:cNvPr>
+          <p:cNvSpPr>
+            <a:spLocks noGrp="1" noRot="1" noChangeAspect="1" noMove="1" noResize="1" noEditPoints="1" noAdjustHandles="1" noChangeArrowheads="1" noChangeShapeType="1" noTextEdit="1"/>
+          </p:cNvSpPr>
+          <p:nvPr>
+            <p:extLst>
+              <p:ext uri="{386F3935-93C4-4BCD-93E2-E3B085C9AB24}">
+                <p16:designElem xmlns:p16="http://schemas.microsoft.com/office/powerpoint/2015/main" val="1"/>
+              </p:ext>
+            </p:extLst>
+          </p:nvPr>
+        </p:nvSpPr>
+        <p:spPr>
+          <a:xfrm>
+            <a:off x="1" y="0"/>
+            <a:ext cx="6082110" cy="6858000"/>
+          </a:xfrm>
+          <a:prstGeom prst="rect">
+            <a:avLst/>
+          </a:prstGeom>
+          <a:ln>
+            <a:noFill/>
+          </a:ln>
+        </p:spPr>
+        <p:style>
+          <a:lnRef idx="2">
+            <a:schemeClr val="accent1">
+              <a:shade val="50000"/>
+            </a:schemeClr>
+          </a:lnRef>
+          <a:fillRef idx="1">
+            <a:schemeClr val="accent1"/>
+          </a:fillRef>
+          <a:effectRef idx="0">
+            <a:schemeClr val="accent1"/>
+          </a:effectRef>
+          <a:fontRef idx="minor">
+            <a:schemeClr val="lt1"/>
+          </a:fontRef>
+        </p:style>
+        <p:txBody>
+          <a:bodyPr rtlCol="0" anchor="ctr"/>
+          <a:lstStyle/>
+          <a:p>
+            <a:pPr algn="ctr"/>
+            <a:endParaRPr lang="en-US"/>
+          </a:p>
+        </p:txBody>
+      </p:sp>
+      <p:sp>
+        <p:nvSpPr>
+          <p:cNvPr id="10" name="Rectangle 9">
+            <a:extLst>
+              <a:ext uri="{FF2B5EF4-FFF2-40B4-BE49-F238E27FC236}">
+                <a16:creationId xmlns:a16="http://schemas.microsoft.com/office/drawing/2014/main" id="{B4F5FA0D-0104-4987-8241-EFF7C85B88DE}"/>
+              </a:ext>
+              <a:ext uri="{C183D7F6-B498-43B3-948B-1728B52AA6E4}">
+                <adec:decorative xmlns:adec="http://schemas.microsoft.com/office/drawing/2017/decorative" val="1"/>
+              </a:ext>
+            </a:extLst>
+          </p:cNvPr>
+          <p:cNvSpPr>
+            <a:spLocks noGrp="1" noRot="1" noChangeAspect="1" noMove="1" noResize="1" noEditPoints="1" noAdjustHandles="1" noChangeArrowheads="1" noChangeShapeType="1" noTextEdit="1"/>
+          </p:cNvSpPr>
+          <p:nvPr>
+            <p:extLst>
+              <p:ext uri="{386F3935-93C4-4BCD-93E2-E3B085C9AB24}">
+                <p16:designElem xmlns:p16="http://schemas.microsoft.com/office/powerpoint/2015/main" val="1"/>
+              </p:ext>
+            </p:extLst>
+          </p:nvPr>
+        </p:nvSpPr>
+        <p:spPr>
+          <a:xfrm>
+            <a:off x="1" y="0"/>
+            <a:ext cx="12191998" cy="6858000"/>
+          </a:xfrm>
+          <a:prstGeom prst="rect">
+            <a:avLst/>
+          </a:prstGeom>
+          <a:gradFill>
+            <a:gsLst>
+              <a:gs pos="0">
+                <a:schemeClr val="accent1">
+                  <a:lumMod val="90000"/>
+                </a:schemeClr>
+              </a:gs>
+              <a:gs pos="25000">
+                <a:schemeClr val="accent1">
+                  <a:lumMod val="90000"/>
+                </a:schemeClr>
+              </a:gs>
+              <a:gs pos="94000">
+                <a:schemeClr val="bg2">
+                  <a:lumMod val="25000"/>
+                </a:schemeClr>
+              </a:gs>
+              <a:gs pos="100000">
+                <a:schemeClr val="bg2">
+                  <a:lumMod val="25000"/>
+                </a:schemeClr>
+              </a:gs>
+            </a:gsLst>
+            <a:lin ang="4200000" scaled="0"/>
+          </a:gradFill>
+          <a:ln>
+            <a:noFill/>
+          </a:ln>
+        </p:spPr>
+        <p:style>
+          <a:lnRef idx="2">
+            <a:schemeClr val="accent1">
+              <a:shade val="50000"/>
+            </a:schemeClr>
+          </a:lnRef>
+          <a:fillRef idx="1">
+            <a:schemeClr val="accent1"/>
+          </a:fillRef>
+          <a:effectRef idx="0">
+            <a:schemeClr val="accent1"/>
+          </a:effectRef>
+          <a:fontRef idx="minor">
+            <a:schemeClr val="lt1"/>
+          </a:fontRef>
+        </p:style>
+        <p:txBody>
+          <a:bodyPr rtlCol="0" anchor="ctr"/>
+          <a:lstStyle/>
+          <a:p>
+            <a:pPr algn="ctr"/>
+            <a:endParaRPr lang="en-US"/>
+          </a:p>
+        </p:txBody>
+      </p:sp>
+      <p:pic>
+        <p:nvPicPr>
+          <p:cNvPr id="12" name="Picture 11">
+            <a:extLst>
+              <a:ext uri="{FF2B5EF4-FFF2-40B4-BE49-F238E27FC236}">
+                <a16:creationId xmlns:a16="http://schemas.microsoft.com/office/drawing/2014/main" id="{2897127E-6CEF-446C-BE87-93B7C46E49D1}"/>
+              </a:ext>
+              <a:ext uri="{C183D7F6-B498-43B3-948B-1728B52AA6E4}">
+                <adec:decorative xmlns:adec="http://schemas.microsoft.com/office/drawing/2017/decorative" val="1"/>
+              </a:ext>
+            </a:extLst>
+          </p:cNvPr>
+          <p:cNvPicPr>
+            <a:picLocks noGrp="1" noRot="1" noChangeAspect="1" noMove="1" noResize="1" noEditPoints="1" noAdjustHandles="1" noChangeArrowheads="1" noChangeShapeType="1" noCrop="1"/>
+          </p:cNvPicPr>
+          <p:nvPr>
+            <p:extLst>
+              <p:ext uri="{386F3935-93C4-4BCD-93E2-E3B085C9AB24}">
+                <p16:designElem xmlns:p16="http://schemas.microsoft.com/office/powerpoint/2015/main" val="1"/>
+              </p:ext>
+            </p:extLst>
+          </p:nvPr>
+        </p:nvPicPr>
+        <p:blipFill>
+          <a:blip r:embed="rId2">
+            <a:extLst>
+              <a:ext uri="{28A0092B-C50C-407E-A947-70E740481C1C}">
+                <a14:useLocalDpi xmlns:a14="http://schemas.microsoft.com/office/drawing/2010/main" val="0"/>
+              </a:ext>
+            </a:extLst>
+          </a:blip>
+          <a:stretch>
+            <a:fillRect/>
+          </a:stretch>
+        </p:blipFill>
+        <p:spPr>
+          <a:xfrm>
+            <a:off x="0" y="0"/>
+            <a:ext cx="12192000" cy="6858000"/>
+          </a:xfrm>
+          <a:prstGeom prst="rect">
+            <a:avLst/>
+          </a:prstGeom>
+        </p:spPr>
+      </p:pic>
+      <p:sp>
+        <p:nvSpPr>
+          <p:cNvPr id="2" name="Title 1">
+            <a:extLst>
+              <a:ext uri="{FF2B5EF4-FFF2-40B4-BE49-F238E27FC236}">
+                <a16:creationId xmlns:a16="http://schemas.microsoft.com/office/drawing/2014/main" id="{98B63133-34E8-47D1-9EB2-C85430F55EEF}"/>
+              </a:ext>
+            </a:extLst>
+          </p:cNvPr>
+          <p:cNvSpPr>
+            <a:spLocks noGrp="1"/>
+          </p:cNvSpPr>
+          <p:nvPr>
+            <p:ph type="title"/>
+          </p:nvPr>
+        </p:nvSpPr>
+        <p:spPr>
+          <a:xfrm>
+            <a:off x="640079" y="2053641"/>
+            <a:ext cx="3669161" cy="2760098"/>
+          </a:xfrm>
+        </p:spPr>
+        <p:txBody>
+          <a:bodyPr>
+            <a:normAutofit/>
+          </a:bodyPr>
+          <a:lstStyle/>
+          <a:p>
+            <a:r>
+              <a:rPr lang="en-US">
+                <a:solidFill>
+                  <a:srgbClr val="FFFFFF"/>
+                </a:solidFill>
+              </a:rPr>
+              <a:t>Fun Facts</a:t>
+            </a:r>
+          </a:p>
+        </p:txBody>
+      </p:sp>
+      <p:sp>
+        <p:nvSpPr>
+          <p:cNvPr id="3" name="Content Placeholder 2">
+            <a:extLst>
+              <a:ext uri="{FF2B5EF4-FFF2-40B4-BE49-F238E27FC236}">
+                <a16:creationId xmlns:a16="http://schemas.microsoft.com/office/drawing/2014/main" id="{36DC9514-D391-472D-AE0D-EB22A9276E5D}"/>
+              </a:ext>
+            </a:extLst>
+          </p:cNvPr>
+          <p:cNvSpPr>
+            <a:spLocks noGrp="1"/>
+          </p:cNvSpPr>
+          <p:nvPr>
+            <p:ph idx="1"/>
+          </p:nvPr>
+        </p:nvSpPr>
+        <p:spPr>
+          <a:xfrm>
+            <a:off x="6090574" y="801866"/>
+            <a:ext cx="5306084" cy="5230634"/>
+          </a:xfrm>
+        </p:spPr>
+        <p:txBody>
+          <a:bodyPr anchor="ctr">
+            <a:normAutofit/>
+          </a:bodyPr>
+          <a:lstStyle/>
+          <a:p>
+            <a:r>
+              <a:rPr lang="en-US" sz="1700">
+                <a:solidFill>
+                  <a:srgbClr val="000000"/>
+                </a:solidFill>
+              </a:rPr>
+              <a:t>Items to note:</a:t>
+            </a:r>
+          </a:p>
+          <a:p>
+            <a:pPr lvl="1"/>
+            <a:r>
+              <a:rPr lang="en-US" sz="1700">
+                <a:solidFill>
+                  <a:srgbClr val="000000"/>
+                </a:solidFill>
+              </a:rPr>
+              <a:t>non-title bouts, the fighter with more name recognition is assigned the </a:t>
+            </a:r>
+            <a:r>
+              <a:rPr lang="en-US" sz="1700" b="1">
+                <a:solidFill>
+                  <a:srgbClr val="000000"/>
+                </a:solidFill>
+              </a:rPr>
+              <a:t>red corner</a:t>
+            </a:r>
+            <a:r>
+              <a:rPr lang="en-US" sz="1700">
+                <a:solidFill>
+                  <a:srgbClr val="000000"/>
+                </a:solidFill>
+              </a:rPr>
+              <a:t>. for new-comers fighting </a:t>
+            </a:r>
+            <a:r>
+              <a:rPr lang="en-US" sz="1700" b="1">
+                <a:solidFill>
+                  <a:srgbClr val="000000"/>
+                </a:solidFill>
+              </a:rPr>
+              <a:t>ufc</a:t>
+            </a:r>
+            <a:r>
+              <a:rPr lang="en-US" sz="1700">
+                <a:solidFill>
+                  <a:srgbClr val="000000"/>
+                </a:solidFill>
+              </a:rPr>
+              <a:t> vets, the new-comers will always be assigned the </a:t>
+            </a:r>
+            <a:r>
+              <a:rPr lang="en-US" sz="1700" b="1">
+                <a:solidFill>
+                  <a:srgbClr val="000000"/>
+                </a:solidFill>
+              </a:rPr>
+              <a:t>blue corner</a:t>
+            </a:r>
+            <a:r>
+              <a:rPr lang="en-US" sz="1700">
+                <a:solidFill>
+                  <a:srgbClr val="000000"/>
+                </a:solidFill>
+              </a:rPr>
+              <a:t> (whether or not they're more known, or they're fighting a less recognizable opponent)</a:t>
+            </a:r>
+          </a:p>
+          <a:p>
+            <a:pPr lvl="1"/>
+            <a:r>
+              <a:rPr lang="en-US" sz="1700">
+                <a:solidFill>
+                  <a:srgbClr val="000000"/>
+                </a:solidFill>
+              </a:rPr>
+              <a:t>Title Bouts, the champion is assigned to the red corner and the challenger the blue corner.</a:t>
+            </a:r>
+          </a:p>
+          <a:p>
+            <a:pPr lvl="1"/>
+            <a:r>
+              <a:rPr lang="en-US" sz="1700">
+                <a:solidFill>
+                  <a:srgbClr val="000000"/>
+                </a:solidFill>
+              </a:rPr>
+              <a:t>Red Side seems to win slightly more than blue.</a:t>
+            </a:r>
+          </a:p>
+          <a:p>
+            <a:pPr lvl="2"/>
+            <a:r>
+              <a:rPr lang="en-US" sz="1700">
+                <a:solidFill>
+                  <a:srgbClr val="000000"/>
+                </a:solidFill>
+              </a:rPr>
+              <a:t>Most winningest fighter in UFC history has fought more on the red side than blue</a:t>
+            </a:r>
+          </a:p>
+          <a:p>
+            <a:pPr lvl="3"/>
+            <a:r>
+              <a:rPr lang="en-US" sz="1700">
+                <a:solidFill>
+                  <a:srgbClr val="000000"/>
+                </a:solidFill>
+              </a:rPr>
+              <a:t>Ex: UFC 246 Donald Cerrone vs Conor McGregor, Donald Cerrone was in the blue corner. Winner was Conor McGregor</a:t>
+            </a:r>
+          </a:p>
+          <a:p>
+            <a:pPr lvl="1"/>
+            <a:endParaRPr lang="en-US" sz="1700">
+              <a:solidFill>
+                <a:srgbClr val="000000"/>
+              </a:solidFill>
+            </a:endParaRPr>
+          </a:p>
+        </p:txBody>
+      </p:sp>
+    </p:spTree>
+    <p:extLst>
+      <p:ext uri="{BB962C8B-B14F-4D97-AF65-F5344CB8AC3E}">
+        <p14:creationId xmlns:p14="http://schemas.microsoft.com/office/powerpoint/2010/main" val="2883015863"/>
+      </p:ext>
+    </p:extLst>
+  </p:cSld>
+  <p:clrMapOvr>
+    <a:masterClrMapping/>
+  </p:clrMapOvr>
+</p:sld>
+</file>
+
+<file path=ppt/slides/slide13.xml><?xml version="1.0" encoding="utf-8"?>
+<p:sld xmlns:a="http://schemas.openxmlformats.org/drawingml/2006/main" xmlns:r="http://schemas.openxmlformats.org/officeDocument/2006/relationships" xmlns:p="http://schemas.openxmlformats.org/presentationml/2006/main">
+  <p:cSld>
+    <p:bg>
+      <p:bgPr>
+        <a:solidFill>
+          <a:schemeClr val="bg1"/>
+        </a:solidFill>
+        <a:effectLst/>
+      </p:bgPr>
+    </p:bg>
+    <p:spTree>
+      <p:nvGrpSpPr>
+        <p:cNvPr id="1" name=""/>
+        <p:cNvGrpSpPr/>
+        <p:nvPr/>
+      </p:nvGrpSpPr>
+      <p:grpSpPr>
+        <a:xfrm>
+          <a:off x="0" y="0"/>
+          <a:ext cx="0" cy="0"/>
+          <a:chOff x="0" y="0"/>
+          <a:chExt cx="0" cy="0"/>
+        </a:xfrm>
+      </p:grpSpPr>
       <p:sp>
         <p:nvSpPr>
           <p:cNvPr id="9" name="Rectangle 8">
@@ -13828,7 +15115,7 @@
 </p:sld>
 </file>
 
-<file path=ppt/slides/slide11.xml><?xml version="1.0" encoding="utf-8"?>
+<file path=ppt/slides/slide14.xml><?xml version="1.0" encoding="utf-8"?>
 <p:sld xmlns:a="http://schemas.openxmlformats.org/drawingml/2006/main" xmlns:r="http://schemas.openxmlformats.org/officeDocument/2006/relationships" xmlns:p="http://schemas.openxmlformats.org/presentationml/2006/main">
   <p:cSld>
     <p:bg>
@@ -14454,7 +15741,7 @@
 </p:sld>
 </file>
 
-<file path=ppt/slides/slide12.xml><?xml version="1.0" encoding="utf-8"?>
+<file path=ppt/slides/slide15.xml><?xml version="1.0" encoding="utf-8"?>
 <p:sld xmlns:a="http://schemas.openxmlformats.org/drawingml/2006/main" xmlns:r="http://schemas.openxmlformats.org/officeDocument/2006/relationships" xmlns:p="http://schemas.openxmlformats.org/presentationml/2006/main">
   <p:cSld>
     <p:bg>
@@ -15080,7 +16367,7 @@
 </p:sld>
 </file>
 
-<file path=ppt/slides/slide13.xml><?xml version="1.0" encoding="utf-8"?>
+<file path=ppt/slides/slide16.xml><?xml version="1.0" encoding="utf-8"?>
 <p:sld xmlns:a="http://schemas.openxmlformats.org/drawingml/2006/main" xmlns:r="http://schemas.openxmlformats.org/officeDocument/2006/relationships" xmlns:p="http://schemas.openxmlformats.org/presentationml/2006/main">
   <p:cSld>
     <p:bg>
@@ -15706,7 +16993,7 @@
 </p:sld>
 </file>
 
-<file path=ppt/slides/slide14.xml><?xml version="1.0" encoding="utf-8"?>
+<file path=ppt/slides/slide17.xml><?xml version="1.0" encoding="utf-8"?>
 <p:sld xmlns:a="http://schemas.openxmlformats.org/drawingml/2006/main" xmlns:r="http://schemas.openxmlformats.org/officeDocument/2006/relationships" xmlns:p="http://schemas.openxmlformats.org/presentationml/2006/main">
   <p:cSld>
     <p:bg>
@@ -16332,7 +17619,7 @@
 </p:sld>
 </file>
 
-<file path=ppt/slides/slide15.xml><?xml version="1.0" encoding="utf-8"?>
+<file path=ppt/slides/slide18.xml><?xml version="1.0" encoding="utf-8"?>
 <p:sld xmlns:a="http://schemas.openxmlformats.org/drawingml/2006/main" xmlns:r="http://schemas.openxmlformats.org/officeDocument/2006/relationships" xmlns:p="http://schemas.openxmlformats.org/presentationml/2006/main">
   <p:cSld>
     <p:bg>
@@ -16958,7 +18245,7 @@
 </p:sld>
 </file>
 
-<file path=ppt/slides/slide16.xml><?xml version="1.0" encoding="utf-8"?>
+<file path=ppt/slides/slide19.xml><?xml version="1.0" encoding="utf-8"?>
 <p:sld xmlns:a="http://schemas.openxmlformats.org/drawingml/2006/main" xmlns:r="http://schemas.openxmlformats.org/officeDocument/2006/relationships" xmlns:p="http://schemas.openxmlformats.org/presentationml/2006/main">
   <p:cSld>
     <p:bg>
@@ -17584,7 +18871,7 @@
 </p:sld>
 </file>
 
-<file path=ppt/slides/slide17.xml><?xml version="1.0" encoding="utf-8"?>
+<file path=ppt/slides/slide2.xml><?xml version="1.0" encoding="utf-8"?>
 <p:sld xmlns:a="http://schemas.openxmlformats.org/drawingml/2006/main" xmlns:r="http://schemas.openxmlformats.org/officeDocument/2006/relationships" xmlns:p="http://schemas.openxmlformats.org/presentationml/2006/main">
   <p:cSld>
     <p:bg>
@@ -17611,7 +18898,7 @@
       </p:grpSpPr>
       <p:sp useBgFill="1">
         <p:nvSpPr>
-          <p:cNvPr id="8" name="Rectangle 7">
+          <p:cNvPr id="19" name="Rectangle 18">
             <a:extLst>
               <a:ext uri="{FF2B5EF4-FFF2-40B4-BE49-F238E27FC236}">
                 <a16:creationId xmlns:a16="http://schemas.microsoft.com/office/drawing/2014/main" id="{3B854194-185D-494D-905C-7C7CB2E30F6E}"/>
@@ -17671,7 +18958,7 @@
       </p:sp>
       <p:sp>
         <p:nvSpPr>
-          <p:cNvPr id="10" name="Rectangle 9">
+          <p:cNvPr id="21" name="Rectangle 20">
             <a:extLst>
               <a:ext uri="{FF2B5EF4-FFF2-40B4-BE49-F238E27FC236}">
                 <a16:creationId xmlns:a16="http://schemas.microsoft.com/office/drawing/2014/main" id="{B4F5FA0D-0104-4987-8241-EFF7C85B88DE}"/>
@@ -17756,7 +19043,7 @@
       </p:sp>
       <p:pic>
         <p:nvPicPr>
-          <p:cNvPr id="12" name="Picture 11">
+          <p:cNvPr id="23" name="Picture 22">
             <a:extLst>
               <a:ext uri="{FF2B5EF4-FFF2-40B4-BE49-F238E27FC236}">
                 <a16:creationId xmlns:a16="http://schemas.microsoft.com/office/drawing/2014/main" id="{2897127E-6CEF-446C-BE87-93B7C46E49D1}"/>
@@ -17804,7 +19091,7 @@
           <p:cNvPr id="2" name="Title 1">
             <a:extLst>
               <a:ext uri="{FF2B5EF4-FFF2-40B4-BE49-F238E27FC236}">
-                <a16:creationId xmlns:a16="http://schemas.microsoft.com/office/drawing/2014/main" id="{98B63133-34E8-47D1-9EB2-C85430F55EEF}"/>
+                <a16:creationId xmlns:a16="http://schemas.microsoft.com/office/drawing/2014/main" id="{29C2C0E9-3B5F-4EA5-9CEE-480F5C0D8EF3}"/>
               </a:ext>
             </a:extLst>
           </p:cNvPr>
@@ -17828,12 +19115,12 @@
           <a:lstStyle/>
           <a:p>
             <a:r>
-              <a:rPr lang="en-US">
+              <a:rPr lang="en-US" b="1">
                 <a:solidFill>
                   <a:srgbClr val="FFFFFF"/>
                 </a:solidFill>
               </a:rPr>
-              <a:t>Fun Facts</a:t>
+              <a:t>Objective</a:t>
             </a:r>
           </a:p>
         </p:txBody>
@@ -17843,7 +19130,7 @@
           <p:cNvPr id="3" name="Content Placeholder 2">
             <a:extLst>
               <a:ext uri="{FF2B5EF4-FFF2-40B4-BE49-F238E27FC236}">
-                <a16:creationId xmlns:a16="http://schemas.microsoft.com/office/drawing/2014/main" id="{36DC9514-D391-472D-AE0D-EB22A9276E5D}"/>
+                <a16:creationId xmlns:a16="http://schemas.microsoft.com/office/drawing/2014/main" id="{5F0897F5-8E36-4D04-AB1D-CF504F92C3D7}"/>
               </a:ext>
             </a:extLst>
           </p:cNvPr>
@@ -17867,131 +19154,20 @@
           <a:lstStyle/>
           <a:p>
             <a:r>
-              <a:rPr lang="en-US" sz="1700">
+              <a:rPr lang="en-US" sz="2400" dirty="0">
                 <a:solidFill>
                   <a:srgbClr val="000000"/>
                 </a:solidFill>
               </a:rPr>
-              <a:t>Items to note:</a:t>
+              <a:t>The objective of this project is to utilize machine learning concepts to try to predict the probable outcome of UFC fights based on historical data.</a:t>
             </a:r>
-          </a:p>
-          <a:p>
-            <a:pPr lvl="1"/>
-            <a:r>
-              <a:rPr lang="en-US" sz="1700">
-                <a:solidFill>
-                  <a:srgbClr val="000000"/>
-                </a:solidFill>
-              </a:rPr>
-              <a:t>non-title bouts, the fighter with more name recognition is assigned the </a:t>
-            </a:r>
-            <a:r>
-              <a:rPr lang="en-US" sz="1700" b="1">
-                <a:solidFill>
-                  <a:srgbClr val="000000"/>
-                </a:solidFill>
-              </a:rPr>
-              <a:t>red corner</a:t>
-            </a:r>
-            <a:r>
-              <a:rPr lang="en-US" sz="1700">
-                <a:solidFill>
-                  <a:srgbClr val="000000"/>
-                </a:solidFill>
-              </a:rPr>
-              <a:t>. for new-comers fighting </a:t>
-            </a:r>
-            <a:r>
-              <a:rPr lang="en-US" sz="1700" b="1">
-                <a:solidFill>
-                  <a:srgbClr val="000000"/>
-                </a:solidFill>
-              </a:rPr>
-              <a:t>ufc</a:t>
-            </a:r>
-            <a:r>
-              <a:rPr lang="en-US" sz="1700">
-                <a:solidFill>
-                  <a:srgbClr val="000000"/>
-                </a:solidFill>
-              </a:rPr>
-              <a:t> vets, the new-comers will always be assigned the </a:t>
-            </a:r>
-            <a:r>
-              <a:rPr lang="en-US" sz="1700" b="1">
-                <a:solidFill>
-                  <a:srgbClr val="000000"/>
-                </a:solidFill>
-              </a:rPr>
-              <a:t>blue corner</a:t>
-            </a:r>
-            <a:r>
-              <a:rPr lang="en-US" sz="1700">
-                <a:solidFill>
-                  <a:srgbClr val="000000"/>
-                </a:solidFill>
-              </a:rPr>
-              <a:t> (whether or not they're more known, or they're fighting a less recognizable opponent)</a:t>
-            </a:r>
-          </a:p>
-          <a:p>
-            <a:pPr lvl="1"/>
-            <a:r>
-              <a:rPr lang="en-US" sz="1700">
-                <a:solidFill>
-                  <a:srgbClr val="000000"/>
-                </a:solidFill>
-              </a:rPr>
-              <a:t>Title Bouts, the champion is assigned to the red corner and the challenger the blue corner.</a:t>
-            </a:r>
-          </a:p>
-          <a:p>
-            <a:pPr lvl="1"/>
-            <a:r>
-              <a:rPr lang="en-US" sz="1700">
-                <a:solidFill>
-                  <a:srgbClr val="000000"/>
-                </a:solidFill>
-              </a:rPr>
-              <a:t>Red Side seems to win slightly more than blue.</a:t>
-            </a:r>
-          </a:p>
-          <a:p>
-            <a:pPr lvl="2"/>
-            <a:r>
-              <a:rPr lang="en-US" sz="1700">
-                <a:solidFill>
-                  <a:srgbClr val="000000"/>
-                </a:solidFill>
-              </a:rPr>
-              <a:t>Most winningest fighter in UFC history has fought more on the red side than blue</a:t>
-            </a:r>
-          </a:p>
-          <a:p>
-            <a:pPr lvl="3"/>
-            <a:r>
-              <a:rPr lang="en-US" sz="1700">
-                <a:solidFill>
-                  <a:srgbClr val="000000"/>
-                </a:solidFill>
-              </a:rPr>
-              <a:t>Ex: UFC 246 Donald Cerrone vs Conor McGregor, Donald Cerrone was in the blue corner. Winner was Conor McGregor</a:t>
-            </a:r>
-          </a:p>
-          <a:p>
-            <a:pPr lvl="1"/>
-            <a:endParaRPr lang="en-US" sz="1700">
-              <a:solidFill>
-                <a:srgbClr val="000000"/>
-              </a:solidFill>
-            </a:endParaRPr>
           </a:p>
         </p:txBody>
       </p:sp>
     </p:spTree>
     <p:extLst>
       <p:ext uri="{BB962C8B-B14F-4D97-AF65-F5344CB8AC3E}">
-        <p14:creationId xmlns:p14="http://schemas.microsoft.com/office/powerpoint/2010/main" val="2883015863"/>
+        <p14:creationId xmlns:p14="http://schemas.microsoft.com/office/powerpoint/2010/main" val="178053589"/>
       </p:ext>
     </p:extLst>
   </p:cSld>
@@ -18001,7 +19177,7 @@
 </p:sld>
 </file>
 
-<file path=ppt/slides/slide18.xml><?xml version="1.0" encoding="utf-8"?>
+<file path=ppt/slides/slide20.xml><?xml version="1.0" encoding="utf-8"?>
 <p:sld xmlns:a="http://schemas.openxmlformats.org/drawingml/2006/main" xmlns:r="http://schemas.openxmlformats.org/officeDocument/2006/relationships" xmlns:p="http://schemas.openxmlformats.org/presentationml/2006/main">
   <p:cSld>
     <p:bg>
@@ -18028,10 +19204,10 @@
       </p:grpSpPr>
       <p:sp>
         <p:nvSpPr>
-          <p:cNvPr id="14" name="Rectangle 13">
+          <p:cNvPr id="21" name="Rectangle 20">
             <a:extLst>
               <a:ext uri="{FF2B5EF4-FFF2-40B4-BE49-F238E27FC236}">
-                <a16:creationId xmlns:a16="http://schemas.microsoft.com/office/drawing/2014/main" id="{EB181E26-89C4-4A14-92DE-0F4C4B0E9484}"/>
+                <a16:creationId xmlns:a16="http://schemas.microsoft.com/office/drawing/2014/main" id="{FC7A3AA1-44C4-4CBE-8808-D86A411AD665}"/>
               </a:ext>
               <a:ext uri="{C183D7F6-B498-43B3-948B-1728B52AA6E4}">
                 <adec:decorative xmlns:adec="http://schemas.microsoft.com/office/drawing/2017/decorative" val="1"/>
@@ -18052,1043 +19228,7 @@
         <p:spPr>
           <a:xfrm>
             <a:off x="0" y="0"/>
-            <a:ext cx="12192000" cy="6858000"/>
-          </a:xfrm>
-          <a:prstGeom prst="rect">
-            <a:avLst/>
-          </a:prstGeom>
-          <a:solidFill>
-            <a:schemeClr val="tx1"/>
-          </a:solidFill>
-          <a:ln>
-            <a:noFill/>
-          </a:ln>
-        </p:spPr>
-        <p:style>
-          <a:lnRef idx="2">
-            <a:schemeClr val="accent1">
-              <a:shade val="50000"/>
-            </a:schemeClr>
-          </a:lnRef>
-          <a:fillRef idx="1">
-            <a:schemeClr val="accent1"/>
-          </a:fillRef>
-          <a:effectRef idx="0">
-            <a:schemeClr val="accent1"/>
-          </a:effectRef>
-          <a:fontRef idx="minor">
-            <a:schemeClr val="lt1"/>
-          </a:fontRef>
-        </p:style>
-        <p:txBody>
-          <a:bodyPr rtlCol="0" anchor="ctr"/>
-          <a:lstStyle/>
-          <a:p>
-            <a:pPr algn="ctr"/>
-            <a:endParaRPr lang="en-US"/>
-          </a:p>
-        </p:txBody>
-      </p:sp>
-      <p:sp>
-        <p:nvSpPr>
-          <p:cNvPr id="16" name="Freeform: Shape 15">
-            <a:extLst>
-              <a:ext uri="{FF2B5EF4-FFF2-40B4-BE49-F238E27FC236}">
-                <a16:creationId xmlns:a16="http://schemas.microsoft.com/office/drawing/2014/main" id="{342402E1-B9D8-424B-837F-6E4AA2E0FF2B}"/>
-              </a:ext>
-              <a:ext uri="{C183D7F6-B498-43B3-948B-1728B52AA6E4}">
-                <adec:decorative xmlns:adec="http://schemas.microsoft.com/office/drawing/2017/decorative" val="1"/>
-              </a:ext>
-            </a:extLst>
-          </p:cNvPr>
-          <p:cNvSpPr>
-            <a:spLocks noGrp="1" noRot="1" noChangeAspect="1" noMove="1" noResize="1" noEditPoints="1" noAdjustHandles="1" noChangeArrowheads="1" noChangeShapeType="1" noTextEdit="1"/>
-          </p:cNvSpPr>
-          <p:nvPr>
-            <p:extLst>
-              <p:ext uri="{386F3935-93C4-4BCD-93E2-E3B085C9AB24}">
-                <p16:designElem xmlns:p16="http://schemas.microsoft.com/office/powerpoint/2015/main" val="1"/>
-              </p:ext>
-            </p:extLst>
-          </p:nvPr>
-        </p:nvSpPr>
-        <p:spPr>
-          <a:xfrm>
-            <a:off x="1" y="523805"/>
-            <a:ext cx="7800441" cy="5696020"/>
-          </a:xfrm>
-          <a:custGeom>
-            <a:avLst/>
-            <a:gdLst>
-              <a:gd name="connsiteX0" fmla="*/ 0 w 7800441"/>
-              <a:gd name="connsiteY0" fmla="*/ 0 h 5696020"/>
-              <a:gd name="connsiteX1" fmla="*/ 7800441 w 7800441"/>
-              <a:gd name="connsiteY1" fmla="*/ 0 h 5696020"/>
-              <a:gd name="connsiteX2" fmla="*/ 5037161 w 7800441"/>
-              <a:gd name="connsiteY2" fmla="*/ 5696020 h 5696020"/>
-              <a:gd name="connsiteX3" fmla="*/ 0 w 7800441"/>
-              <a:gd name="connsiteY3" fmla="*/ 5696020 h 5696020"/>
-            </a:gdLst>
-            <a:ahLst/>
-            <a:cxnLst>
-              <a:cxn ang="0">
-                <a:pos x="connsiteX0" y="connsiteY0"/>
-              </a:cxn>
-              <a:cxn ang="0">
-                <a:pos x="connsiteX1" y="connsiteY1"/>
-              </a:cxn>
-              <a:cxn ang="0">
-                <a:pos x="connsiteX2" y="connsiteY2"/>
-              </a:cxn>
-              <a:cxn ang="0">
-                <a:pos x="connsiteX3" y="connsiteY3"/>
-              </a:cxn>
-            </a:cxnLst>
-            <a:rect l="l" t="t" r="r" b="b"/>
-            <a:pathLst>
-              <a:path w="7800441" h="5696020">
-                <a:moveTo>
-                  <a:pt x="0" y="0"/>
-                </a:moveTo>
-                <a:lnTo>
-                  <a:pt x="7800441" y="0"/>
-                </a:lnTo>
-                <a:lnTo>
-                  <a:pt x="5037161" y="5696020"/>
-                </a:lnTo>
-                <a:lnTo>
-                  <a:pt x="0" y="5696020"/>
-                </a:lnTo>
-                <a:close/>
-              </a:path>
-            </a:pathLst>
-          </a:custGeom>
-          <a:solidFill>
-            <a:srgbClr val="303030"/>
-          </a:solidFill>
-          <a:ln>
-            <a:noFill/>
-          </a:ln>
-        </p:spPr>
-        <p:style>
-          <a:lnRef idx="2">
-            <a:schemeClr val="accent1">
-              <a:shade val="50000"/>
-            </a:schemeClr>
-          </a:lnRef>
-          <a:fillRef idx="1">
-            <a:schemeClr val="accent1"/>
-          </a:fillRef>
-          <a:effectRef idx="0">
-            <a:schemeClr val="accent1"/>
-          </a:effectRef>
-          <a:fontRef idx="minor">
-            <a:schemeClr val="lt1"/>
-          </a:fontRef>
-        </p:style>
-        <p:txBody>
-          <a:bodyPr wrap="square" rtlCol="0" anchor="ctr">
-            <a:noAutofit/>
-          </a:bodyPr>
-          <a:lstStyle/>
-          <a:p>
-            <a:pPr algn="ctr"/>
-            <a:endParaRPr lang="en-US">
-              <a:solidFill>
-                <a:schemeClr val="bg1">
-                  <a:lumMod val="95000"/>
-                </a:schemeClr>
-              </a:solidFill>
-            </a:endParaRPr>
-          </a:p>
-        </p:txBody>
-      </p:sp>
-      <p:sp>
-        <p:nvSpPr>
-          <p:cNvPr id="2" name="Title 1">
-            <a:extLst>
-              <a:ext uri="{FF2B5EF4-FFF2-40B4-BE49-F238E27FC236}">
-                <a16:creationId xmlns:a16="http://schemas.microsoft.com/office/drawing/2014/main" id="{9D09FB32-3CB5-49AD-B42A-8E640800B7C1}"/>
-              </a:ext>
-            </a:extLst>
-          </p:cNvPr>
-          <p:cNvSpPr>
-            <a:spLocks noGrp="1"/>
-          </p:cNvSpPr>
-          <p:nvPr>
-            <p:ph type="title"/>
-          </p:nvPr>
-        </p:nvSpPr>
-        <p:spPr>
-          <a:xfrm>
-            <a:off x="838200" y="914400"/>
-            <a:ext cx="5111496" cy="1097280"/>
-          </a:xfrm>
-        </p:spPr>
-        <p:txBody>
-          <a:bodyPr vert="horz" lIns="91440" tIns="45720" rIns="91440" bIns="45720" rtlCol="0" anchor="ctr">
-            <a:normAutofit/>
-          </a:bodyPr>
-          <a:lstStyle/>
-          <a:p>
-            <a:r>
-              <a:rPr lang="en-US" kern="1200" dirty="0">
-                <a:solidFill>
-                  <a:srgbClr val="FFFFFE"/>
-                </a:solidFill>
-                <a:latin typeface="+mj-lt"/>
-                <a:ea typeface="+mj-ea"/>
-                <a:cs typeface="+mj-cs"/>
-              </a:rPr>
-              <a:t>Website</a:t>
-            </a:r>
-          </a:p>
-        </p:txBody>
-      </p:sp>
-      <p:sp>
-        <p:nvSpPr>
-          <p:cNvPr id="11" name="Content Placeholder 10">
-            <a:extLst>
-              <a:ext uri="{FF2B5EF4-FFF2-40B4-BE49-F238E27FC236}">
-                <a16:creationId xmlns:a16="http://schemas.microsoft.com/office/drawing/2014/main" id="{16E1F74D-5D37-468C-A5A2-8E20C23E9ECE}"/>
-              </a:ext>
-            </a:extLst>
-          </p:cNvPr>
-          <p:cNvSpPr>
-            <a:spLocks noGrp="1"/>
-          </p:cNvSpPr>
-          <p:nvPr>
-            <p:ph sz="half" idx="1"/>
-          </p:nvPr>
-        </p:nvSpPr>
-        <p:spPr>
-          <a:xfrm>
-            <a:off x="838200" y="2331720"/>
-            <a:ext cx="4379976" cy="3547872"/>
-          </a:xfrm>
-        </p:spPr>
-        <p:txBody>
-          <a:bodyPr vert="horz" lIns="91440" tIns="45720" rIns="91440" bIns="45720" rtlCol="0" anchor="t">
-            <a:normAutofit/>
-          </a:bodyPr>
-          <a:lstStyle/>
-          <a:p>
-            <a:r>
-              <a:rPr lang="en-US" sz="2000" dirty="0">
-                <a:solidFill>
-                  <a:srgbClr val="FFFFFE"/>
-                </a:solidFill>
-              </a:rPr>
-              <a:t>Created website to store data scraped.</a:t>
-            </a:r>
-          </a:p>
-          <a:p>
-            <a:r>
-              <a:rPr lang="en-US" sz="2000" dirty="0">
-                <a:solidFill>
-                  <a:srgbClr val="FFFFFE"/>
-                </a:solidFill>
-              </a:rPr>
-              <a:t>HTML/CSS</a:t>
-            </a:r>
-          </a:p>
-          <a:p>
-            <a:r>
-              <a:rPr lang="en-US" sz="2000" dirty="0">
-                <a:solidFill>
-                  <a:srgbClr val="FFFFFE"/>
-                </a:solidFill>
-              </a:rPr>
-              <a:t>JS</a:t>
-            </a:r>
-          </a:p>
-        </p:txBody>
-      </p:sp>
-      <p:pic>
-        <p:nvPicPr>
-          <p:cNvPr id="7" name="Content Placeholder 6">
-            <a:extLst>
-              <a:ext uri="{FF2B5EF4-FFF2-40B4-BE49-F238E27FC236}">
-                <a16:creationId xmlns:a16="http://schemas.microsoft.com/office/drawing/2014/main" id="{23C9C946-B88F-4ED7-AF80-29ACEC6D1522}"/>
-              </a:ext>
-            </a:extLst>
-          </p:cNvPr>
-          <p:cNvPicPr>
-            <a:picLocks noGrp="1" noChangeAspect="1"/>
-          </p:cNvPicPr>
-          <p:nvPr>
-            <p:ph sz="half" idx="2"/>
-          </p:nvPr>
-        </p:nvPicPr>
-        <p:blipFill rotWithShape="1">
-          <a:blip r:embed="rId2"/>
-          <a:srcRect r="6917" b="1"/>
-          <a:stretch/>
-        </p:blipFill>
-        <p:spPr>
-          <a:xfrm>
-            <a:off x="6790977" y="521208"/>
-            <a:ext cx="5401023" cy="2770632"/>
-          </a:xfrm>
-          <a:custGeom>
-            <a:avLst/>
-            <a:gdLst/>
-            <a:ahLst/>
-            <a:cxnLst/>
-            <a:rect l="l" t="t" r="r" b="b"/>
-            <a:pathLst>
-              <a:path w="5401023" h="2770632">
-                <a:moveTo>
-                  <a:pt x="3214941" y="0"/>
-                </a:moveTo>
-                <a:lnTo>
-                  <a:pt x="5401023" y="0"/>
-                </a:lnTo>
-                <a:lnTo>
-                  <a:pt x="5401023" y="2770632"/>
-                </a:lnTo>
-                <a:lnTo>
-                  <a:pt x="3214941" y="2770632"/>
-                </a:lnTo>
-                <a:lnTo>
-                  <a:pt x="3214941" y="2768786"/>
-                </a:lnTo>
-                <a:lnTo>
-                  <a:pt x="1865202" y="2768786"/>
-                </a:lnTo>
-                <a:lnTo>
-                  <a:pt x="1865202" y="2768787"/>
-                </a:lnTo>
-                <a:lnTo>
-                  <a:pt x="0" y="2768787"/>
-                </a:lnTo>
-                <a:lnTo>
-                  <a:pt x="1325372" y="2605"/>
-                </a:lnTo>
-                <a:lnTo>
-                  <a:pt x="1653397" y="2605"/>
-                </a:lnTo>
-                <a:lnTo>
-                  <a:pt x="1653397" y="2597"/>
-                </a:lnTo>
-                <a:lnTo>
-                  <a:pt x="1723225" y="2597"/>
-                </a:lnTo>
-                <a:lnTo>
-                  <a:pt x="1723225" y="2596"/>
-                </a:lnTo>
-                <a:lnTo>
-                  <a:pt x="2263055" y="2596"/>
-                </a:lnTo>
-                <a:lnTo>
-                  <a:pt x="2263055" y="2597"/>
-                </a:lnTo>
-                <a:lnTo>
-                  <a:pt x="3204175" y="2597"/>
-                </a:lnTo>
-                <a:lnTo>
-                  <a:pt x="3204175" y="2604"/>
-                </a:lnTo>
-                <a:lnTo>
-                  <a:pt x="3214941" y="2604"/>
-                </a:lnTo>
-                <a:close/>
-              </a:path>
-            </a:pathLst>
-          </a:custGeom>
-        </p:spPr>
-      </p:pic>
-      <p:pic>
-        <p:nvPicPr>
-          <p:cNvPr id="6" name="Content Placeholder 5">
-            <a:extLst>
-              <a:ext uri="{FF2B5EF4-FFF2-40B4-BE49-F238E27FC236}">
-                <a16:creationId xmlns:a16="http://schemas.microsoft.com/office/drawing/2014/main" id="{5069811B-5F87-4860-B1BF-9E5673A04D36}"/>
-              </a:ext>
-            </a:extLst>
-          </p:cNvPr>
-          <p:cNvPicPr>
-            <a:picLocks noChangeAspect="1"/>
-          </p:cNvPicPr>
-          <p:nvPr/>
-        </p:nvPicPr>
-        <p:blipFill rotWithShape="1">
-          <a:blip r:embed="rId3"/>
-          <a:srcRect r="-2" b="11771"/>
-          <a:stretch/>
-        </p:blipFill>
-        <p:spPr>
-          <a:xfrm>
-            <a:off x="5366251" y="3453634"/>
-            <a:ext cx="6825749" cy="2755142"/>
-          </a:xfrm>
-          <a:custGeom>
-            <a:avLst/>
-            <a:gdLst/>
-            <a:ahLst/>
-            <a:cxnLst/>
-            <a:rect l="l" t="t" r="r" b="b"/>
-            <a:pathLst>
-              <a:path w="6825749" h="2755142">
-                <a:moveTo>
-                  <a:pt x="3353180" y="0"/>
-                </a:moveTo>
-                <a:lnTo>
-                  <a:pt x="4045207" y="0"/>
-                </a:lnTo>
-                <a:lnTo>
-                  <a:pt x="4045207" y="1"/>
-                </a:lnTo>
-                <a:lnTo>
-                  <a:pt x="4692417" y="1"/>
-                </a:lnTo>
-                <a:lnTo>
-                  <a:pt x="4781930" y="1"/>
-                </a:lnTo>
-                <a:lnTo>
-                  <a:pt x="4781930" y="0"/>
-                </a:lnTo>
-                <a:lnTo>
-                  <a:pt x="5473957" y="0"/>
-                </a:lnTo>
-                <a:lnTo>
-                  <a:pt x="5473957" y="1"/>
-                </a:lnTo>
-                <a:lnTo>
-                  <a:pt x="6680412" y="1"/>
-                </a:lnTo>
-                <a:lnTo>
-                  <a:pt x="6680412" y="2798"/>
-                </a:lnTo>
-                <a:lnTo>
-                  <a:pt x="6825749" y="2798"/>
-                </a:lnTo>
-                <a:lnTo>
-                  <a:pt x="6825749" y="2755142"/>
-                </a:lnTo>
-                <a:lnTo>
-                  <a:pt x="4748668" y="2755142"/>
-                </a:lnTo>
-                <a:lnTo>
-                  <a:pt x="4748668" y="2755099"/>
-                </a:lnTo>
-                <a:lnTo>
-                  <a:pt x="3535184" y="2755099"/>
-                </a:lnTo>
-                <a:lnTo>
-                  <a:pt x="3321602" y="2755099"/>
-                </a:lnTo>
-                <a:lnTo>
-                  <a:pt x="3321602" y="2755100"/>
-                </a:lnTo>
-                <a:lnTo>
-                  <a:pt x="1892852" y="2755100"/>
-                </a:lnTo>
-                <a:lnTo>
-                  <a:pt x="1428750" y="2755100"/>
-                </a:lnTo>
-                <a:lnTo>
-                  <a:pt x="0" y="2755100"/>
-                </a:lnTo>
-                <a:lnTo>
-                  <a:pt x="1345020" y="10"/>
-                </a:lnTo>
-                <a:lnTo>
-                  <a:pt x="1677909" y="10"/>
-                </a:lnTo>
-                <a:lnTo>
-                  <a:pt x="1677909" y="2"/>
-                </a:lnTo>
-                <a:lnTo>
-                  <a:pt x="1748771" y="2"/>
-                </a:lnTo>
-                <a:lnTo>
-                  <a:pt x="1748771" y="1"/>
-                </a:lnTo>
-                <a:lnTo>
-                  <a:pt x="2296604" y="1"/>
-                </a:lnTo>
-                <a:lnTo>
-                  <a:pt x="2296604" y="2"/>
-                </a:lnTo>
-                <a:lnTo>
-                  <a:pt x="3106658" y="2"/>
-                </a:lnTo>
-                <a:lnTo>
-                  <a:pt x="3177521" y="2"/>
-                </a:lnTo>
-                <a:lnTo>
-                  <a:pt x="3177521" y="1"/>
-                </a:lnTo>
-                <a:lnTo>
-                  <a:pt x="3263667" y="1"/>
-                </a:lnTo>
-                <a:lnTo>
-                  <a:pt x="3353180" y="1"/>
-                </a:lnTo>
-                <a:close/>
-              </a:path>
-            </a:pathLst>
-          </a:custGeom>
-        </p:spPr>
-      </p:pic>
-    </p:spTree>
-    <p:extLst>
-      <p:ext uri="{BB962C8B-B14F-4D97-AF65-F5344CB8AC3E}">
-        <p14:creationId xmlns:p14="http://schemas.microsoft.com/office/powerpoint/2010/main" val="4251861563"/>
-      </p:ext>
-    </p:extLst>
-  </p:cSld>
-  <p:clrMapOvr>
-    <a:overrideClrMapping bg1="dk1" tx1="lt1" bg2="dk2" tx2="lt2" accent1="accent1" accent2="accent2" accent3="accent3" accent4="accent4" accent5="accent5" accent6="accent6" hlink="hlink" folHlink="folHlink"/>
-  </p:clrMapOvr>
-</p:sld>
-</file>
-
-<file path=ppt/slides/slide19.xml><?xml version="1.0" encoding="utf-8"?>
-<p:sld xmlns:a="http://schemas.openxmlformats.org/drawingml/2006/main" xmlns:r="http://schemas.openxmlformats.org/officeDocument/2006/relationships" xmlns:p="http://schemas.openxmlformats.org/presentationml/2006/main">
-  <p:cSld>
-    <p:bg>
-      <p:bgPr>
-        <a:solidFill>
-          <a:schemeClr val="bg1"/>
-        </a:solidFill>
-        <a:effectLst/>
-      </p:bgPr>
-    </p:bg>
-    <p:spTree>
-      <p:nvGrpSpPr>
-        <p:cNvPr id="1" name=""/>
-        <p:cNvGrpSpPr/>
-        <p:nvPr/>
-      </p:nvGrpSpPr>
-      <p:grpSpPr>
-        <a:xfrm>
-          <a:off x="0" y="0"/>
-          <a:ext cx="0" cy="0"/>
-          <a:chOff x="0" y="0"/>
-          <a:chExt cx="0" cy="0"/>
-        </a:xfrm>
-      </p:grpSpPr>
-      <p:sp>
-        <p:nvSpPr>
-          <p:cNvPr id="10" name="Rectangle 9">
-            <a:extLst>
-              <a:ext uri="{FF2B5EF4-FFF2-40B4-BE49-F238E27FC236}">
-                <a16:creationId xmlns:a16="http://schemas.microsoft.com/office/drawing/2014/main" id="{2B566528-1B12-4246-9431-5C2D7D081168}"/>
-              </a:ext>
-              <a:ext uri="{C183D7F6-B498-43B3-948B-1728B52AA6E4}">
-                <adec:decorative xmlns:adec="http://schemas.microsoft.com/office/drawing/2017/decorative" val="1"/>
-              </a:ext>
-            </a:extLst>
-          </p:cNvPr>
-          <p:cNvSpPr>
-            <a:spLocks noGrp="1" noRot="1" noChangeAspect="1" noMove="1" noResize="1" noEditPoints="1" noAdjustHandles="1" noChangeArrowheads="1" noChangeShapeType="1" noTextEdit="1"/>
-          </p:cNvSpPr>
-          <p:nvPr>
-            <p:extLst>
-              <p:ext uri="{386F3935-93C4-4BCD-93E2-E3B085C9AB24}">
-                <p16:designElem xmlns:p16="http://schemas.microsoft.com/office/powerpoint/2015/main" val="1"/>
-              </p:ext>
-            </p:extLst>
-          </p:nvPr>
-        </p:nvSpPr>
-        <p:spPr>
-          <a:xfrm>
-            <a:off x="0" y="0"/>
-            <a:ext cx="12192000" cy="6858000"/>
-          </a:xfrm>
-          <a:prstGeom prst="rect">
-            <a:avLst/>
-          </a:prstGeom>
-          <a:solidFill>
-            <a:schemeClr val="bg1"/>
-          </a:solidFill>
-          <a:ln>
-            <a:noFill/>
-          </a:ln>
-        </p:spPr>
-        <p:style>
-          <a:lnRef idx="2">
-            <a:schemeClr val="accent1">
-              <a:shade val="50000"/>
-            </a:schemeClr>
-          </a:lnRef>
-          <a:fillRef idx="1">
-            <a:schemeClr val="accent1"/>
-          </a:fillRef>
-          <a:effectRef idx="0">
-            <a:schemeClr val="accent1"/>
-          </a:effectRef>
-          <a:fontRef idx="minor">
-            <a:schemeClr val="lt1"/>
-          </a:fontRef>
-        </p:style>
-        <p:txBody>
-          <a:bodyPr rtlCol="0" anchor="ctr"/>
-          <a:lstStyle/>
-          <a:p>
-            <a:pPr algn="ctr"/>
-            <a:endParaRPr lang="en-US" dirty="0"/>
-          </a:p>
-        </p:txBody>
-      </p:sp>
-      <p:sp>
-        <p:nvSpPr>
-          <p:cNvPr id="2" name="Title 1">
-            <a:extLst>
-              <a:ext uri="{FF2B5EF4-FFF2-40B4-BE49-F238E27FC236}">
-                <a16:creationId xmlns:a16="http://schemas.microsoft.com/office/drawing/2014/main" id="{0214BB0D-509F-49EC-A524-16E5483FE5CF}"/>
-              </a:ext>
-            </a:extLst>
-          </p:cNvPr>
-          <p:cNvSpPr>
-            <a:spLocks noGrp="1"/>
-          </p:cNvSpPr>
-          <p:nvPr>
-            <p:ph type="title"/>
-          </p:nvPr>
-        </p:nvSpPr>
-        <p:spPr>
-          <a:xfrm>
-            <a:off x="643467" y="321734"/>
-            <a:ext cx="10905066" cy="1135737"/>
-          </a:xfrm>
-        </p:spPr>
-        <p:txBody>
-          <a:bodyPr>
-            <a:normAutofit/>
-          </a:bodyPr>
-          <a:lstStyle/>
-          <a:p>
-            <a:r>
-              <a:rPr lang="en-US" sz="3600" b="1"/>
-              <a:t>Final Analysis - ML</a:t>
-            </a:r>
-            <a:endParaRPr lang="en-US" sz="3600"/>
-          </a:p>
-        </p:txBody>
-      </p:sp>
-      <p:sp>
-        <p:nvSpPr>
-          <p:cNvPr id="12" name="Rectangle 11">
-            <a:extLst>
-              <a:ext uri="{FF2B5EF4-FFF2-40B4-BE49-F238E27FC236}">
-                <a16:creationId xmlns:a16="http://schemas.microsoft.com/office/drawing/2014/main" id="{2E80C965-DB6D-4F81-9E9E-B027384D0BD6}"/>
-              </a:ext>
-              <a:ext uri="{C183D7F6-B498-43B3-948B-1728B52AA6E4}">
-                <adec:decorative xmlns:adec="http://schemas.microsoft.com/office/drawing/2017/decorative" val="1"/>
-              </a:ext>
-            </a:extLst>
-          </p:cNvPr>
-          <p:cNvSpPr>
-            <a:spLocks noGrp="1" noRot="1" noChangeAspect="1" noMove="1" noResize="1" noEditPoints="1" noAdjustHandles="1" noChangeArrowheads="1" noChangeShapeType="1" noTextEdit="1"/>
-          </p:cNvSpPr>
-          <p:nvPr>
-            <p:extLst>
-              <p:ext uri="{386F3935-93C4-4BCD-93E2-E3B085C9AB24}">
-                <p16:designElem xmlns:p16="http://schemas.microsoft.com/office/powerpoint/2015/main" val="1"/>
-              </p:ext>
-            </p:extLst>
-          </p:nvPr>
-        </p:nvSpPr>
-        <p:spPr>
-          <a:xfrm rot="2700000">
-            <a:off x="11052629" y="2120024"/>
-            <a:ext cx="645368" cy="645368"/>
-          </a:xfrm>
-          <a:prstGeom prst="rect">
-            <a:avLst/>
-          </a:prstGeom>
-          <a:solidFill>
-            <a:schemeClr val="accent4">
-              <a:alpha val="30000"/>
-            </a:schemeClr>
-          </a:solidFill>
-          <a:ln>
-            <a:noFill/>
-          </a:ln>
-        </p:spPr>
-        <p:style>
-          <a:lnRef idx="2">
-            <a:schemeClr val="accent1">
-              <a:shade val="50000"/>
-            </a:schemeClr>
-          </a:lnRef>
-          <a:fillRef idx="1">
-            <a:schemeClr val="accent1"/>
-          </a:fillRef>
-          <a:effectRef idx="0">
-            <a:schemeClr val="accent1"/>
-          </a:effectRef>
-          <a:fontRef idx="minor">
-            <a:schemeClr val="lt1"/>
-          </a:fontRef>
-        </p:style>
-        <p:txBody>
-          <a:bodyPr rtlCol="0" anchor="ctr"/>
-          <a:lstStyle/>
-          <a:p>
-            <a:pPr algn="ctr"/>
-            <a:endParaRPr lang="en-US"/>
-          </a:p>
-        </p:txBody>
-      </p:sp>
-      <p:sp>
-        <p:nvSpPr>
-          <p:cNvPr id="14" name="Isosceles Triangle 13">
-            <a:extLst>
-              <a:ext uri="{FF2B5EF4-FFF2-40B4-BE49-F238E27FC236}">
-                <a16:creationId xmlns:a16="http://schemas.microsoft.com/office/drawing/2014/main" id="{A580F890-B085-4E95-96AA-55AEBEC5CE6E}"/>
-              </a:ext>
-              <a:ext uri="{C183D7F6-B498-43B3-948B-1728B52AA6E4}">
-                <adec:decorative xmlns:adec="http://schemas.microsoft.com/office/drawing/2017/decorative" val="1"/>
-              </a:ext>
-            </a:extLst>
-          </p:cNvPr>
-          <p:cNvSpPr>
-            <a:spLocks noGrp="1" noRot="1" noChangeAspect="1" noMove="1" noResize="1" noEditPoints="1" noAdjustHandles="1" noChangeArrowheads="1" noChangeShapeType="1" noTextEdit="1"/>
-          </p:cNvSpPr>
-          <p:nvPr>
-            <p:extLst>
-              <p:ext uri="{386F3935-93C4-4BCD-93E2-E3B085C9AB24}">
-                <p16:designElem xmlns:p16="http://schemas.microsoft.com/office/powerpoint/2015/main" val="1"/>
-              </p:ext>
-            </p:extLst>
-          </p:nvPr>
-        </p:nvSpPr>
-        <p:spPr>
-          <a:xfrm rot="16200000">
-            <a:off x="10289068" y="1343027"/>
-            <a:ext cx="2532832" cy="1273032"/>
-          </a:xfrm>
-          <a:prstGeom prst="triangle">
-            <a:avLst>
-              <a:gd name="adj" fmla="val 50000"/>
-            </a:avLst>
-          </a:prstGeom>
-          <a:solidFill>
-            <a:schemeClr val="accent4">
-              <a:alpha val="30000"/>
-            </a:schemeClr>
-          </a:solidFill>
-          <a:ln>
-            <a:noFill/>
-          </a:ln>
-        </p:spPr>
-        <p:style>
-          <a:lnRef idx="2">
-            <a:schemeClr val="accent1">
-              <a:shade val="50000"/>
-            </a:schemeClr>
-          </a:lnRef>
-          <a:fillRef idx="1">
-            <a:schemeClr val="accent1"/>
-          </a:fillRef>
-          <a:effectRef idx="0">
-            <a:schemeClr val="accent1"/>
-          </a:effectRef>
-          <a:fontRef idx="minor">
-            <a:schemeClr val="lt1"/>
-          </a:fontRef>
-        </p:style>
-        <p:txBody>
-          <a:bodyPr rtlCol="0" anchor="ctr"/>
-          <a:lstStyle/>
-          <a:p>
-            <a:pPr algn="ctr"/>
-            <a:endParaRPr lang="en-US"/>
-          </a:p>
-        </p:txBody>
-      </p:sp>
-      <p:sp>
-        <p:nvSpPr>
-          <p:cNvPr id="16" name="Isosceles Triangle 15">
-            <a:extLst>
-              <a:ext uri="{FF2B5EF4-FFF2-40B4-BE49-F238E27FC236}">
-                <a16:creationId xmlns:a16="http://schemas.microsoft.com/office/drawing/2014/main" id="{D3F51FEB-38FB-4F6C-9F7B-2F2AFAB65463}"/>
-              </a:ext>
-              <a:ext uri="{C183D7F6-B498-43B3-948B-1728B52AA6E4}">
-                <adec:decorative xmlns:adec="http://schemas.microsoft.com/office/drawing/2017/decorative" val="1"/>
-              </a:ext>
-            </a:extLst>
-          </p:cNvPr>
-          <p:cNvSpPr>
-            <a:spLocks noGrp="1" noRot="1" noChangeAspect="1" noMove="1" noResize="1" noEditPoints="1" noAdjustHandles="1" noChangeArrowheads="1" noChangeShapeType="1" noTextEdit="1"/>
-          </p:cNvSpPr>
-          <p:nvPr>
-            <p:extLst>
-              <p:ext uri="{386F3935-93C4-4BCD-93E2-E3B085C9AB24}">
-                <p16:designElem xmlns:p16="http://schemas.microsoft.com/office/powerpoint/2015/main" val="1"/>
-              </p:ext>
-            </p:extLst>
-          </p:nvPr>
-        </p:nvSpPr>
-        <p:spPr>
-          <a:xfrm rot="5400000">
-            <a:off x="-501760" y="5103257"/>
-            <a:ext cx="2017580" cy="1014060"/>
-          </a:xfrm>
-          <a:prstGeom prst="triangle">
-            <a:avLst>
-              <a:gd name="adj" fmla="val 50000"/>
-            </a:avLst>
-          </a:prstGeom>
-          <a:solidFill>
-            <a:schemeClr val="accent1">
-              <a:alpha val="30000"/>
-            </a:schemeClr>
-          </a:solidFill>
-          <a:ln>
-            <a:noFill/>
-          </a:ln>
-        </p:spPr>
-        <p:style>
-          <a:lnRef idx="2">
-            <a:schemeClr val="accent1">
-              <a:shade val="50000"/>
-            </a:schemeClr>
-          </a:lnRef>
-          <a:fillRef idx="1">
-            <a:schemeClr val="accent1"/>
-          </a:fillRef>
-          <a:effectRef idx="0">
-            <a:schemeClr val="accent1"/>
-          </a:effectRef>
-          <a:fontRef idx="minor">
-            <a:schemeClr val="lt1"/>
-          </a:fontRef>
-        </p:style>
-        <p:txBody>
-          <a:bodyPr rtlCol="0" anchor="ctr"/>
-          <a:lstStyle/>
-          <a:p>
-            <a:pPr algn="ctr"/>
-            <a:endParaRPr lang="en-US"/>
-          </a:p>
-        </p:txBody>
-      </p:sp>
-      <p:sp>
-        <p:nvSpPr>
-          <p:cNvPr id="18" name="Rectangle 17">
-            <a:extLst>
-              <a:ext uri="{FF2B5EF4-FFF2-40B4-BE49-F238E27FC236}">
-                <a16:creationId xmlns:a16="http://schemas.microsoft.com/office/drawing/2014/main" id="{1E547BA6-BAE0-43BB-A7CA-60F69CE252F0}"/>
-              </a:ext>
-              <a:ext uri="{C183D7F6-B498-43B3-948B-1728B52AA6E4}">
-                <adec:decorative xmlns:adec="http://schemas.microsoft.com/office/drawing/2017/decorative" val="1"/>
-              </a:ext>
-            </a:extLst>
-          </p:cNvPr>
-          <p:cNvSpPr>
-            <a:spLocks noGrp="1" noRot="1" noChangeAspect="1" noMove="1" noResize="1" noEditPoints="1" noAdjustHandles="1" noChangeArrowheads="1" noChangeShapeType="1" noTextEdit="1"/>
-          </p:cNvSpPr>
-          <p:nvPr>
-            <p:extLst>
-              <p:ext uri="{386F3935-93C4-4BCD-93E2-E3B085C9AB24}">
-                <p16:designElem xmlns:p16="http://schemas.microsoft.com/office/powerpoint/2015/main" val="1"/>
-              </p:ext>
-            </p:extLst>
-          </p:nvPr>
-        </p:nvSpPr>
-        <p:spPr>
-          <a:xfrm rot="2700000">
-            <a:off x="427916" y="5728708"/>
-            <a:ext cx="485578" cy="485578"/>
-          </a:xfrm>
-          <a:prstGeom prst="rect">
-            <a:avLst/>
-          </a:prstGeom>
-          <a:solidFill>
-            <a:schemeClr val="accent1">
-              <a:alpha val="30000"/>
-            </a:schemeClr>
-          </a:solidFill>
-          <a:ln>
-            <a:noFill/>
-          </a:ln>
-        </p:spPr>
-        <p:style>
-          <a:lnRef idx="2">
-            <a:schemeClr val="accent1">
-              <a:shade val="50000"/>
-            </a:schemeClr>
-          </a:lnRef>
-          <a:fillRef idx="1">
-            <a:schemeClr val="accent1"/>
-          </a:fillRef>
-          <a:effectRef idx="0">
-            <a:schemeClr val="accent1"/>
-          </a:effectRef>
-          <a:fontRef idx="minor">
-            <a:schemeClr val="lt1"/>
-          </a:fontRef>
-        </p:style>
-        <p:txBody>
-          <a:bodyPr rtlCol="0" anchor="ctr"/>
-          <a:lstStyle/>
-          <a:p>
-            <a:pPr algn="ctr"/>
-            <a:endParaRPr lang="en-US"/>
-          </a:p>
-        </p:txBody>
-      </p:sp>
-      <p:graphicFrame>
-        <p:nvGraphicFramePr>
-          <p:cNvPr id="5" name="Content Placeholder 2">
-            <a:extLst>
-              <a:ext uri="{FF2B5EF4-FFF2-40B4-BE49-F238E27FC236}">
-                <a16:creationId xmlns:a16="http://schemas.microsoft.com/office/drawing/2014/main" id="{BC39F955-2ECE-4B34-9E79-3C5CBC07A0DE}"/>
-              </a:ext>
-            </a:extLst>
-          </p:cNvPr>
-          <p:cNvGraphicFramePr>
-            <a:graphicFrameLocks noGrp="1"/>
-          </p:cNvGraphicFramePr>
-          <p:nvPr>
-            <p:ph idx="1"/>
-            <p:extLst>
-              <p:ext uri="{D42A27DB-BD31-4B8C-83A1-F6EECF244321}">
-                <p14:modId xmlns:p14="http://schemas.microsoft.com/office/powerpoint/2010/main" val="102192909"/>
-              </p:ext>
-            </p:extLst>
-          </p:nvPr>
-        </p:nvGraphicFramePr>
-        <p:xfrm>
-          <a:off x="838200" y="1825625"/>
-          <a:ext cx="10515600" cy="4351338"/>
-        </p:xfrm>
-        <a:graphic>
-          <a:graphicData uri="http://schemas.openxmlformats.org/drawingml/2006/diagram">
-            <dgm:relIds xmlns:dgm="http://schemas.openxmlformats.org/drawingml/2006/diagram" xmlns:r="http://schemas.openxmlformats.org/officeDocument/2006/relationships" r:dm="rId2" r:lo="rId3" r:qs="rId4" r:cs="rId5"/>
-          </a:graphicData>
-        </a:graphic>
-      </p:graphicFrame>
-    </p:spTree>
-    <p:extLst>
-      <p:ext uri="{BB962C8B-B14F-4D97-AF65-F5344CB8AC3E}">
-        <p14:creationId xmlns:p14="http://schemas.microsoft.com/office/powerpoint/2010/main" val="1409933813"/>
-      </p:ext>
-    </p:extLst>
-  </p:cSld>
-  <p:clrMapOvr>
-    <a:masterClrMapping/>
-  </p:clrMapOvr>
-</p:sld>
-</file>
-
-<file path=ppt/slides/slide2.xml><?xml version="1.0" encoding="utf-8"?>
-<p:sld xmlns:a="http://schemas.openxmlformats.org/drawingml/2006/main" xmlns:r="http://schemas.openxmlformats.org/officeDocument/2006/relationships" xmlns:p="http://schemas.openxmlformats.org/presentationml/2006/main">
-  <p:cSld>
-    <p:bg>
-      <p:bgPr>
-        <a:solidFill>
-          <a:schemeClr val="bg1"/>
-        </a:solidFill>
-        <a:effectLst/>
-      </p:bgPr>
-    </p:bg>
-    <p:spTree>
-      <p:nvGrpSpPr>
-        <p:cNvPr id="1" name=""/>
-        <p:cNvGrpSpPr/>
-        <p:nvPr/>
-      </p:nvGrpSpPr>
-      <p:grpSpPr>
-        <a:xfrm>
-          <a:off x="0" y="0"/>
-          <a:ext cx="0" cy="0"/>
-          <a:chOff x="0" y="0"/>
-          <a:chExt cx="0" cy="0"/>
-        </a:xfrm>
-      </p:grpSpPr>
-      <p:sp useBgFill="1">
-        <p:nvSpPr>
-          <p:cNvPr id="19" name="Rectangle 18">
-            <a:extLst>
-              <a:ext uri="{FF2B5EF4-FFF2-40B4-BE49-F238E27FC236}">
-                <a16:creationId xmlns:a16="http://schemas.microsoft.com/office/drawing/2014/main" id="{3B854194-185D-494D-905C-7C7CB2E30F6E}"/>
-              </a:ext>
-              <a:ext uri="{C183D7F6-B498-43B3-948B-1728B52AA6E4}">
-                <adec:decorative xmlns:adec="http://schemas.microsoft.com/office/drawing/2017/decorative" val="1"/>
-              </a:ext>
-            </a:extLst>
-          </p:cNvPr>
-          <p:cNvSpPr>
-            <a:spLocks noGrp="1" noRot="1" noChangeAspect="1" noMove="1" noResize="1" noEditPoints="1" noAdjustHandles="1" noChangeArrowheads="1" noChangeShapeType="1" noTextEdit="1"/>
-          </p:cNvSpPr>
-          <p:nvPr>
-            <p:extLst>
-              <p:ext uri="{386F3935-93C4-4BCD-93E2-E3B085C9AB24}">
-                <p16:designElem xmlns:p16="http://schemas.microsoft.com/office/powerpoint/2015/main" val="1"/>
-              </p:ext>
-            </p:extLst>
-          </p:nvPr>
-        </p:nvSpPr>
-        <p:spPr>
-          <a:xfrm>
-            <a:off x="1" y="0"/>
-            <a:ext cx="6082110" cy="6858000"/>
-          </a:xfrm>
-          <a:prstGeom prst="rect">
-            <a:avLst/>
-          </a:prstGeom>
-          <a:ln>
-            <a:noFill/>
-          </a:ln>
-        </p:spPr>
-        <p:style>
-          <a:lnRef idx="2">
-            <a:schemeClr val="accent1">
-              <a:shade val="50000"/>
-            </a:schemeClr>
-          </a:lnRef>
-          <a:fillRef idx="1">
-            <a:schemeClr val="accent1"/>
-          </a:fillRef>
-          <a:effectRef idx="0">
-            <a:schemeClr val="accent1"/>
-          </a:effectRef>
-          <a:fontRef idx="minor">
-            <a:schemeClr val="lt1"/>
-          </a:fontRef>
-        </p:style>
-        <p:txBody>
-          <a:bodyPr rtlCol="0" anchor="ctr"/>
-          <a:lstStyle/>
-          <a:p>
-            <a:pPr algn="ctr"/>
-            <a:endParaRPr lang="en-US"/>
-          </a:p>
-        </p:txBody>
-      </p:sp>
-      <p:sp>
-        <p:nvSpPr>
-          <p:cNvPr id="21" name="Rectangle 20">
-            <a:extLst>
-              <a:ext uri="{FF2B5EF4-FFF2-40B4-BE49-F238E27FC236}">
-                <a16:creationId xmlns:a16="http://schemas.microsoft.com/office/drawing/2014/main" id="{B4F5FA0D-0104-4987-8241-EFF7C85B88DE}"/>
-              </a:ext>
-              <a:ext uri="{C183D7F6-B498-43B3-948B-1728B52AA6E4}">
-                <adec:decorative xmlns:adec="http://schemas.microsoft.com/office/drawing/2017/decorative" val="1"/>
-              </a:ext>
-            </a:extLst>
-          </p:cNvPr>
-          <p:cNvSpPr>
-            <a:spLocks noGrp="1" noRot="1" noChangeAspect="1" noMove="1" noResize="1" noEditPoints="1" noAdjustHandles="1" noChangeArrowheads="1" noChangeShapeType="1" noTextEdit="1"/>
-          </p:cNvSpPr>
-          <p:nvPr>
-            <p:extLst>
-              <p:ext uri="{386F3935-93C4-4BCD-93E2-E3B085C9AB24}">
-                <p16:designElem xmlns:p16="http://schemas.microsoft.com/office/powerpoint/2015/main" val="1"/>
-              </p:ext>
-            </p:extLst>
-          </p:nvPr>
-        </p:nvSpPr>
-        <p:spPr>
-          <a:xfrm>
-            <a:off x="1" y="0"/>
-            <a:ext cx="12191998" cy="6858000"/>
+            <a:ext cx="12192000" cy="3032449"/>
           </a:xfrm>
           <a:prstGeom prst="rect">
             <a:avLst/>
@@ -19152,7 +19292,7 @@
           <p:cNvPr id="23" name="Picture 22">
             <a:extLst>
               <a:ext uri="{FF2B5EF4-FFF2-40B4-BE49-F238E27FC236}">
-                <a16:creationId xmlns:a16="http://schemas.microsoft.com/office/drawing/2014/main" id="{2897127E-6CEF-446C-BE87-93B7C46E49D1}"/>
+                <a16:creationId xmlns:a16="http://schemas.microsoft.com/office/drawing/2014/main" id="{4FDAB746-A9A3-4EC2-8997-5EB71BC96424}"/>
               </a:ext>
               <a:ext uri="{C183D7F6-B498-43B3-948B-1728B52AA6E4}">
                 <adec:decorative xmlns:adec="http://schemas.microsoft.com/office/drawing/2017/decorative" val="1"/>
@@ -19170,7 +19310,7 @@
             </p:extLst>
           </p:nvPr>
         </p:nvPicPr>
-        <p:blipFill>
+        <p:blipFill rotWithShape="1">
           <a:blip r:embed="rId2">
             <a:extLst>
               <a:ext uri="{28A0092B-C50C-407E-A947-70E740481C1C}">
@@ -19178,18 +19318,60 @@
               </a:ext>
             </a:extLst>
           </a:blip>
-          <a:stretch>
-            <a:fillRect/>
-          </a:stretch>
+          <a:srcRect t="45716" b="33968"/>
+          <a:stretch/>
         </p:blipFill>
         <p:spPr>
           <a:xfrm>
-            <a:off x="0" y="0"/>
-            <a:ext cx="12192000" cy="6858000"/>
+            <a:off x="0" y="1584458"/>
+            <a:ext cx="12192000" cy="1393277"/>
           </a:xfrm>
-          <a:prstGeom prst="rect">
+          <a:custGeom>
             <a:avLst/>
-          </a:prstGeom>
+            <a:gdLst>
+              <a:gd name="connsiteX0" fmla="*/ 0 w 12192000"/>
+              <a:gd name="connsiteY0" fmla="*/ 0 h 3049325"/>
+              <a:gd name="connsiteX1" fmla="*/ 12192000 w 12192000"/>
+              <a:gd name="connsiteY1" fmla="*/ 0 h 3049325"/>
+              <a:gd name="connsiteX2" fmla="*/ 12192000 w 12192000"/>
+              <a:gd name="connsiteY2" fmla="*/ 3049325 h 3049325"/>
+              <a:gd name="connsiteX3" fmla="*/ 0 w 12192000"/>
+              <a:gd name="connsiteY3" fmla="*/ 3049325 h 3049325"/>
+            </a:gdLst>
+            <a:ahLst/>
+            <a:cxnLst>
+              <a:cxn ang="0">
+                <a:pos x="connsiteX0" y="connsiteY0"/>
+              </a:cxn>
+              <a:cxn ang="0">
+                <a:pos x="connsiteX1" y="connsiteY1"/>
+              </a:cxn>
+              <a:cxn ang="0">
+                <a:pos x="connsiteX2" y="connsiteY2"/>
+              </a:cxn>
+              <a:cxn ang="0">
+                <a:pos x="connsiteX3" y="connsiteY3"/>
+              </a:cxn>
+            </a:cxnLst>
+            <a:rect l="l" t="t" r="r" b="b"/>
+            <a:pathLst>
+              <a:path w="12192000" h="3049325">
+                <a:moveTo>
+                  <a:pt x="0" y="0"/>
+                </a:moveTo>
+                <a:lnTo>
+                  <a:pt x="12192000" y="0"/>
+                </a:lnTo>
+                <a:lnTo>
+                  <a:pt x="12192000" y="3049325"/>
+                </a:lnTo>
+                <a:lnTo>
+                  <a:pt x="0" y="3049325"/>
+                </a:lnTo>
+                <a:close/>
+              </a:path>
+            </a:pathLst>
+          </a:custGeom>
         </p:spPr>
       </p:pic>
       <p:sp>
@@ -19197,7 +19379,7 @@
           <p:cNvPr id="2" name="Title 1">
             <a:extLst>
               <a:ext uri="{FF2B5EF4-FFF2-40B4-BE49-F238E27FC236}">
-                <a16:creationId xmlns:a16="http://schemas.microsoft.com/office/drawing/2014/main" id="{29C2C0E9-3B5F-4EA5-9CEE-480F5C0D8EF3}"/>
+                <a16:creationId xmlns:a16="http://schemas.microsoft.com/office/drawing/2014/main" id="{9D09FB32-3CB5-49AD-B42A-8E640800B7C1}"/>
               </a:ext>
             </a:extLst>
           </p:cNvPr>
@@ -19210,33 +19392,33 @@
         </p:nvSpPr>
         <p:spPr>
           <a:xfrm>
-            <a:off x="640079" y="2053641"/>
-            <a:ext cx="3669161" cy="2760098"/>
+            <a:off x="804672" y="338328"/>
+            <a:ext cx="5011473" cy="1773936"/>
           </a:xfrm>
         </p:spPr>
         <p:txBody>
-          <a:bodyPr>
+          <a:bodyPr vert="horz" lIns="91440" tIns="45720" rIns="91440" bIns="45720" rtlCol="0" anchor="ctr">
             <a:normAutofit/>
           </a:bodyPr>
           <a:lstStyle/>
           <a:p>
             <a:r>
-              <a:rPr lang="en-US" b="1">
+              <a:rPr lang="en-US" sz="4000">
                 <a:solidFill>
                   <a:srgbClr val="FFFFFF"/>
                 </a:solidFill>
               </a:rPr>
-              <a:t>Objective</a:t>
+              <a:t>Website</a:t>
             </a:r>
           </a:p>
         </p:txBody>
       </p:sp>
       <p:sp>
         <p:nvSpPr>
-          <p:cNvPr id="3" name="Content Placeholder 2">
+          <p:cNvPr id="11" name="Content Placeholder 10">
             <a:extLst>
               <a:ext uri="{FF2B5EF4-FFF2-40B4-BE49-F238E27FC236}">
-                <a16:creationId xmlns:a16="http://schemas.microsoft.com/office/drawing/2014/main" id="{5F0897F5-8E36-4D04-AB1D-CF504F92C3D7}"/>
+                <a16:creationId xmlns:a16="http://schemas.microsoft.com/office/drawing/2014/main" id="{16E1F74D-5D37-468C-A5A2-8E20C23E9ECE}"/>
               </a:ext>
             </a:extLst>
           </p:cNvPr>
@@ -19244,36 +19426,179 @@
             <a:spLocks noGrp="1"/>
           </p:cNvSpPr>
           <p:nvPr>
-            <p:ph idx="1"/>
+            <p:ph sz="half" idx="1"/>
           </p:nvPr>
         </p:nvSpPr>
         <p:spPr>
           <a:xfrm>
-            <a:off x="6090574" y="801866"/>
-            <a:ext cx="5306084" cy="5230634"/>
+            <a:off x="6355641" y="338328"/>
+            <a:ext cx="5029200" cy="1773936"/>
           </a:xfrm>
         </p:spPr>
         <p:txBody>
-          <a:bodyPr anchor="ctr">
+          <a:bodyPr vert="horz" lIns="91440" tIns="45720" rIns="91440" bIns="45720" rtlCol="0" anchor="ctr">
             <a:normAutofit/>
           </a:bodyPr>
           <a:lstStyle/>
           <a:p>
             <a:r>
-              <a:rPr lang="en-US" sz="2400" dirty="0">
+              <a:rPr lang="en-US" sz="1800">
                 <a:solidFill>
-                  <a:srgbClr val="000000"/>
+                  <a:srgbClr val="FFFFFF"/>
                 </a:solidFill>
               </a:rPr>
-              <a:t>The objective of this project is to utilize machine learning concepts to try to predict the probable outcome of UFC fights based on historical data.</a:t>
+              <a:t>Created website to store data scraped.</a:t>
+            </a:r>
+          </a:p>
+          <a:p>
+            <a:r>
+              <a:rPr lang="en-US" sz="1800">
+                <a:solidFill>
+                  <a:srgbClr val="FFFFFF"/>
+                </a:solidFill>
+              </a:rPr>
+              <a:t>HTML/CSS</a:t>
+            </a:r>
+          </a:p>
+          <a:p>
+            <a:r>
+              <a:rPr lang="en-US" sz="1800">
+                <a:solidFill>
+                  <a:srgbClr val="FFFFFF"/>
+                </a:solidFill>
+              </a:rPr>
+              <a:t>JS</a:t>
             </a:r>
           </a:p>
         </p:txBody>
       </p:sp>
+      <p:sp>
+        <p:nvSpPr>
+          <p:cNvPr id="25" name="Rectangle 24">
+            <a:extLst>
+              <a:ext uri="{FF2B5EF4-FFF2-40B4-BE49-F238E27FC236}">
+                <a16:creationId xmlns:a16="http://schemas.microsoft.com/office/drawing/2014/main" id="{091C9E05-1ED5-4438-8E0F-38219974999F}"/>
+              </a:ext>
+              <a:ext uri="{C183D7F6-B498-43B3-948B-1728B52AA6E4}">
+                <adec:decorative xmlns:adec="http://schemas.microsoft.com/office/drawing/2017/decorative" val="1"/>
+              </a:ext>
+            </a:extLst>
+          </p:cNvPr>
+          <p:cNvSpPr>
+            <a:spLocks noGrp="1" noRot="1" noChangeAspect="1" noMove="1" noResize="1" noEditPoints="1" noAdjustHandles="1" noChangeArrowheads="1" noChangeShapeType="1" noTextEdit="1"/>
+          </p:cNvSpPr>
+          <p:nvPr>
+            <p:extLst>
+              <p:ext uri="{386F3935-93C4-4BCD-93E2-E3B085C9AB24}">
+                <p16:designElem xmlns:p16="http://schemas.microsoft.com/office/powerpoint/2015/main" val="1"/>
+              </p:ext>
+            </p:extLst>
+          </p:nvPr>
+        </p:nvSpPr>
+        <p:spPr>
+          <a:xfrm flipV="1">
+            <a:off x="0" y="2805364"/>
+            <a:ext cx="12188952" cy="4052636"/>
+          </a:xfrm>
+          <a:prstGeom prst="rect">
+            <a:avLst/>
+          </a:prstGeom>
+          <a:solidFill>
+            <a:srgbClr val="FFFFFF"/>
+          </a:solidFill>
+          <a:ln>
+            <a:noFill/>
+          </a:ln>
+        </p:spPr>
+        <p:style>
+          <a:lnRef idx="2">
+            <a:schemeClr val="accent1">
+              <a:shade val="50000"/>
+            </a:schemeClr>
+          </a:lnRef>
+          <a:fillRef idx="1">
+            <a:schemeClr val="accent1"/>
+          </a:fillRef>
+          <a:effectRef idx="0">
+            <a:schemeClr val="accent1"/>
+          </a:effectRef>
+          <a:fontRef idx="minor">
+            <a:schemeClr val="lt1"/>
+          </a:fontRef>
+        </p:style>
+        <p:txBody>
+          <a:bodyPr rtlCol="0" anchor="ctr"/>
+          <a:lstStyle/>
+          <a:p>
+            <a:pPr algn="ctr"/>
+            <a:endParaRPr lang="en-US"/>
+          </a:p>
+        </p:txBody>
+      </p:sp>
+      <p:pic>
+        <p:nvPicPr>
+          <p:cNvPr id="7" name="Content Placeholder 6">
+            <a:extLst>
+              <a:ext uri="{FF2B5EF4-FFF2-40B4-BE49-F238E27FC236}">
+                <a16:creationId xmlns:a16="http://schemas.microsoft.com/office/drawing/2014/main" id="{23C9C946-B88F-4ED7-AF80-29ACEC6D1522}"/>
+              </a:ext>
+            </a:extLst>
+          </p:cNvPr>
+          <p:cNvPicPr>
+            <a:picLocks noGrp="1" noChangeAspect="1"/>
+          </p:cNvPicPr>
+          <p:nvPr>
+            <p:ph sz="half" idx="2"/>
+          </p:nvPr>
+        </p:nvPicPr>
+        <p:blipFill rotWithShape="1">
+          <a:blip r:embed="rId3"/>
+          <a:srcRect r="6917" b="1"/>
+          <a:stretch/>
+        </p:blipFill>
+        <p:spPr>
+          <a:xfrm>
+            <a:off x="669999" y="3261815"/>
+            <a:ext cx="5166360" cy="2650228"/>
+          </a:xfrm>
+          <a:prstGeom prst="rect">
+            <a:avLst/>
+          </a:prstGeom>
+        </p:spPr>
+      </p:pic>
+      <p:pic>
+        <p:nvPicPr>
+          <p:cNvPr id="6" name="Content Placeholder 5">
+            <a:extLst>
+              <a:ext uri="{FF2B5EF4-FFF2-40B4-BE49-F238E27FC236}">
+                <a16:creationId xmlns:a16="http://schemas.microsoft.com/office/drawing/2014/main" id="{5069811B-5F87-4860-B1BF-9E5673A04D36}"/>
+              </a:ext>
+            </a:extLst>
+          </p:cNvPr>
+          <p:cNvPicPr>
+            <a:picLocks noChangeAspect="1"/>
+          </p:cNvPicPr>
+          <p:nvPr/>
+        </p:nvPicPr>
+        <p:blipFill rotWithShape="1">
+          <a:blip r:embed="rId4"/>
+          <a:srcRect r="-2" b="11771"/>
+          <a:stretch/>
+        </p:blipFill>
+        <p:spPr>
+          <a:xfrm>
+            <a:off x="6355641" y="3544255"/>
+            <a:ext cx="5166360" cy="2085347"/>
+          </a:xfrm>
+          <a:prstGeom prst="rect">
+            <a:avLst/>
+          </a:prstGeom>
+        </p:spPr>
+      </p:pic>
     </p:spTree>
     <p:extLst>
       <p:ext uri="{BB962C8B-B14F-4D97-AF65-F5344CB8AC3E}">
-        <p14:creationId xmlns:p14="http://schemas.microsoft.com/office/powerpoint/2010/main" val="178053589"/>
+        <p14:creationId xmlns:p14="http://schemas.microsoft.com/office/powerpoint/2010/main" val="4251861563"/>
       </p:ext>
     </p:extLst>
   </p:cSld>
@@ -19283,7 +19608,439 @@
 </p:sld>
 </file>
 
-<file path=ppt/slides/slide20.xml><?xml version="1.0" encoding="utf-8"?>
+<file path=ppt/slides/slide21.xml><?xml version="1.0" encoding="utf-8"?>
+<p:sld xmlns:a="http://schemas.openxmlformats.org/drawingml/2006/main" xmlns:r="http://schemas.openxmlformats.org/officeDocument/2006/relationships" xmlns:p="http://schemas.openxmlformats.org/presentationml/2006/main">
+  <p:cSld>
+    <p:bg>
+      <p:bgPr>
+        <a:solidFill>
+          <a:schemeClr val="bg1"/>
+        </a:solidFill>
+        <a:effectLst/>
+      </p:bgPr>
+    </p:bg>
+    <p:spTree>
+      <p:nvGrpSpPr>
+        <p:cNvPr id="1" name=""/>
+        <p:cNvGrpSpPr/>
+        <p:nvPr/>
+      </p:nvGrpSpPr>
+      <p:grpSpPr>
+        <a:xfrm>
+          <a:off x="0" y="0"/>
+          <a:ext cx="0" cy="0"/>
+          <a:chOff x="0" y="0"/>
+          <a:chExt cx="0" cy="0"/>
+        </a:xfrm>
+      </p:grpSpPr>
+      <p:sp>
+        <p:nvSpPr>
+          <p:cNvPr id="10" name="Rectangle 9">
+            <a:extLst>
+              <a:ext uri="{FF2B5EF4-FFF2-40B4-BE49-F238E27FC236}">
+                <a16:creationId xmlns:a16="http://schemas.microsoft.com/office/drawing/2014/main" id="{2B566528-1B12-4246-9431-5C2D7D081168}"/>
+              </a:ext>
+              <a:ext uri="{C183D7F6-B498-43B3-948B-1728B52AA6E4}">
+                <adec:decorative xmlns:adec="http://schemas.microsoft.com/office/drawing/2017/decorative" val="1"/>
+              </a:ext>
+            </a:extLst>
+          </p:cNvPr>
+          <p:cNvSpPr>
+            <a:spLocks noGrp="1" noRot="1" noChangeAspect="1" noMove="1" noResize="1" noEditPoints="1" noAdjustHandles="1" noChangeArrowheads="1" noChangeShapeType="1" noTextEdit="1"/>
+          </p:cNvSpPr>
+          <p:nvPr>
+            <p:extLst>
+              <p:ext uri="{386F3935-93C4-4BCD-93E2-E3B085C9AB24}">
+                <p16:designElem xmlns:p16="http://schemas.microsoft.com/office/powerpoint/2015/main" val="1"/>
+              </p:ext>
+            </p:extLst>
+          </p:nvPr>
+        </p:nvSpPr>
+        <p:spPr>
+          <a:xfrm>
+            <a:off x="0" y="0"/>
+            <a:ext cx="12192000" cy="6858000"/>
+          </a:xfrm>
+          <a:prstGeom prst="rect">
+            <a:avLst/>
+          </a:prstGeom>
+          <a:solidFill>
+            <a:schemeClr val="bg1"/>
+          </a:solidFill>
+          <a:ln>
+            <a:noFill/>
+          </a:ln>
+        </p:spPr>
+        <p:style>
+          <a:lnRef idx="2">
+            <a:schemeClr val="accent1">
+              <a:shade val="50000"/>
+            </a:schemeClr>
+          </a:lnRef>
+          <a:fillRef idx="1">
+            <a:schemeClr val="accent1"/>
+          </a:fillRef>
+          <a:effectRef idx="0">
+            <a:schemeClr val="accent1"/>
+          </a:effectRef>
+          <a:fontRef idx="minor">
+            <a:schemeClr val="lt1"/>
+          </a:fontRef>
+        </p:style>
+        <p:txBody>
+          <a:bodyPr rtlCol="0" anchor="ctr"/>
+          <a:lstStyle/>
+          <a:p>
+            <a:pPr algn="ctr"/>
+            <a:endParaRPr lang="en-US" dirty="0"/>
+          </a:p>
+        </p:txBody>
+      </p:sp>
+      <p:sp>
+        <p:nvSpPr>
+          <p:cNvPr id="2" name="Title 1">
+            <a:extLst>
+              <a:ext uri="{FF2B5EF4-FFF2-40B4-BE49-F238E27FC236}">
+                <a16:creationId xmlns:a16="http://schemas.microsoft.com/office/drawing/2014/main" id="{0214BB0D-509F-49EC-A524-16E5483FE5CF}"/>
+              </a:ext>
+            </a:extLst>
+          </p:cNvPr>
+          <p:cNvSpPr>
+            <a:spLocks noGrp="1"/>
+          </p:cNvSpPr>
+          <p:nvPr>
+            <p:ph type="title"/>
+          </p:nvPr>
+        </p:nvSpPr>
+        <p:spPr>
+          <a:xfrm>
+            <a:off x="643467" y="321734"/>
+            <a:ext cx="10905066" cy="1135737"/>
+          </a:xfrm>
+        </p:spPr>
+        <p:txBody>
+          <a:bodyPr>
+            <a:normAutofit/>
+          </a:bodyPr>
+          <a:lstStyle/>
+          <a:p>
+            <a:r>
+              <a:rPr lang="en-US" sz="3600" b="1"/>
+              <a:t>Final Analysis - ML</a:t>
+            </a:r>
+            <a:endParaRPr lang="en-US" sz="3600"/>
+          </a:p>
+        </p:txBody>
+      </p:sp>
+      <p:sp>
+        <p:nvSpPr>
+          <p:cNvPr id="12" name="Rectangle 11">
+            <a:extLst>
+              <a:ext uri="{FF2B5EF4-FFF2-40B4-BE49-F238E27FC236}">
+                <a16:creationId xmlns:a16="http://schemas.microsoft.com/office/drawing/2014/main" id="{2E80C965-DB6D-4F81-9E9E-B027384D0BD6}"/>
+              </a:ext>
+              <a:ext uri="{C183D7F6-B498-43B3-948B-1728B52AA6E4}">
+                <adec:decorative xmlns:adec="http://schemas.microsoft.com/office/drawing/2017/decorative" val="1"/>
+              </a:ext>
+            </a:extLst>
+          </p:cNvPr>
+          <p:cNvSpPr>
+            <a:spLocks noGrp="1" noRot="1" noChangeAspect="1" noMove="1" noResize="1" noEditPoints="1" noAdjustHandles="1" noChangeArrowheads="1" noChangeShapeType="1" noTextEdit="1"/>
+          </p:cNvSpPr>
+          <p:nvPr>
+            <p:extLst>
+              <p:ext uri="{386F3935-93C4-4BCD-93E2-E3B085C9AB24}">
+                <p16:designElem xmlns:p16="http://schemas.microsoft.com/office/powerpoint/2015/main" val="1"/>
+              </p:ext>
+            </p:extLst>
+          </p:nvPr>
+        </p:nvSpPr>
+        <p:spPr>
+          <a:xfrm rot="2700000">
+            <a:off x="11052629" y="2120024"/>
+            <a:ext cx="645368" cy="645368"/>
+          </a:xfrm>
+          <a:prstGeom prst="rect">
+            <a:avLst/>
+          </a:prstGeom>
+          <a:solidFill>
+            <a:schemeClr val="accent4">
+              <a:alpha val="30000"/>
+            </a:schemeClr>
+          </a:solidFill>
+          <a:ln>
+            <a:noFill/>
+          </a:ln>
+        </p:spPr>
+        <p:style>
+          <a:lnRef idx="2">
+            <a:schemeClr val="accent1">
+              <a:shade val="50000"/>
+            </a:schemeClr>
+          </a:lnRef>
+          <a:fillRef idx="1">
+            <a:schemeClr val="accent1"/>
+          </a:fillRef>
+          <a:effectRef idx="0">
+            <a:schemeClr val="accent1"/>
+          </a:effectRef>
+          <a:fontRef idx="minor">
+            <a:schemeClr val="lt1"/>
+          </a:fontRef>
+        </p:style>
+        <p:txBody>
+          <a:bodyPr rtlCol="0" anchor="ctr"/>
+          <a:lstStyle/>
+          <a:p>
+            <a:pPr algn="ctr"/>
+            <a:endParaRPr lang="en-US"/>
+          </a:p>
+        </p:txBody>
+      </p:sp>
+      <p:sp>
+        <p:nvSpPr>
+          <p:cNvPr id="14" name="Isosceles Triangle 13">
+            <a:extLst>
+              <a:ext uri="{FF2B5EF4-FFF2-40B4-BE49-F238E27FC236}">
+                <a16:creationId xmlns:a16="http://schemas.microsoft.com/office/drawing/2014/main" id="{A580F890-B085-4E95-96AA-55AEBEC5CE6E}"/>
+              </a:ext>
+              <a:ext uri="{C183D7F6-B498-43B3-948B-1728B52AA6E4}">
+                <adec:decorative xmlns:adec="http://schemas.microsoft.com/office/drawing/2017/decorative" val="1"/>
+              </a:ext>
+            </a:extLst>
+          </p:cNvPr>
+          <p:cNvSpPr>
+            <a:spLocks noGrp="1" noRot="1" noChangeAspect="1" noMove="1" noResize="1" noEditPoints="1" noAdjustHandles="1" noChangeArrowheads="1" noChangeShapeType="1" noTextEdit="1"/>
+          </p:cNvSpPr>
+          <p:nvPr>
+            <p:extLst>
+              <p:ext uri="{386F3935-93C4-4BCD-93E2-E3B085C9AB24}">
+                <p16:designElem xmlns:p16="http://schemas.microsoft.com/office/powerpoint/2015/main" val="1"/>
+              </p:ext>
+            </p:extLst>
+          </p:nvPr>
+        </p:nvSpPr>
+        <p:spPr>
+          <a:xfrm rot="16200000">
+            <a:off x="10289068" y="1343027"/>
+            <a:ext cx="2532832" cy="1273032"/>
+          </a:xfrm>
+          <a:prstGeom prst="triangle">
+            <a:avLst>
+              <a:gd name="adj" fmla="val 50000"/>
+            </a:avLst>
+          </a:prstGeom>
+          <a:solidFill>
+            <a:schemeClr val="accent4">
+              <a:alpha val="30000"/>
+            </a:schemeClr>
+          </a:solidFill>
+          <a:ln>
+            <a:noFill/>
+          </a:ln>
+        </p:spPr>
+        <p:style>
+          <a:lnRef idx="2">
+            <a:schemeClr val="accent1">
+              <a:shade val="50000"/>
+            </a:schemeClr>
+          </a:lnRef>
+          <a:fillRef idx="1">
+            <a:schemeClr val="accent1"/>
+          </a:fillRef>
+          <a:effectRef idx="0">
+            <a:schemeClr val="accent1"/>
+          </a:effectRef>
+          <a:fontRef idx="minor">
+            <a:schemeClr val="lt1"/>
+          </a:fontRef>
+        </p:style>
+        <p:txBody>
+          <a:bodyPr rtlCol="0" anchor="ctr"/>
+          <a:lstStyle/>
+          <a:p>
+            <a:pPr algn="ctr"/>
+            <a:endParaRPr lang="en-US"/>
+          </a:p>
+        </p:txBody>
+      </p:sp>
+      <p:sp>
+        <p:nvSpPr>
+          <p:cNvPr id="16" name="Isosceles Triangle 15">
+            <a:extLst>
+              <a:ext uri="{FF2B5EF4-FFF2-40B4-BE49-F238E27FC236}">
+                <a16:creationId xmlns:a16="http://schemas.microsoft.com/office/drawing/2014/main" id="{D3F51FEB-38FB-4F6C-9F7B-2F2AFAB65463}"/>
+              </a:ext>
+              <a:ext uri="{C183D7F6-B498-43B3-948B-1728B52AA6E4}">
+                <adec:decorative xmlns:adec="http://schemas.microsoft.com/office/drawing/2017/decorative" val="1"/>
+              </a:ext>
+            </a:extLst>
+          </p:cNvPr>
+          <p:cNvSpPr>
+            <a:spLocks noGrp="1" noRot="1" noChangeAspect="1" noMove="1" noResize="1" noEditPoints="1" noAdjustHandles="1" noChangeArrowheads="1" noChangeShapeType="1" noTextEdit="1"/>
+          </p:cNvSpPr>
+          <p:nvPr>
+            <p:extLst>
+              <p:ext uri="{386F3935-93C4-4BCD-93E2-E3B085C9AB24}">
+                <p16:designElem xmlns:p16="http://schemas.microsoft.com/office/powerpoint/2015/main" val="1"/>
+              </p:ext>
+            </p:extLst>
+          </p:nvPr>
+        </p:nvSpPr>
+        <p:spPr>
+          <a:xfrm rot="5400000">
+            <a:off x="-501760" y="5103257"/>
+            <a:ext cx="2017580" cy="1014060"/>
+          </a:xfrm>
+          <a:prstGeom prst="triangle">
+            <a:avLst>
+              <a:gd name="adj" fmla="val 50000"/>
+            </a:avLst>
+          </a:prstGeom>
+          <a:solidFill>
+            <a:schemeClr val="accent1">
+              <a:alpha val="30000"/>
+            </a:schemeClr>
+          </a:solidFill>
+          <a:ln>
+            <a:noFill/>
+          </a:ln>
+        </p:spPr>
+        <p:style>
+          <a:lnRef idx="2">
+            <a:schemeClr val="accent1">
+              <a:shade val="50000"/>
+            </a:schemeClr>
+          </a:lnRef>
+          <a:fillRef idx="1">
+            <a:schemeClr val="accent1"/>
+          </a:fillRef>
+          <a:effectRef idx="0">
+            <a:schemeClr val="accent1"/>
+          </a:effectRef>
+          <a:fontRef idx="minor">
+            <a:schemeClr val="lt1"/>
+          </a:fontRef>
+        </p:style>
+        <p:txBody>
+          <a:bodyPr rtlCol="0" anchor="ctr"/>
+          <a:lstStyle/>
+          <a:p>
+            <a:pPr algn="ctr"/>
+            <a:endParaRPr lang="en-US"/>
+          </a:p>
+        </p:txBody>
+      </p:sp>
+      <p:sp>
+        <p:nvSpPr>
+          <p:cNvPr id="18" name="Rectangle 17">
+            <a:extLst>
+              <a:ext uri="{FF2B5EF4-FFF2-40B4-BE49-F238E27FC236}">
+                <a16:creationId xmlns:a16="http://schemas.microsoft.com/office/drawing/2014/main" id="{1E547BA6-BAE0-43BB-A7CA-60F69CE252F0}"/>
+              </a:ext>
+              <a:ext uri="{C183D7F6-B498-43B3-948B-1728B52AA6E4}">
+                <adec:decorative xmlns:adec="http://schemas.microsoft.com/office/drawing/2017/decorative" val="1"/>
+              </a:ext>
+            </a:extLst>
+          </p:cNvPr>
+          <p:cNvSpPr>
+            <a:spLocks noGrp="1" noRot="1" noChangeAspect="1" noMove="1" noResize="1" noEditPoints="1" noAdjustHandles="1" noChangeArrowheads="1" noChangeShapeType="1" noTextEdit="1"/>
+          </p:cNvSpPr>
+          <p:nvPr>
+            <p:extLst>
+              <p:ext uri="{386F3935-93C4-4BCD-93E2-E3B085C9AB24}">
+                <p16:designElem xmlns:p16="http://schemas.microsoft.com/office/powerpoint/2015/main" val="1"/>
+              </p:ext>
+            </p:extLst>
+          </p:nvPr>
+        </p:nvSpPr>
+        <p:spPr>
+          <a:xfrm rot="2700000">
+            <a:off x="427916" y="5728708"/>
+            <a:ext cx="485578" cy="485578"/>
+          </a:xfrm>
+          <a:prstGeom prst="rect">
+            <a:avLst/>
+          </a:prstGeom>
+          <a:solidFill>
+            <a:schemeClr val="accent1">
+              <a:alpha val="30000"/>
+            </a:schemeClr>
+          </a:solidFill>
+          <a:ln>
+            <a:noFill/>
+          </a:ln>
+        </p:spPr>
+        <p:style>
+          <a:lnRef idx="2">
+            <a:schemeClr val="accent1">
+              <a:shade val="50000"/>
+            </a:schemeClr>
+          </a:lnRef>
+          <a:fillRef idx="1">
+            <a:schemeClr val="accent1"/>
+          </a:fillRef>
+          <a:effectRef idx="0">
+            <a:schemeClr val="accent1"/>
+          </a:effectRef>
+          <a:fontRef idx="minor">
+            <a:schemeClr val="lt1"/>
+          </a:fontRef>
+        </p:style>
+        <p:txBody>
+          <a:bodyPr rtlCol="0" anchor="ctr"/>
+          <a:lstStyle/>
+          <a:p>
+            <a:pPr algn="ctr"/>
+            <a:endParaRPr lang="en-US"/>
+          </a:p>
+        </p:txBody>
+      </p:sp>
+      <p:graphicFrame>
+        <p:nvGraphicFramePr>
+          <p:cNvPr id="5" name="Content Placeholder 2">
+            <a:extLst>
+              <a:ext uri="{FF2B5EF4-FFF2-40B4-BE49-F238E27FC236}">
+                <a16:creationId xmlns:a16="http://schemas.microsoft.com/office/drawing/2014/main" id="{BC39F955-2ECE-4B34-9E79-3C5CBC07A0DE}"/>
+              </a:ext>
+            </a:extLst>
+          </p:cNvPr>
+          <p:cNvGraphicFramePr>
+            <a:graphicFrameLocks noGrp="1"/>
+          </p:cNvGraphicFramePr>
+          <p:nvPr>
+            <p:ph idx="1"/>
+            <p:extLst>
+              <p:ext uri="{D42A27DB-BD31-4B8C-83A1-F6EECF244321}">
+                <p14:modId xmlns:p14="http://schemas.microsoft.com/office/powerpoint/2010/main" val="102192909"/>
+              </p:ext>
+            </p:extLst>
+          </p:nvPr>
+        </p:nvGraphicFramePr>
+        <p:xfrm>
+          <a:off x="838200" y="1825625"/>
+          <a:ext cx="10515600" cy="4351338"/>
+        </p:xfrm>
+        <a:graphic>
+          <a:graphicData uri="http://schemas.openxmlformats.org/drawingml/2006/diagram">
+            <dgm:relIds xmlns:dgm="http://schemas.openxmlformats.org/drawingml/2006/diagram" xmlns:r="http://schemas.openxmlformats.org/officeDocument/2006/relationships" r:dm="rId2" r:lo="rId3" r:qs="rId4" r:cs="rId5"/>
+          </a:graphicData>
+        </a:graphic>
+      </p:graphicFrame>
+    </p:spTree>
+    <p:extLst>
+      <p:ext uri="{BB962C8B-B14F-4D97-AF65-F5344CB8AC3E}">
+        <p14:creationId xmlns:p14="http://schemas.microsoft.com/office/powerpoint/2010/main" val="1409933813"/>
+      </p:ext>
+    </p:extLst>
+  </p:cSld>
+  <p:clrMapOvr>
+    <a:masterClrMapping/>
+  </p:clrMapOvr>
+</p:sld>
+</file>
+
+<file path=ppt/slides/slide22.xml><?xml version="1.0" encoding="utf-8"?>
 <p:sld xmlns:a="http://schemas.openxmlformats.org/drawingml/2006/main" xmlns:r="http://schemas.openxmlformats.org/officeDocument/2006/relationships" xmlns:p="http://schemas.openxmlformats.org/presentationml/2006/main">
   <p:cSld>
     <p:bg>
@@ -19482,7 +20239,7 @@
 </p:sld>
 </file>
 
-<file path=ppt/slides/slide21.xml><?xml version="1.0" encoding="utf-8"?>
+<file path=ppt/slides/slide23.xml><?xml version="1.0" encoding="utf-8"?>
 <p:sld xmlns:a="http://schemas.openxmlformats.org/drawingml/2006/main" xmlns:r="http://schemas.openxmlformats.org/officeDocument/2006/relationships" xmlns:p="http://schemas.openxmlformats.org/presentationml/2006/main">
   <p:cSld>
     <p:bg>
@@ -19794,7 +20551,7 @@
 </p:sld>
 </file>
 
-<file path=ppt/slides/slide22.xml><?xml version="1.0" encoding="utf-8"?>
+<file path=ppt/slides/slide24.xml><?xml version="1.0" encoding="utf-8"?>
 <p:sld xmlns:a="http://schemas.openxmlformats.org/drawingml/2006/main" xmlns:r="http://schemas.openxmlformats.org/officeDocument/2006/relationships" xmlns:p="http://schemas.openxmlformats.org/presentationml/2006/main">
   <p:cSld>
     <p:bg>
@@ -20459,7 +21216,7 @@
 </p:sld>
 </file>
 
-<file path=ppt/slides/slide23.xml><?xml version="1.0" encoding="utf-8"?>
+<file path=ppt/slides/slide25.xml><?xml version="1.0" encoding="utf-8"?>
 <p:sld xmlns:a="http://schemas.openxmlformats.org/drawingml/2006/main" xmlns:r="http://schemas.openxmlformats.org/officeDocument/2006/relationships" xmlns:p="http://schemas.openxmlformats.org/presentationml/2006/main">
   <p:cSld>
     <p:spTree>
@@ -20861,7 +21618,7 @@
 </p:sld>
 </file>
 
-<file path=ppt/slides/slide24.xml><?xml version="1.0" encoding="utf-8"?>
+<file path=ppt/slides/slide26.xml><?xml version="1.0" encoding="utf-8"?>
 <p:sld xmlns:a="http://schemas.openxmlformats.org/drawingml/2006/main" xmlns:r="http://schemas.openxmlformats.org/officeDocument/2006/relationships" xmlns:p="http://schemas.openxmlformats.org/presentationml/2006/main">
   <p:cSld>
     <p:bg>
@@ -23592,10 +24349,10 @@
       </p:grpSpPr>
       <p:sp>
         <p:nvSpPr>
-          <p:cNvPr id="14" name="Rectangle 13">
+          <p:cNvPr id="10" name="Rectangle 9">
             <a:extLst>
               <a:ext uri="{FF2B5EF4-FFF2-40B4-BE49-F238E27FC236}">
-                <a16:creationId xmlns:a16="http://schemas.microsoft.com/office/drawing/2014/main" id="{64560448-C5DE-44CB-852B-74F17AB84E98}"/>
+                <a16:creationId xmlns:a16="http://schemas.microsoft.com/office/drawing/2014/main" id="{23962611-DFD5-4092-AAFD-559E3DFCE2C9}"/>
               </a:ext>
               <a:ext uri="{C183D7F6-B498-43B3-948B-1728B52AA6E4}">
                 <adec:decorative xmlns:adec="http://schemas.microsoft.com/office/drawing/2017/decorative" val="1"/>
@@ -23615,8 +24372,8 @@
         </p:nvSpPr>
         <p:spPr>
           <a:xfrm>
-            <a:off x="2" y="0"/>
-            <a:ext cx="5446920" cy="6858000"/>
+            <a:off x="475488" y="0"/>
+            <a:ext cx="10910292" cy="6858000"/>
           </a:xfrm>
           <a:prstGeom prst="rect">
             <a:avLst/>
@@ -23677,10 +24434,10 @@
       </p:sp>
       <p:pic>
         <p:nvPicPr>
-          <p:cNvPr id="16" name="Picture 15">
+          <p:cNvPr id="12" name="Picture 11">
             <a:extLst>
               <a:ext uri="{FF2B5EF4-FFF2-40B4-BE49-F238E27FC236}">
-                <a16:creationId xmlns:a16="http://schemas.microsoft.com/office/drawing/2014/main" id="{0548CC08-81C9-41AC-A6CB-CF1C25451F0F}"/>
+                <a16:creationId xmlns:a16="http://schemas.microsoft.com/office/drawing/2014/main" id="{2270F1FA-0425-408F-9861-80BF5AFB276D}"/>
               </a:ext>
               <a:ext uri="{C183D7F6-B498-43B3-948B-1728B52AA6E4}">
                 <adec:decorative xmlns:adec="http://schemas.microsoft.com/office/drawing/2017/decorative" val="1"/>
@@ -23722,10 +24479,10 @@
       </p:pic>
       <p:sp>
         <p:nvSpPr>
-          <p:cNvPr id="2" name="Title 1">
+          <p:cNvPr id="4" name="Title 3">
             <a:extLst>
               <a:ext uri="{FF2B5EF4-FFF2-40B4-BE49-F238E27FC236}">
-                <a16:creationId xmlns:a16="http://schemas.microsoft.com/office/drawing/2014/main" id="{1B889AF1-4037-48A2-A579-AD03A9458B8E}"/>
+                <a16:creationId xmlns:a16="http://schemas.microsoft.com/office/drawing/2014/main" id="{84147EAB-1DAB-4102-9F07-D587E178D7F6}"/>
               </a:ext>
             </a:extLst>
           </p:cNvPr>
@@ -23733,230 +24490,75 @@
             <a:spLocks noGrp="1"/>
           </p:cNvSpPr>
           <p:nvPr>
-            <p:ph type="title"/>
+            <p:ph type="ctrTitle"/>
           </p:nvPr>
         </p:nvSpPr>
         <p:spPr>
           <a:xfrm>
-            <a:off x="640079" y="2023236"/>
-            <a:ext cx="3659777" cy="2820908"/>
+            <a:off x="3045368" y="2043663"/>
+            <a:ext cx="6105194" cy="2031055"/>
           </a:xfrm>
         </p:spPr>
         <p:txBody>
-          <a:bodyPr vert="horz" lIns="91440" tIns="45720" rIns="91440" bIns="45720" rtlCol="0" anchor="ctr">
+          <a:bodyPr>
             <a:normAutofit/>
           </a:bodyPr>
           <a:lstStyle/>
           <a:p>
             <a:r>
-              <a:rPr lang="en-US" sz="4000" kern="1200" dirty="0">
+              <a:rPr lang="en-US" dirty="0">
                 <a:solidFill>
                   <a:srgbClr val="FFFFFF"/>
                 </a:solidFill>
-                <a:latin typeface="+mj-lt"/>
-                <a:ea typeface="+mj-ea"/>
-                <a:cs typeface="+mj-cs"/>
               </a:rPr>
-              <a:t>Random Forest</a:t>
+              <a:t>Why?</a:t>
             </a:r>
           </a:p>
         </p:txBody>
       </p:sp>
-      <p:pic>
-        <p:nvPicPr>
-          <p:cNvPr id="8" name="Content Placeholder 7">
-            <a:extLst>
-              <a:ext uri="{FF2B5EF4-FFF2-40B4-BE49-F238E27FC236}">
-                <a16:creationId xmlns:a16="http://schemas.microsoft.com/office/drawing/2014/main" id="{D67E0883-8C43-4017-A7D8-67E5B4A16705}"/>
-              </a:ext>
-            </a:extLst>
-          </p:cNvPr>
-          <p:cNvPicPr>
-            <a:picLocks noGrp="1" noChangeAspect="1"/>
-          </p:cNvPicPr>
-          <p:nvPr>
-            <p:ph sz="half" idx="1"/>
-          </p:nvPr>
-        </p:nvPicPr>
-        <p:blipFill>
-          <a:blip r:embed="rId3"/>
-          <a:stretch>
-            <a:fillRect/>
-          </a:stretch>
-        </p:blipFill>
-        <p:spPr>
-          <a:xfrm>
-            <a:off x="6204155" y="355283"/>
-            <a:ext cx="5112774" cy="3659504"/>
-          </a:xfrm>
-          <a:prstGeom prst="rect">
-            <a:avLst/>
-          </a:prstGeom>
-        </p:spPr>
-      </p:pic>
       <p:sp>
         <p:nvSpPr>
-          <p:cNvPr id="18" name="Rectangle 17">
+          <p:cNvPr id="5" name="Subtitle 4">
             <a:extLst>
               <a:ext uri="{FF2B5EF4-FFF2-40B4-BE49-F238E27FC236}">
-                <a16:creationId xmlns:a16="http://schemas.microsoft.com/office/drawing/2014/main" id="{408674C0-52AE-4A01-BCDA-3D1673A8D294}"/>
-              </a:ext>
-              <a:ext uri="{C183D7F6-B498-43B3-948B-1728B52AA6E4}">
-                <adec:decorative xmlns:adec="http://schemas.microsoft.com/office/drawing/2017/decorative" val="1"/>
+                <a16:creationId xmlns:a16="http://schemas.microsoft.com/office/drawing/2014/main" id="{727DB3CA-4203-4C1F-8182-A3C066D60A60}"/>
               </a:ext>
             </a:extLst>
           </p:cNvPr>
           <p:cNvSpPr>
-            <a:spLocks noGrp="1" noRot="1" noChangeAspect="1" noMove="1" noResize="1" noEditPoints="1" noAdjustHandles="1" noChangeArrowheads="1" noChangeShapeType="1" noTextEdit="1"/>
+            <a:spLocks noGrp="1"/>
           </p:cNvSpPr>
           <p:nvPr>
-            <p:extLst>
-              <p:ext uri="{386F3935-93C4-4BCD-93E2-E3B085C9AB24}">
-                <p16:designElem xmlns:p16="http://schemas.microsoft.com/office/powerpoint/2015/main" val="1"/>
-              </p:ext>
-            </p:extLst>
+            <p:ph type="subTitle" idx="1"/>
           </p:nvPr>
         </p:nvSpPr>
         <p:spPr>
           <a:xfrm>
-            <a:off x="6414087" y="4079694"/>
-            <a:ext cx="4977975" cy="1979514"/>
+            <a:off x="3045368" y="4074718"/>
+            <a:ext cx="6105194" cy="682079"/>
           </a:xfrm>
-          <a:prstGeom prst="rect">
-            <a:avLst/>
-          </a:prstGeom>
-          <a:solidFill>
-            <a:srgbClr val="FFFFFF"/>
-          </a:solidFill>
-          <a:ln>
-            <a:gradFill>
-              <a:gsLst>
-                <a:gs pos="0">
-                  <a:schemeClr val="accent1">
-                    <a:lumMod val="40000"/>
-                    <a:lumOff val="60000"/>
-                  </a:schemeClr>
-                </a:gs>
-                <a:gs pos="23000">
-                  <a:schemeClr val="accent1">
-                    <a:lumMod val="45000"/>
-                    <a:lumOff val="55000"/>
-                  </a:schemeClr>
-                </a:gs>
-                <a:gs pos="82000">
-                  <a:schemeClr val="bg2">
-                    <a:lumMod val="75000"/>
-                  </a:schemeClr>
-                </a:gs>
-                <a:gs pos="100000">
-                  <a:schemeClr val="bg2">
-                    <a:lumMod val="50000"/>
-                  </a:schemeClr>
-                </a:gs>
-              </a:gsLst>
-              <a:lin ang="5400000" scaled="1"/>
-            </a:gradFill>
-          </a:ln>
         </p:spPr>
-        <p:style>
-          <a:lnRef idx="2">
-            <a:schemeClr val="accent1">
-              <a:shade val="50000"/>
-            </a:schemeClr>
-          </a:lnRef>
-          <a:fillRef idx="1">
-            <a:schemeClr val="accent1"/>
-          </a:fillRef>
-          <a:effectRef idx="0">
-            <a:schemeClr val="accent1"/>
-          </a:effectRef>
-          <a:fontRef idx="minor">
-            <a:schemeClr val="lt1"/>
-          </a:fontRef>
-        </p:style>
         <p:txBody>
-          <a:bodyPr rtlCol="0" anchor="ctr"/>
+          <a:bodyPr>
+            <a:normAutofit/>
+          </a:bodyPr>
           <a:lstStyle/>
           <a:p>
-            <a:pPr algn="ctr"/>
-            <a:endParaRPr lang="en-US"/>
+            <a:r>
+              <a:rPr lang="en-US">
+                <a:solidFill>
+                  <a:srgbClr val="FFFFFF"/>
+                </a:solidFill>
+              </a:rPr>
+              <a:t>Random Forest Algorithm…</a:t>
+            </a:r>
           </a:p>
         </p:txBody>
       </p:sp>
-      <p:pic>
-        <p:nvPicPr>
-          <p:cNvPr id="5" name="Content Placeholder 4">
-            <a:extLst>
-              <a:ext uri="{FF2B5EF4-FFF2-40B4-BE49-F238E27FC236}">
-                <a16:creationId xmlns:a16="http://schemas.microsoft.com/office/drawing/2014/main" id="{701E660C-1F71-4698-9B1F-3802A99B9E30}"/>
-              </a:ext>
-            </a:extLst>
-          </p:cNvPr>
-          <p:cNvPicPr>
-            <a:picLocks noChangeAspect="1"/>
-          </p:cNvPicPr>
-          <p:nvPr/>
-        </p:nvPicPr>
-        <p:blipFill rotWithShape="1">
-          <a:blip r:embed="rId4">
-            <a:alphaModFix/>
-          </a:blip>
-          <a:srcRect r="28578" b="4"/>
-          <a:stretch/>
-        </p:blipFill>
-        <p:spPr>
-          <a:xfrm>
-            <a:off x="6568983" y="4242846"/>
-            <a:ext cx="2246067" cy="1658819"/>
-          </a:xfrm>
-          <a:prstGeom prst="rect">
-            <a:avLst/>
-          </a:prstGeom>
-          <a:effectLst>
-            <a:softEdge rad="0"/>
-          </a:effectLst>
-        </p:spPr>
-      </p:pic>
-      <p:pic>
-        <p:nvPicPr>
-          <p:cNvPr id="7" name="Content Placeholder 6">
-            <a:extLst>
-              <a:ext uri="{FF2B5EF4-FFF2-40B4-BE49-F238E27FC236}">
-                <a16:creationId xmlns:a16="http://schemas.microsoft.com/office/drawing/2014/main" id="{F689C079-FE3B-4669-BECB-DBBE46EBB7C5}"/>
-              </a:ext>
-            </a:extLst>
-          </p:cNvPr>
-          <p:cNvPicPr>
-            <a:picLocks noGrp="1" noChangeAspect="1"/>
-          </p:cNvPicPr>
-          <p:nvPr>
-            <p:ph sz="half" idx="2"/>
-          </p:nvPr>
-        </p:nvPicPr>
-        <p:blipFill rotWithShape="1">
-          <a:blip r:embed="rId5">
-            <a:alphaModFix/>
-          </a:blip>
-          <a:srcRect t="533" r="-3" b="-3"/>
-          <a:stretch/>
-        </p:blipFill>
-        <p:spPr>
-          <a:xfrm>
-            <a:off x="8984937" y="4239061"/>
-            <a:ext cx="2246067" cy="1658819"/>
-          </a:xfrm>
-          <a:prstGeom prst="rect">
-            <a:avLst/>
-          </a:prstGeom>
-          <a:effectLst>
-            <a:softEdge rad="0"/>
-          </a:effectLst>
-        </p:spPr>
-      </p:pic>
     </p:spTree>
     <p:extLst>
       <p:ext uri="{BB962C8B-B14F-4D97-AF65-F5344CB8AC3E}">
-        <p14:creationId xmlns:p14="http://schemas.microsoft.com/office/powerpoint/2010/main" val="1884542210"/>
+        <p14:creationId xmlns:p14="http://schemas.microsoft.com/office/powerpoint/2010/main" val="3539483417"/>
       </p:ext>
     </p:extLst>
   </p:cSld>
